--- a/MiniQ/Virtualization.pptx
+++ b/MiniQ/Virtualization.pptx
@@ -216,7 +216,7 @@
           <a:p>
             <a:fld id="{48A61713-36D2-407A-8546-2931C52F0F31}" type="datetimeFigureOut">
               <a:rPr lang="ru-RU" smtClean="0"/>
-              <a:t>04.09.2016</a:t>
+              <a:t>11.09.2016</a:t>
             </a:fld>
             <a:endParaRPr lang="ru-RU"/>
           </a:p>
@@ -530,11 +530,11 @@
           <a:p>
             <a:r>
               <a:rPr lang="ru-RU" dirty="0" smtClean="0"/>
-              <a:t>Используете</a:t>
+              <a:t>Кратко</a:t>
             </a:r>
             <a:r>
               <a:rPr lang="ru-RU" baseline="0" dirty="0" smtClean="0"/>
-              <a:t> ли вы сейчас?</a:t>
+              <a:t> обо мне</a:t>
             </a:r>
             <a:endParaRPr lang="ru-RU" dirty="0"/>
           </a:p>
@@ -557,7 +557,7 @@
           <a:p>
             <a:fld id="{88B5C74B-023A-4F1B-B7BB-3AA6A1B48B52}" type="slidenum">
               <a:rPr lang="ru-RU" smtClean="0"/>
-              <a:t>3</a:t>
+              <a:t>2</a:t>
             </a:fld>
             <a:endParaRPr lang="ru-RU"/>
           </a:p>
@@ -566,7 +566,7 @@
     </p:spTree>
     <p:extLst>
       <p:ext uri="{BB962C8B-B14F-4D97-AF65-F5344CB8AC3E}">
-        <p14:creationId xmlns:p14="http://schemas.microsoft.com/office/powerpoint/2010/main" val="1647450237"/>
+        <p14:creationId xmlns:p14="http://schemas.microsoft.com/office/powerpoint/2010/main" val="4116355638"/>
       </p:ext>
     </p:extLst>
   </p:cSld>
@@ -622,17 +622,30 @@
           <a:p>
             <a:r>
               <a:rPr lang="ru-RU" dirty="0" smtClean="0"/>
-              <a:t>Гипервизор второго типа в отличии от первого,</a:t>
+              <a:t>Рассмотрим</a:t>
             </a:r>
             <a:r>
               <a:rPr lang="ru-RU" baseline="0" dirty="0" smtClean="0"/>
-              <a:t> является приложением, которое устанавливается и работает в операционной системе. Таким образом в связке добавляется </a:t>
-            </a:r>
-            <a:r>
-              <a:rPr lang="ru-RU" baseline="0" smtClean="0"/>
-              <a:t>новый уровень</a:t>
-            </a:r>
-            <a:endParaRPr lang="ru-RU" dirty="0"/>
+              <a:t> уровень операционной системы.</a:t>
+            </a:r>
+          </a:p>
+          <a:p>
+            <a:r>
+              <a:rPr lang="ru-RU" baseline="0" dirty="0" smtClean="0"/>
+              <a:t>На этом уровне системы работает гипервизор первого типа.</a:t>
+            </a:r>
+          </a:p>
+          <a:p>
+            <a:r>
+              <a:rPr lang="ru-RU" baseline="0" dirty="0" smtClean="0"/>
+              <a:t>Он ставится напрямую на железо (как операционная система), взаимодействует с ним напрямую и по сути замещает ОС.</a:t>
+            </a:r>
+          </a:p>
+          <a:p>
+            <a:r>
+              <a:rPr lang="ru-RU" baseline="0" dirty="0" smtClean="0"/>
+              <a:t>За счет отсутствия ОС это быстро и стабильнее (так как гипервизор хоть и походит на ОС, но оптимизирован в первую очередь только для запуска виртуальных систем)</a:t>
+            </a:r>
           </a:p>
         </p:txBody>
       </p:sp>
@@ -653,7 +666,7 @@
           <a:p>
             <a:fld id="{88B5C74B-023A-4F1B-B7BB-3AA6A1B48B52}" type="slidenum">
               <a:rPr lang="ru-RU" smtClean="0"/>
-              <a:t>14</a:t>
+              <a:t>11</a:t>
             </a:fld>
             <a:endParaRPr lang="ru-RU"/>
           </a:p>
@@ -662,7 +675,7 @@
     </p:spTree>
     <p:extLst>
       <p:ext uri="{BB962C8B-B14F-4D97-AF65-F5344CB8AC3E}">
-        <p14:creationId xmlns:p14="http://schemas.microsoft.com/office/powerpoint/2010/main" val="3799760205"/>
+        <p14:creationId xmlns:p14="http://schemas.microsoft.com/office/powerpoint/2010/main" val="332889430"/>
       </p:ext>
     </p:extLst>
   </p:cSld>
@@ -716,47 +729,110 @@
           <a:bodyPr/>
           <a:lstStyle/>
           <a:p>
-            <a:r>
-              <a:rPr lang="ru-RU" dirty="0" smtClean="0"/>
-              <a:t>Какой быстрее?</a:t>
-            </a:r>
-          </a:p>
-          <a:p>
-            <a:r>
-              <a:rPr lang="ru-RU" dirty="0" smtClean="0"/>
-              <a:t>- Надо пробовать</a:t>
-            </a:r>
-          </a:p>
-          <a:p>
+            <a:pPr marL="0" marR="0" indent="0" algn="l" defTabSz="914400" rtl="0" eaLnBrk="1" fontAlgn="auto" latinLnBrk="0" hangingPunct="1">
+              <a:lnSpc>
+                <a:spcPct val="100000"/>
+              </a:lnSpc>
+              <a:spcBef>
+                <a:spcPts val="0"/>
+              </a:spcBef>
+              <a:spcAft>
+                <a:spcPts val="0"/>
+              </a:spcAft>
+              <a:buClrTx/>
+              <a:buSzTx/>
+              <a:buFontTx/>
+              <a:buNone/>
+              <a:tabLst/>
+              <a:defRPr/>
+            </a:pPr>
+            <a:r>
+              <a:rPr lang="ru-RU" baseline="0" dirty="0" smtClean="0"/>
+              <a:t>Некоторые из таких гипервизоров базируются на немного переработанном ядре ОС (такие как </a:t>
+            </a:r>
+            <a:r>
+              <a:rPr lang="en-US" baseline="0" dirty="0" err="1" smtClean="0"/>
+              <a:t>XenServer</a:t>
+            </a:r>
+            <a:r>
+              <a:rPr lang="en-US" baseline="0" dirty="0" smtClean="0"/>
+              <a:t> </a:t>
+            </a:r>
+            <a:r>
+              <a:rPr lang="ru-RU" baseline="0" dirty="0" smtClean="0"/>
+              <a:t>и</a:t>
+            </a:r>
+            <a:r>
+              <a:rPr lang="en-US" baseline="0" dirty="0" smtClean="0"/>
+              <a:t> Hyper-V), </a:t>
+            </a:r>
+            <a:r>
+              <a:rPr lang="ru-RU" baseline="0" dirty="0" smtClean="0"/>
+              <a:t>некоторые – это отдельные наработки </a:t>
+            </a:r>
+            <a:r>
+              <a:rPr lang="en-US" baseline="0" dirty="0" smtClean="0"/>
+              <a:t>(</a:t>
+            </a:r>
+            <a:r>
+              <a:rPr lang="en-US" baseline="0" dirty="0" err="1" smtClean="0"/>
+              <a:t>VMWare</a:t>
+            </a:r>
+            <a:r>
+              <a:rPr lang="en-US" baseline="0" dirty="0" smtClean="0"/>
+              <a:t> </a:t>
+            </a:r>
+            <a:r>
+              <a:rPr lang="en-US" baseline="0" dirty="0" err="1" smtClean="0"/>
+              <a:t>ESXi</a:t>
+            </a:r>
+            <a:r>
+              <a:rPr lang="en-US" baseline="0" dirty="0" smtClean="0"/>
+              <a:t>) </a:t>
+            </a:r>
+            <a:endParaRPr lang="ru-RU" baseline="0" dirty="0" smtClean="0"/>
+          </a:p>
+          <a:p>
+            <a:pPr marL="0" marR="0" indent="0" algn="l" defTabSz="914400" rtl="0" eaLnBrk="1" fontAlgn="auto" latinLnBrk="0" hangingPunct="1">
+              <a:lnSpc>
+                <a:spcPct val="100000"/>
+              </a:lnSpc>
+              <a:spcBef>
+                <a:spcPts val="0"/>
+              </a:spcBef>
+              <a:spcAft>
+                <a:spcPts val="0"/>
+              </a:spcAft>
+              <a:buClrTx/>
+              <a:buSzTx/>
+              <a:buFontTx/>
+              <a:buNone/>
+              <a:tabLst/>
+              <a:defRPr/>
+            </a:pPr>
+            <a:r>
+              <a:rPr lang="ru-RU" baseline="0" dirty="0" smtClean="0"/>
+              <a:t>Объединяет их то что знать о них неплохо, но как разработчики или </a:t>
+            </a:r>
+            <a:r>
+              <a:rPr lang="ru-RU" baseline="0" dirty="0" err="1" smtClean="0"/>
+              <a:t>тестировщики</a:t>
+            </a:r>
+            <a:r>
+              <a:rPr lang="ru-RU" baseline="0" dirty="0" smtClean="0"/>
+              <a:t>, вы </a:t>
+            </a:r>
+            <a:r>
+              <a:rPr lang="ru-RU" baseline="0" dirty="0" err="1" smtClean="0"/>
+              <a:t>врядли</a:t>
+            </a:r>
+            <a:r>
+              <a:rPr lang="ru-RU" baseline="0" dirty="0" smtClean="0"/>
+              <a:t> будете с ними работать</a:t>
+            </a:r>
             <a:endParaRPr lang="ru-RU" dirty="0" smtClean="0"/>
           </a:p>
           <a:p>
-            <a:r>
-              <a:rPr lang="ru-RU" dirty="0" smtClean="0"/>
-              <a:t>Чем</a:t>
-            </a:r>
-            <a:r>
-              <a:rPr lang="ru-RU" baseline="0" dirty="0" smtClean="0"/>
-              <a:t> лучше?</a:t>
-            </a:r>
-          </a:p>
-          <a:p>
-            <a:r>
-              <a:rPr lang="ru-RU" baseline="0" dirty="0" smtClean="0"/>
-              <a:t>Много бесплатных решений</a:t>
-            </a:r>
-          </a:p>
-          <a:p>
-            <a:r>
-              <a:rPr lang="ru-RU" baseline="0" dirty="0" smtClean="0"/>
-              <a:t>Легко поставить</a:t>
-            </a:r>
-          </a:p>
-          <a:p>
-            <a:r>
-              <a:rPr lang="ru-RU" baseline="0" dirty="0" smtClean="0"/>
-              <a:t>Эксперименты</a:t>
-            </a:r>
             <a:endParaRPr lang="ru-RU" dirty="0"/>
           </a:p>
         </p:txBody>
@@ -778,7 +854,7 @@
           <a:p>
             <a:fld id="{88B5C74B-023A-4F1B-B7BB-3AA6A1B48B52}" type="slidenum">
               <a:rPr lang="ru-RU" smtClean="0"/>
-              <a:t>16</a:t>
+              <a:t>12</a:t>
             </a:fld>
             <a:endParaRPr lang="ru-RU"/>
           </a:p>
@@ -787,7 +863,7 @@
     </p:spTree>
     <p:extLst>
       <p:ext uri="{BB962C8B-B14F-4D97-AF65-F5344CB8AC3E}">
-        <p14:creationId xmlns:p14="http://schemas.microsoft.com/office/powerpoint/2010/main" val="2974885209"/>
+        <p14:creationId xmlns:p14="http://schemas.microsoft.com/office/powerpoint/2010/main" val="1124119431"/>
       </p:ext>
     </p:extLst>
   </p:cSld>
@@ -843,9 +919,715 @@
           <a:p>
             <a:r>
               <a:rPr lang="ru-RU" dirty="0" smtClean="0"/>
-              <a:t>Лучше использует память и процессор</a:t>
+              <a:t>Если рассматривать уровень </a:t>
+            </a:r>
+            <a:r>
+              <a:rPr lang="ru-RU" dirty="0" smtClean="0"/>
+              <a:t>приложений</a:t>
+            </a:r>
+            <a:r>
+              <a:rPr lang="ru-RU" baseline="0" dirty="0" smtClean="0"/>
+              <a:t> </a:t>
+            </a:r>
+            <a:r>
+              <a:rPr lang="ru-RU" dirty="0" smtClean="0"/>
+              <a:t>операционной </a:t>
+            </a:r>
+            <a:r>
+              <a:rPr lang="ru-RU" dirty="0" smtClean="0"/>
+              <a:t>системы, то здесь стоит различать</a:t>
+            </a:r>
+          </a:p>
+          <a:p>
+            <a:r>
+              <a:rPr lang="ru-RU" dirty="0" smtClean="0"/>
+              <a:t>Гипервизоры 2 типа</a:t>
+            </a:r>
+          </a:p>
+          <a:p>
+            <a:r>
+              <a:rPr lang="ru-RU" dirty="0" smtClean="0"/>
+              <a:t>И контейнеры. Контейнеры на самом деле не совсем относятся к виртуализации</a:t>
+            </a:r>
+            <a:r>
+              <a:rPr lang="ru-RU" baseline="0" dirty="0" smtClean="0"/>
+              <a:t> систем, но ввиду большой популярности я бы хотел включить их в обзор.</a:t>
+            </a:r>
+          </a:p>
+        </p:txBody>
+      </p:sp>
+      <p:sp>
+        <p:nvSpPr>
+          <p:cNvPr id="4" name="Номер слайда 3"/>
+          <p:cNvSpPr>
+            <a:spLocks noGrp="1"/>
+          </p:cNvSpPr>
+          <p:nvPr>
+            <p:ph type="sldNum" sz="quarter" idx="10"/>
+          </p:nvPr>
+        </p:nvSpPr>
+        <p:spPr/>
+        <p:txBody>
+          <a:bodyPr/>
+          <a:lstStyle/>
+          <a:p>
+            <a:fld id="{88B5C74B-023A-4F1B-B7BB-3AA6A1B48B52}" type="slidenum">
+              <a:rPr lang="ru-RU" smtClean="0"/>
+              <a:t>13</a:t>
+            </a:fld>
+            <a:endParaRPr lang="ru-RU"/>
+          </a:p>
+        </p:txBody>
+      </p:sp>
+    </p:spTree>
+    <p:extLst>
+      <p:ext uri="{BB962C8B-B14F-4D97-AF65-F5344CB8AC3E}">
+        <p14:creationId xmlns:p14="http://schemas.microsoft.com/office/powerpoint/2010/main" val="552999973"/>
+      </p:ext>
+    </p:extLst>
+  </p:cSld>
+  <p:clrMapOvr>
+    <a:masterClrMapping/>
+  </p:clrMapOvr>
+</p:notes>
+</file>
+
+<file path=ppt/notesSlides/notesSlide13.xml><?xml version="1.0" encoding="utf-8"?>
+<p:notes xmlns:a="http://schemas.openxmlformats.org/drawingml/2006/main" xmlns:r="http://schemas.openxmlformats.org/officeDocument/2006/relationships" xmlns:p="http://schemas.openxmlformats.org/presentationml/2006/main">
+  <p:cSld>
+    <p:spTree>
+      <p:nvGrpSpPr>
+        <p:cNvPr id="1" name=""/>
+        <p:cNvGrpSpPr/>
+        <p:nvPr/>
+      </p:nvGrpSpPr>
+      <p:grpSpPr>
+        <a:xfrm>
+          <a:off x="0" y="0"/>
+          <a:ext cx="0" cy="0"/>
+          <a:chOff x="0" y="0"/>
+          <a:chExt cx="0" cy="0"/>
+        </a:xfrm>
+      </p:grpSpPr>
+      <p:sp>
+        <p:nvSpPr>
+          <p:cNvPr id="2" name="Образ слайда 1"/>
+          <p:cNvSpPr>
+            <a:spLocks noGrp="1" noRot="1" noChangeAspect="1"/>
+          </p:cNvSpPr>
+          <p:nvPr>
+            <p:ph type="sldImg"/>
+          </p:nvPr>
+        </p:nvSpPr>
+        <p:spPr/>
+      </p:sp>
+      <p:sp>
+        <p:nvSpPr>
+          <p:cNvPr id="3" name="Заметки 2"/>
+          <p:cNvSpPr>
+            <a:spLocks noGrp="1"/>
+          </p:cNvSpPr>
+          <p:nvPr>
+            <p:ph type="body" idx="1"/>
+          </p:nvPr>
+        </p:nvSpPr>
+        <p:spPr/>
+        <p:txBody>
+          <a:bodyPr/>
+          <a:lstStyle/>
+          <a:p>
+            <a:r>
+              <a:rPr lang="ru-RU" dirty="0" smtClean="0"/>
+              <a:t>Гипервизор второго типа в отличии от первого,</a:t>
+            </a:r>
+            <a:r>
+              <a:rPr lang="ru-RU" baseline="0" dirty="0" smtClean="0"/>
+              <a:t> является приложением, которое устанавливается и работает в операционной системе. Таким образом в связке добавляется новый уровень – операционная система, которая в теории безусловно влияет на производительность в худшую сторону.</a:t>
+            </a:r>
+          </a:p>
+          <a:p>
+            <a:r>
+              <a:rPr lang="ru-RU" baseline="0" dirty="0" smtClean="0"/>
+              <a:t>Но именно гипервизоры второго типа наиболее популярны</a:t>
             </a:r>
             <a:endParaRPr lang="ru-RU" dirty="0"/>
+          </a:p>
+        </p:txBody>
+      </p:sp>
+      <p:sp>
+        <p:nvSpPr>
+          <p:cNvPr id="4" name="Номер слайда 3"/>
+          <p:cNvSpPr>
+            <a:spLocks noGrp="1"/>
+          </p:cNvSpPr>
+          <p:nvPr>
+            <p:ph type="sldNum" sz="quarter" idx="10"/>
+          </p:nvPr>
+        </p:nvSpPr>
+        <p:spPr/>
+        <p:txBody>
+          <a:bodyPr/>
+          <a:lstStyle/>
+          <a:p>
+            <a:fld id="{88B5C74B-023A-4F1B-B7BB-3AA6A1B48B52}" type="slidenum">
+              <a:rPr lang="ru-RU" smtClean="0"/>
+              <a:t>14</a:t>
+            </a:fld>
+            <a:endParaRPr lang="ru-RU"/>
+          </a:p>
+        </p:txBody>
+      </p:sp>
+    </p:spTree>
+    <p:extLst>
+      <p:ext uri="{BB962C8B-B14F-4D97-AF65-F5344CB8AC3E}">
+        <p14:creationId xmlns:p14="http://schemas.microsoft.com/office/powerpoint/2010/main" val="3799760205"/>
+      </p:ext>
+    </p:extLst>
+  </p:cSld>
+  <p:clrMapOvr>
+    <a:masterClrMapping/>
+  </p:clrMapOvr>
+</p:notes>
+</file>
+
+<file path=ppt/notesSlides/notesSlide14.xml><?xml version="1.0" encoding="utf-8"?>
+<p:notes xmlns:a="http://schemas.openxmlformats.org/drawingml/2006/main" xmlns:r="http://schemas.openxmlformats.org/officeDocument/2006/relationships" xmlns:p="http://schemas.openxmlformats.org/presentationml/2006/main">
+  <p:cSld>
+    <p:spTree>
+      <p:nvGrpSpPr>
+        <p:cNvPr id="1" name=""/>
+        <p:cNvGrpSpPr/>
+        <p:nvPr/>
+      </p:nvGrpSpPr>
+      <p:grpSpPr>
+        <a:xfrm>
+          <a:off x="0" y="0"/>
+          <a:ext cx="0" cy="0"/>
+          <a:chOff x="0" y="0"/>
+          <a:chExt cx="0" cy="0"/>
+        </a:xfrm>
+      </p:grpSpPr>
+      <p:sp>
+        <p:nvSpPr>
+          <p:cNvPr id="2" name="Образ слайда 1"/>
+          <p:cNvSpPr>
+            <a:spLocks noGrp="1" noRot="1" noChangeAspect="1"/>
+          </p:cNvSpPr>
+          <p:nvPr>
+            <p:ph type="sldImg"/>
+          </p:nvPr>
+        </p:nvSpPr>
+        <p:spPr/>
+      </p:sp>
+      <p:sp>
+        <p:nvSpPr>
+          <p:cNvPr id="3" name="Заметки 2"/>
+          <p:cNvSpPr>
+            <a:spLocks noGrp="1"/>
+          </p:cNvSpPr>
+          <p:nvPr>
+            <p:ph type="body" idx="1"/>
+          </p:nvPr>
+        </p:nvSpPr>
+        <p:spPr/>
+        <p:txBody>
+          <a:bodyPr/>
+          <a:lstStyle/>
+          <a:p>
+            <a:r>
+              <a:rPr lang="ru-RU" dirty="0" smtClean="0"/>
+              <a:t>Реализаций</a:t>
+            </a:r>
+            <a:r>
+              <a:rPr lang="ru-RU" baseline="0" dirty="0" smtClean="0"/>
+              <a:t> </a:t>
+            </a:r>
+            <a:r>
+              <a:rPr lang="ru-RU" dirty="0" smtClean="0"/>
+              <a:t>Гипервизоров</a:t>
+            </a:r>
+            <a:r>
+              <a:rPr lang="ru-RU" baseline="0" dirty="0" smtClean="0"/>
+              <a:t> второго типа достаточно много, самыми популярными являются</a:t>
+            </a:r>
+          </a:p>
+          <a:p>
+            <a:r>
+              <a:rPr lang="en-US" baseline="0" dirty="0" err="1" smtClean="0"/>
+              <a:t>Virtualbox</a:t>
+            </a:r>
+            <a:r>
+              <a:rPr lang="en-US" baseline="0" dirty="0" smtClean="0"/>
+              <a:t> </a:t>
+            </a:r>
+            <a:r>
+              <a:rPr lang="ru-RU" baseline="0" dirty="0" smtClean="0"/>
+              <a:t>(бесплатный) и </a:t>
+            </a:r>
+            <a:r>
+              <a:rPr lang="en-US" baseline="0" dirty="0" err="1" smtClean="0"/>
+              <a:t>VMWare</a:t>
+            </a:r>
+            <a:r>
+              <a:rPr lang="en-US" baseline="0" dirty="0" smtClean="0"/>
+              <a:t> Workstation (</a:t>
+            </a:r>
+            <a:r>
+              <a:rPr lang="ru-RU" baseline="0" dirty="0" smtClean="0"/>
+              <a:t>платный, хотя есть </a:t>
+            </a:r>
+            <a:r>
+              <a:rPr lang="en-US" baseline="0" dirty="0" err="1" smtClean="0"/>
+              <a:t>VMWare</a:t>
+            </a:r>
+            <a:r>
+              <a:rPr lang="en-US" baseline="0" dirty="0" smtClean="0"/>
+              <a:t> Player </a:t>
+            </a:r>
+            <a:r>
+              <a:rPr lang="ru-RU" baseline="0" dirty="0" smtClean="0"/>
+              <a:t>который бесплатен и который в принципе большинство вещей может делать)</a:t>
+            </a:r>
+          </a:p>
+          <a:p>
+            <a:r>
+              <a:rPr lang="ru-RU" baseline="0" dirty="0" smtClean="0"/>
+              <a:t>В среде </a:t>
+            </a:r>
+            <a:r>
+              <a:rPr lang="en-US" baseline="0" dirty="0" err="1" smtClean="0"/>
+              <a:t>linux</a:t>
+            </a:r>
+            <a:r>
+              <a:rPr lang="en-US" baseline="0" dirty="0" smtClean="0"/>
+              <a:t> </a:t>
+            </a:r>
+            <a:r>
+              <a:rPr lang="ru-RU" baseline="0" dirty="0" smtClean="0"/>
+              <a:t>популярны не только эти два но еще и гипервизор </a:t>
+            </a:r>
+            <a:r>
+              <a:rPr lang="en-US" baseline="0" dirty="0" err="1" smtClean="0"/>
+              <a:t>Xen</a:t>
+            </a:r>
+            <a:r>
+              <a:rPr lang="en-US" baseline="0" dirty="0" smtClean="0"/>
+              <a:t>. </a:t>
+            </a:r>
+            <a:r>
+              <a:rPr lang="ru-RU" baseline="0" dirty="0" smtClean="0"/>
+              <a:t>Насколько я слышал, именно </a:t>
+            </a:r>
+            <a:r>
+              <a:rPr lang="en-US" baseline="0" dirty="0" err="1" smtClean="0"/>
+              <a:t>xen</a:t>
+            </a:r>
+            <a:r>
+              <a:rPr lang="en-US" baseline="0" dirty="0" smtClean="0"/>
+              <a:t> </a:t>
+            </a:r>
+            <a:r>
+              <a:rPr lang="ru-RU" baseline="0" dirty="0" smtClean="0"/>
+              <a:t>в том или ином виде используется в </a:t>
+            </a:r>
+            <a:r>
+              <a:rPr lang="en-US" baseline="0" dirty="0" smtClean="0"/>
+              <a:t>Amazon EC2</a:t>
+            </a:r>
+          </a:p>
+          <a:p>
+            <a:r>
+              <a:rPr lang="ru-RU" baseline="0" dirty="0" smtClean="0"/>
+              <a:t>Также я хотел бы обратить внимание на еще два гипервизора </a:t>
+            </a:r>
+            <a:r>
+              <a:rPr lang="en-US" baseline="0" dirty="0" smtClean="0"/>
+              <a:t>– Microsoft Hyper-V </a:t>
+            </a:r>
+            <a:r>
+              <a:rPr lang="ru-RU" baseline="0" dirty="0" smtClean="0"/>
+              <a:t>и </a:t>
+            </a:r>
+            <a:r>
+              <a:rPr lang="en-US" baseline="0" dirty="0" smtClean="0"/>
+              <a:t>KVM – </a:t>
+            </a:r>
+            <a:r>
+              <a:rPr lang="ru-RU" baseline="0" dirty="0" smtClean="0"/>
+              <a:t>это гипервизоры для </a:t>
+            </a:r>
+            <a:r>
+              <a:rPr lang="en-US" baseline="0" dirty="0" smtClean="0"/>
+              <a:t>windows </a:t>
+            </a:r>
+            <a:r>
+              <a:rPr lang="ru-RU" baseline="0" dirty="0" smtClean="0"/>
+              <a:t>и </a:t>
+            </a:r>
+            <a:r>
+              <a:rPr lang="en-US" baseline="0" dirty="0" err="1" smtClean="0"/>
+              <a:t>linux</a:t>
+            </a:r>
+            <a:r>
+              <a:rPr lang="en-US" baseline="0" dirty="0" smtClean="0"/>
+              <a:t> </a:t>
+            </a:r>
+            <a:r>
+              <a:rPr lang="ru-RU" baseline="0" dirty="0" smtClean="0"/>
+              <a:t>соответственно и их отличие в том, что они уже есть в поставке системы. Они не ставятся автоматически, но их можно </a:t>
+            </a:r>
+            <a:r>
+              <a:rPr lang="ru-RU" baseline="0" dirty="0" err="1" smtClean="0"/>
+              <a:t>доустановить</a:t>
+            </a:r>
+            <a:r>
+              <a:rPr lang="ru-RU" baseline="0" dirty="0" smtClean="0"/>
+              <a:t> и дистрибутива достаточно</a:t>
+            </a:r>
+          </a:p>
+          <a:p>
+            <a:endParaRPr lang="ru-RU" baseline="0" dirty="0" smtClean="0"/>
+          </a:p>
+          <a:p>
+            <a:r>
+              <a:rPr lang="ru-RU" dirty="0" smtClean="0"/>
+              <a:t>Какой из них</a:t>
+            </a:r>
+            <a:r>
+              <a:rPr lang="ru-RU" baseline="0" dirty="0" smtClean="0"/>
+              <a:t> лучше? </a:t>
+            </a:r>
+          </a:p>
+          <a:p>
+            <a:r>
+              <a:rPr lang="ru-RU" b="1" baseline="0" dirty="0" smtClean="0"/>
+              <a:t>Что вы подразумеваете под лучше?</a:t>
+            </a:r>
+          </a:p>
+          <a:p>
+            <a:r>
+              <a:rPr lang="ru-RU" baseline="0" dirty="0" smtClean="0"/>
+              <a:t>Если быстрее – то н</a:t>
+            </a:r>
+            <a:r>
+              <a:rPr lang="ru-RU" dirty="0" smtClean="0"/>
+              <a:t>адо пробовать</a:t>
+            </a:r>
+          </a:p>
+        </p:txBody>
+      </p:sp>
+      <p:sp>
+        <p:nvSpPr>
+          <p:cNvPr id="4" name="Номер слайда 3"/>
+          <p:cNvSpPr>
+            <a:spLocks noGrp="1"/>
+          </p:cNvSpPr>
+          <p:nvPr>
+            <p:ph type="sldNum" sz="quarter" idx="10"/>
+          </p:nvPr>
+        </p:nvSpPr>
+        <p:spPr/>
+        <p:txBody>
+          <a:bodyPr/>
+          <a:lstStyle/>
+          <a:p>
+            <a:fld id="{88B5C74B-023A-4F1B-B7BB-3AA6A1B48B52}" type="slidenum">
+              <a:rPr lang="ru-RU" smtClean="0"/>
+              <a:t>15</a:t>
+            </a:fld>
+            <a:endParaRPr lang="ru-RU"/>
+          </a:p>
+        </p:txBody>
+      </p:sp>
+    </p:spTree>
+    <p:extLst>
+      <p:ext uri="{BB962C8B-B14F-4D97-AF65-F5344CB8AC3E}">
+        <p14:creationId xmlns:p14="http://schemas.microsoft.com/office/powerpoint/2010/main" val="3016449209"/>
+      </p:ext>
+    </p:extLst>
+  </p:cSld>
+  <p:clrMapOvr>
+    <a:masterClrMapping/>
+  </p:clrMapOvr>
+</p:notes>
+</file>
+
+<file path=ppt/notesSlides/notesSlide15.xml><?xml version="1.0" encoding="utf-8"?>
+<p:notes xmlns:a="http://schemas.openxmlformats.org/drawingml/2006/main" xmlns:r="http://schemas.openxmlformats.org/officeDocument/2006/relationships" xmlns:p="http://schemas.openxmlformats.org/presentationml/2006/main">
+  <p:cSld>
+    <p:spTree>
+      <p:nvGrpSpPr>
+        <p:cNvPr id="1" name=""/>
+        <p:cNvGrpSpPr/>
+        <p:nvPr/>
+      </p:nvGrpSpPr>
+      <p:grpSpPr>
+        <a:xfrm>
+          <a:off x="0" y="0"/>
+          <a:ext cx="0" cy="0"/>
+          <a:chOff x="0" y="0"/>
+          <a:chExt cx="0" cy="0"/>
+        </a:xfrm>
+      </p:grpSpPr>
+      <p:sp>
+        <p:nvSpPr>
+          <p:cNvPr id="2" name="Образ слайда 1"/>
+          <p:cNvSpPr>
+            <a:spLocks noGrp="1" noRot="1" noChangeAspect="1"/>
+          </p:cNvSpPr>
+          <p:nvPr>
+            <p:ph type="sldImg"/>
+          </p:nvPr>
+        </p:nvSpPr>
+        <p:spPr/>
+      </p:sp>
+      <p:sp>
+        <p:nvSpPr>
+          <p:cNvPr id="3" name="Заметки 2"/>
+          <p:cNvSpPr>
+            <a:spLocks noGrp="1"/>
+          </p:cNvSpPr>
+          <p:nvPr>
+            <p:ph type="body" idx="1"/>
+          </p:nvPr>
+        </p:nvSpPr>
+        <p:spPr/>
+        <p:txBody>
+          <a:bodyPr/>
+          <a:lstStyle/>
+          <a:p>
+            <a:r>
+              <a:rPr lang="ru-RU" dirty="0" smtClean="0"/>
+              <a:t>Извечный вопрос для гипервизоров – это какой из них быстрее. Стал менее</a:t>
+            </a:r>
+            <a:r>
+              <a:rPr lang="ru-RU" baseline="0" dirty="0" smtClean="0"/>
+              <a:t> актуален, так как становятся все быстрее.</a:t>
+            </a:r>
+          </a:p>
+          <a:p>
+            <a:r>
+              <a:rPr lang="ru-RU" baseline="0" dirty="0" smtClean="0"/>
+              <a:t>И чтобы улучшать производительность гипервизоров, принцип работы гипервизоров может различаться. Некоторые гипервизоры могут использовать несколько подходов.</a:t>
+            </a:r>
+          </a:p>
+          <a:p>
+            <a:r>
+              <a:rPr lang="ru-RU" baseline="0" dirty="0" smtClean="0"/>
+              <a:t>Подход, который появился одним из первых и долгое время был самым популярным – бинарная трансляция. Все команды микропроцессору из гостевой ОС (а мы помним что они проходят через гипервизор прежде чем попасть в микропроцессор) оцениваются гипервизором и могут заменяться чтобы гостевая ОС нормально работала. Так может работать </a:t>
+            </a:r>
+            <a:r>
+              <a:rPr lang="ru-RU" baseline="0" dirty="0" err="1" smtClean="0"/>
+              <a:t>виртуалбокс</a:t>
+            </a:r>
+            <a:r>
+              <a:rPr lang="ru-RU" baseline="0" dirty="0" smtClean="0"/>
+              <a:t> и </a:t>
+            </a:r>
+            <a:r>
+              <a:rPr lang="en-US" baseline="0" dirty="0" err="1" smtClean="0"/>
+              <a:t>vmware</a:t>
+            </a:r>
+            <a:endParaRPr lang="ru-RU" baseline="0" dirty="0" smtClean="0"/>
+          </a:p>
+          <a:p>
+            <a:r>
+              <a:rPr lang="ru-RU" baseline="0" dirty="0" smtClean="0"/>
+              <a:t>Как видим, проблема в том чтобы гостевая ОС выдает команды которые нужно специальным образом обрабатывать. А что если обойти эти команды и вызывать гипервизор напрямую? И это принцип </a:t>
+            </a:r>
+            <a:r>
+              <a:rPr lang="ru-RU" baseline="0" dirty="0" err="1" smtClean="0"/>
+              <a:t>паравиртуализации</a:t>
+            </a:r>
+            <a:r>
+              <a:rPr lang="ru-RU" baseline="0" dirty="0" smtClean="0"/>
+              <a:t>.</a:t>
+            </a:r>
+          </a:p>
+          <a:p>
+            <a:r>
+              <a:rPr lang="ru-RU" baseline="0" dirty="0" smtClean="0"/>
+              <a:t>Но для </a:t>
+            </a:r>
+            <a:r>
+              <a:rPr lang="ru-RU" baseline="0" dirty="0" err="1" smtClean="0"/>
+              <a:t>паравиртуализации</a:t>
+            </a:r>
+            <a:r>
+              <a:rPr lang="ru-RU" baseline="0" dirty="0" smtClean="0"/>
+              <a:t> необходимо подготавливать гостевую операционную систему, менять ее ядро. Очевидно что в основном это работает только с ОС с открытым кодом (как </a:t>
+            </a:r>
+            <a:r>
+              <a:rPr lang="ru-RU" baseline="0" dirty="0" err="1" smtClean="0"/>
+              <a:t>линукс</a:t>
+            </a:r>
+            <a:r>
+              <a:rPr lang="ru-RU" baseline="0" dirty="0" smtClean="0"/>
+              <a:t>)</a:t>
+            </a:r>
+            <a:r>
+              <a:rPr lang="en-US" baseline="0" dirty="0" smtClean="0"/>
+              <a:t>. </a:t>
+            </a:r>
+            <a:r>
+              <a:rPr lang="ru-RU" baseline="0" dirty="0" smtClean="0"/>
+              <a:t>Так работает </a:t>
+            </a:r>
+            <a:r>
+              <a:rPr lang="en-US" baseline="0" dirty="0" err="1" smtClean="0"/>
+              <a:t>Xen</a:t>
+            </a:r>
+            <a:endParaRPr lang="ru-RU" baseline="0" dirty="0" smtClean="0"/>
+          </a:p>
+          <a:p>
+            <a:r>
+              <a:rPr lang="ru-RU" baseline="0" dirty="0" smtClean="0"/>
+              <a:t>Подход, который появился недавно, - это использование аппаратной поддержки виртуализации. Очевидно, что необходима поддержка железом. Все популярные современные гипервизоры </a:t>
+            </a:r>
+            <a:r>
+              <a:rPr lang="ru-RU" baseline="0" dirty="0" smtClean="0"/>
+              <a:t>могут использовать</a:t>
+            </a:r>
+            <a:endParaRPr lang="ru-RU" baseline="0" dirty="0" smtClean="0"/>
+          </a:p>
+          <a:p>
+            <a:r>
+              <a:rPr lang="ru-RU" baseline="0" dirty="0" smtClean="0"/>
+              <a:t>Какой быстрее – кто знает? Надо тестировать</a:t>
+            </a:r>
+            <a:endParaRPr lang="ru-RU" dirty="0"/>
+          </a:p>
+        </p:txBody>
+      </p:sp>
+      <p:sp>
+        <p:nvSpPr>
+          <p:cNvPr id="4" name="Номер слайда 3"/>
+          <p:cNvSpPr>
+            <a:spLocks noGrp="1"/>
+          </p:cNvSpPr>
+          <p:nvPr>
+            <p:ph type="sldNum" sz="quarter" idx="10"/>
+          </p:nvPr>
+        </p:nvSpPr>
+        <p:spPr/>
+        <p:txBody>
+          <a:bodyPr/>
+          <a:lstStyle/>
+          <a:p>
+            <a:fld id="{88B5C74B-023A-4F1B-B7BB-3AA6A1B48B52}" type="slidenum">
+              <a:rPr lang="ru-RU" smtClean="0"/>
+              <a:t>16</a:t>
+            </a:fld>
+            <a:endParaRPr lang="ru-RU"/>
+          </a:p>
+        </p:txBody>
+      </p:sp>
+    </p:spTree>
+    <p:extLst>
+      <p:ext uri="{BB962C8B-B14F-4D97-AF65-F5344CB8AC3E}">
+        <p14:creationId xmlns:p14="http://schemas.microsoft.com/office/powerpoint/2010/main" val="2974885209"/>
+      </p:ext>
+    </p:extLst>
+  </p:cSld>
+  <p:clrMapOvr>
+    <a:masterClrMapping/>
+  </p:clrMapOvr>
+</p:notes>
+</file>
+
+<file path=ppt/notesSlides/notesSlide16.xml><?xml version="1.0" encoding="utf-8"?>
+<p:notes xmlns:a="http://schemas.openxmlformats.org/drawingml/2006/main" xmlns:r="http://schemas.openxmlformats.org/officeDocument/2006/relationships" xmlns:p="http://schemas.openxmlformats.org/presentationml/2006/main">
+  <p:cSld>
+    <p:spTree>
+      <p:nvGrpSpPr>
+        <p:cNvPr id="1" name=""/>
+        <p:cNvGrpSpPr/>
+        <p:nvPr/>
+      </p:nvGrpSpPr>
+      <p:grpSpPr>
+        <a:xfrm>
+          <a:off x="0" y="0"/>
+          <a:ext cx="0" cy="0"/>
+          <a:chOff x="0" y="0"/>
+          <a:chExt cx="0" cy="0"/>
+        </a:xfrm>
+      </p:grpSpPr>
+      <p:sp>
+        <p:nvSpPr>
+          <p:cNvPr id="2" name="Образ слайда 1"/>
+          <p:cNvSpPr>
+            <a:spLocks noGrp="1" noRot="1" noChangeAspect="1"/>
+          </p:cNvSpPr>
+          <p:nvPr>
+            <p:ph type="sldImg"/>
+          </p:nvPr>
+        </p:nvSpPr>
+        <p:spPr/>
+      </p:sp>
+      <p:sp>
+        <p:nvSpPr>
+          <p:cNvPr id="3" name="Заметки 2"/>
+          <p:cNvSpPr>
+            <a:spLocks noGrp="1"/>
+          </p:cNvSpPr>
+          <p:nvPr>
+            <p:ph type="body" idx="1"/>
+          </p:nvPr>
+        </p:nvSpPr>
+        <p:spPr/>
+        <p:txBody>
+          <a:bodyPr/>
+          <a:lstStyle/>
+          <a:p>
+            <a:r>
+              <a:rPr lang="ru-RU" dirty="0" smtClean="0"/>
+              <a:t>Контейнеры – это еще один способ</a:t>
+            </a:r>
+            <a:r>
+              <a:rPr lang="ru-RU" baseline="0" dirty="0" smtClean="0"/>
+              <a:t> виртуализации.</a:t>
+            </a:r>
+          </a:p>
+          <a:p>
+            <a:r>
+              <a:rPr lang="ru-RU" baseline="0" dirty="0" smtClean="0"/>
+              <a:t>Как и в случае с гипервизором, созданные виртуальные системы (контейнеры) изолированы от </a:t>
+            </a:r>
+            <a:r>
+              <a:rPr lang="ru-RU" baseline="0" dirty="0" err="1" smtClean="0"/>
+              <a:t>хостовой</a:t>
+            </a:r>
+            <a:r>
+              <a:rPr lang="ru-RU" baseline="0" dirty="0" smtClean="0"/>
+              <a:t> ОС и друг друга.</a:t>
+            </a:r>
+          </a:p>
+          <a:p>
+            <a:r>
+              <a:rPr lang="ru-RU" baseline="0" dirty="0" smtClean="0"/>
+              <a:t>В отличии от гипервизора, созданные </a:t>
+            </a:r>
+            <a:r>
+              <a:rPr lang="ru-RU" baseline="0" dirty="0" smtClean="0"/>
+              <a:t>контейнеры </a:t>
+            </a:r>
+            <a:r>
+              <a:rPr lang="ru-RU" baseline="0" dirty="0" smtClean="0"/>
+              <a:t>работают на реальном оборудовании, и используют одно ядро ОС. по сути, виртуальная система не создается, создается лишь пространство пользователя, которое изолирует работу с памятью, файловой системой, запущенными процессами.</a:t>
+            </a:r>
+          </a:p>
+          <a:p>
+            <a:r>
+              <a:rPr lang="ru-RU" baseline="0" dirty="0" smtClean="0"/>
+              <a:t>За счет этого расходы на виртуализацию меньше чем с гипервизором.</a:t>
+            </a:r>
+          </a:p>
+          <a:p>
+            <a:r>
+              <a:rPr lang="ru-RU" baseline="0" dirty="0" smtClean="0"/>
+              <a:t>Именно за счет этих плюсов, контейнеры получили привлекли внимание</a:t>
+            </a:r>
+            <a:endParaRPr lang="ru-RU" dirty="0" smtClean="0"/>
           </a:p>
         </p:txBody>
       </p:sp>
@@ -876,6 +1658,386 @@
     <p:extLst>
       <p:ext uri="{BB962C8B-B14F-4D97-AF65-F5344CB8AC3E}">
         <p14:creationId xmlns:p14="http://schemas.microsoft.com/office/powerpoint/2010/main" val="4121845616"/>
+      </p:ext>
+    </p:extLst>
+  </p:cSld>
+  <p:clrMapOvr>
+    <a:masterClrMapping/>
+  </p:clrMapOvr>
+</p:notes>
+</file>
+
+<file path=ppt/notesSlides/notesSlide17.xml><?xml version="1.0" encoding="utf-8"?>
+<p:notes xmlns:a="http://schemas.openxmlformats.org/drawingml/2006/main" xmlns:r="http://schemas.openxmlformats.org/officeDocument/2006/relationships" xmlns:p="http://schemas.openxmlformats.org/presentationml/2006/main">
+  <p:cSld>
+    <p:spTree>
+      <p:nvGrpSpPr>
+        <p:cNvPr id="1" name=""/>
+        <p:cNvGrpSpPr/>
+        <p:nvPr/>
+      </p:nvGrpSpPr>
+      <p:grpSpPr>
+        <a:xfrm>
+          <a:off x="0" y="0"/>
+          <a:ext cx="0" cy="0"/>
+          <a:chOff x="0" y="0"/>
+          <a:chExt cx="0" cy="0"/>
+        </a:xfrm>
+      </p:grpSpPr>
+      <p:sp>
+        <p:nvSpPr>
+          <p:cNvPr id="2" name="Образ слайда 1"/>
+          <p:cNvSpPr>
+            <a:spLocks noGrp="1" noRot="1" noChangeAspect="1"/>
+          </p:cNvSpPr>
+          <p:nvPr>
+            <p:ph type="sldImg"/>
+          </p:nvPr>
+        </p:nvSpPr>
+        <p:spPr/>
+      </p:sp>
+      <p:sp>
+        <p:nvSpPr>
+          <p:cNvPr id="3" name="Заметки 2"/>
+          <p:cNvSpPr>
+            <a:spLocks noGrp="1"/>
+          </p:cNvSpPr>
+          <p:nvPr>
+            <p:ph type="body" idx="1"/>
+          </p:nvPr>
+        </p:nvSpPr>
+        <p:spPr/>
+        <p:txBody>
+          <a:bodyPr/>
+          <a:lstStyle/>
+          <a:p>
+            <a:r>
+              <a:rPr lang="ru-RU" dirty="0" smtClean="0"/>
+              <a:t>Проще всего показать разницу на примере такого сравнения</a:t>
+            </a:r>
+            <a:r>
+              <a:rPr lang="ru-RU" baseline="0" dirty="0" smtClean="0"/>
+              <a:t> (на слайде)</a:t>
+            </a:r>
+          </a:p>
+          <a:p>
+            <a:r>
+              <a:rPr lang="ru-RU" baseline="0" dirty="0" smtClean="0"/>
+              <a:t>Слева гипервизор, где у нас 5 слоев, справа – контейнеры. Заметьте что вместо гипервизора мы имеем более быстродействующий слой поддержки контейнеров, а уровень Гостевой ОС отсутствует</a:t>
+            </a:r>
+            <a:endParaRPr lang="ru-RU" dirty="0"/>
+          </a:p>
+        </p:txBody>
+      </p:sp>
+      <p:sp>
+        <p:nvSpPr>
+          <p:cNvPr id="4" name="Номер слайда 3"/>
+          <p:cNvSpPr>
+            <a:spLocks noGrp="1"/>
+          </p:cNvSpPr>
+          <p:nvPr>
+            <p:ph type="sldNum" sz="quarter" idx="10"/>
+          </p:nvPr>
+        </p:nvSpPr>
+        <p:spPr/>
+        <p:txBody>
+          <a:bodyPr/>
+          <a:lstStyle/>
+          <a:p>
+            <a:fld id="{88B5C74B-023A-4F1B-B7BB-3AA6A1B48B52}" type="slidenum">
+              <a:rPr lang="ru-RU" smtClean="0"/>
+              <a:t>18</a:t>
+            </a:fld>
+            <a:endParaRPr lang="ru-RU"/>
+          </a:p>
+        </p:txBody>
+      </p:sp>
+    </p:spTree>
+    <p:extLst>
+      <p:ext uri="{BB962C8B-B14F-4D97-AF65-F5344CB8AC3E}">
+        <p14:creationId xmlns:p14="http://schemas.microsoft.com/office/powerpoint/2010/main" val="1791551832"/>
+      </p:ext>
+    </p:extLst>
+  </p:cSld>
+  <p:clrMapOvr>
+    <a:masterClrMapping/>
+  </p:clrMapOvr>
+</p:notes>
+</file>
+
+<file path=ppt/notesSlides/notesSlide18.xml><?xml version="1.0" encoding="utf-8"?>
+<p:notes xmlns:a="http://schemas.openxmlformats.org/drawingml/2006/main" xmlns:r="http://schemas.openxmlformats.org/officeDocument/2006/relationships" xmlns:p="http://schemas.openxmlformats.org/presentationml/2006/main">
+  <p:cSld>
+    <p:spTree>
+      <p:nvGrpSpPr>
+        <p:cNvPr id="1" name=""/>
+        <p:cNvGrpSpPr/>
+        <p:nvPr/>
+      </p:nvGrpSpPr>
+      <p:grpSpPr>
+        <a:xfrm>
+          <a:off x="0" y="0"/>
+          <a:ext cx="0" cy="0"/>
+          <a:chOff x="0" y="0"/>
+          <a:chExt cx="0" cy="0"/>
+        </a:xfrm>
+      </p:grpSpPr>
+      <p:sp>
+        <p:nvSpPr>
+          <p:cNvPr id="2" name="Образ слайда 1"/>
+          <p:cNvSpPr>
+            <a:spLocks noGrp="1" noRot="1" noChangeAspect="1"/>
+          </p:cNvSpPr>
+          <p:nvPr>
+            <p:ph type="sldImg"/>
+          </p:nvPr>
+        </p:nvSpPr>
+        <p:spPr/>
+      </p:sp>
+      <p:sp>
+        <p:nvSpPr>
+          <p:cNvPr id="3" name="Заметки 2"/>
+          <p:cNvSpPr>
+            <a:spLocks noGrp="1"/>
+          </p:cNvSpPr>
+          <p:nvPr>
+            <p:ph type="body" idx="1"/>
+          </p:nvPr>
+        </p:nvSpPr>
+        <p:spPr/>
+        <p:txBody>
+          <a:bodyPr/>
+          <a:lstStyle/>
+          <a:p>
+            <a:r>
+              <a:rPr lang="ru-RU" dirty="0" smtClean="0"/>
+              <a:t>Примеры</a:t>
+            </a:r>
+            <a:r>
+              <a:rPr lang="ru-RU" baseline="0" dirty="0" smtClean="0"/>
+              <a:t> менеджеров контейнеров:</a:t>
+            </a:r>
+          </a:p>
+          <a:p>
+            <a:r>
+              <a:rPr lang="en-US" baseline="0" dirty="0" err="1" smtClean="0"/>
+              <a:t>Virtuozzo</a:t>
+            </a:r>
+            <a:endParaRPr lang="en-US" baseline="0" dirty="0" smtClean="0"/>
+          </a:p>
+          <a:p>
+            <a:r>
+              <a:rPr lang="en-US" baseline="0" dirty="0" err="1" smtClean="0"/>
+              <a:t>OpenVZ</a:t>
+            </a:r>
+            <a:endParaRPr lang="en-US" baseline="0" dirty="0" smtClean="0"/>
+          </a:p>
+          <a:p>
+            <a:r>
+              <a:rPr lang="en-US" baseline="0" dirty="0" smtClean="0"/>
+              <a:t>LXC</a:t>
+            </a:r>
+          </a:p>
+          <a:p>
+            <a:r>
+              <a:rPr lang="ru-RU" baseline="0" dirty="0" smtClean="0"/>
+              <a:t>Однако самым популярным является докер, который сейчас у всех на слуху</a:t>
+            </a:r>
+            <a:endParaRPr lang="ru-RU" dirty="0"/>
+          </a:p>
+        </p:txBody>
+      </p:sp>
+      <p:sp>
+        <p:nvSpPr>
+          <p:cNvPr id="4" name="Номер слайда 3"/>
+          <p:cNvSpPr>
+            <a:spLocks noGrp="1"/>
+          </p:cNvSpPr>
+          <p:nvPr>
+            <p:ph type="sldNum" sz="quarter" idx="10"/>
+          </p:nvPr>
+        </p:nvSpPr>
+        <p:spPr/>
+        <p:txBody>
+          <a:bodyPr/>
+          <a:lstStyle/>
+          <a:p>
+            <a:fld id="{88B5C74B-023A-4F1B-B7BB-3AA6A1B48B52}" type="slidenum">
+              <a:rPr lang="ru-RU" smtClean="0"/>
+              <a:t>19</a:t>
+            </a:fld>
+            <a:endParaRPr lang="ru-RU"/>
+          </a:p>
+        </p:txBody>
+      </p:sp>
+    </p:spTree>
+    <p:extLst>
+      <p:ext uri="{BB962C8B-B14F-4D97-AF65-F5344CB8AC3E}">
+        <p14:creationId xmlns:p14="http://schemas.microsoft.com/office/powerpoint/2010/main" val="3222873381"/>
+      </p:ext>
+    </p:extLst>
+  </p:cSld>
+  <p:clrMapOvr>
+    <a:masterClrMapping/>
+  </p:clrMapOvr>
+</p:notes>
+</file>
+
+<file path=ppt/notesSlides/notesSlide19.xml><?xml version="1.0" encoding="utf-8"?>
+<p:notes xmlns:a="http://schemas.openxmlformats.org/drawingml/2006/main" xmlns:r="http://schemas.openxmlformats.org/officeDocument/2006/relationships" xmlns:p="http://schemas.openxmlformats.org/presentationml/2006/main">
+  <p:cSld>
+    <p:spTree>
+      <p:nvGrpSpPr>
+        <p:cNvPr id="1" name=""/>
+        <p:cNvGrpSpPr/>
+        <p:nvPr/>
+      </p:nvGrpSpPr>
+      <p:grpSpPr>
+        <a:xfrm>
+          <a:off x="0" y="0"/>
+          <a:ext cx="0" cy="0"/>
+          <a:chOff x="0" y="0"/>
+          <a:chExt cx="0" cy="0"/>
+        </a:xfrm>
+      </p:grpSpPr>
+      <p:sp>
+        <p:nvSpPr>
+          <p:cNvPr id="2" name="Образ слайда 1"/>
+          <p:cNvSpPr>
+            <a:spLocks noGrp="1" noRot="1" noChangeAspect="1"/>
+          </p:cNvSpPr>
+          <p:nvPr>
+            <p:ph type="sldImg"/>
+          </p:nvPr>
+        </p:nvSpPr>
+        <p:spPr/>
+      </p:sp>
+      <p:sp>
+        <p:nvSpPr>
+          <p:cNvPr id="3" name="Заметки 2"/>
+          <p:cNvSpPr>
+            <a:spLocks noGrp="1"/>
+          </p:cNvSpPr>
+          <p:nvPr>
+            <p:ph type="body" idx="1"/>
+          </p:nvPr>
+        </p:nvSpPr>
+        <p:spPr/>
+        <p:txBody>
+          <a:bodyPr/>
+          <a:lstStyle/>
+          <a:p>
+            <a:r>
+              <a:rPr lang="ru-RU" baseline="0" dirty="0" smtClean="0"/>
+              <a:t>(на слайде показан </a:t>
+            </a:r>
+            <a:r>
+              <a:rPr lang="en-US" baseline="0" dirty="0" err="1" smtClean="0"/>
+              <a:t>google</a:t>
+            </a:r>
+            <a:r>
+              <a:rPr lang="en-US" baseline="0" dirty="0" smtClean="0"/>
+              <a:t> trends </a:t>
+            </a:r>
+            <a:r>
+              <a:rPr lang="ru-RU" baseline="0" dirty="0" smtClean="0"/>
+              <a:t>который показывает сравнительную популярность данных контейнеров)</a:t>
+            </a:r>
+          </a:p>
+          <a:p>
+            <a:r>
+              <a:rPr lang="ru-RU" dirty="0" smtClean="0"/>
+              <a:t>Докер, Почему</a:t>
+            </a:r>
+            <a:r>
+              <a:rPr lang="ru-RU" baseline="0" dirty="0" smtClean="0"/>
+              <a:t> он стал популярен </a:t>
+            </a:r>
+          </a:p>
+          <a:p>
+            <a:r>
+              <a:rPr lang="ru-RU" baseline="0" dirty="0" smtClean="0"/>
+              <a:t>Потому что позволяет создавать контейнеры просто и быстро, контейнеры в нем хранятся в переносимом формате, так что можно их копировать на другой компьютер и другую ОС. Также </a:t>
+            </a:r>
+            <a:r>
+              <a:rPr lang="en-US" baseline="0" dirty="0" err="1" smtClean="0"/>
+              <a:t>DockerHub</a:t>
+            </a:r>
+            <a:r>
+              <a:rPr lang="en-US" baseline="0" dirty="0" smtClean="0"/>
+              <a:t> </a:t>
+            </a:r>
+            <a:r>
+              <a:rPr lang="ru-RU" baseline="0" dirty="0" smtClean="0"/>
+              <a:t>сделал для контейнеров примерно то же что управление зависимостей в </a:t>
+            </a:r>
+            <a:r>
+              <a:rPr lang="en-US" baseline="0" dirty="0" smtClean="0"/>
+              <a:t>Maven</a:t>
+            </a:r>
+            <a:r>
+              <a:rPr lang="ru-RU" baseline="0" dirty="0" smtClean="0"/>
+              <a:t> – для </a:t>
+            </a:r>
+            <a:r>
+              <a:rPr lang="en-US" baseline="0" dirty="0" smtClean="0"/>
+              <a:t>java </a:t>
+            </a:r>
+            <a:r>
+              <a:rPr lang="ru-RU" baseline="0" dirty="0" smtClean="0"/>
+              <a:t>мира. </a:t>
+            </a:r>
+            <a:r>
+              <a:rPr lang="en-US" baseline="0" dirty="0" err="1" smtClean="0"/>
+              <a:t>DockerHub</a:t>
+            </a:r>
+            <a:r>
+              <a:rPr lang="en-US" baseline="0" dirty="0" smtClean="0"/>
+              <a:t> – </a:t>
+            </a:r>
+            <a:r>
+              <a:rPr lang="ru-RU" baseline="0" dirty="0" smtClean="0"/>
+              <a:t>центральный </a:t>
+            </a:r>
+            <a:r>
+              <a:rPr lang="ru-RU" baseline="0" dirty="0" err="1" smtClean="0"/>
+              <a:t>репозиторий</a:t>
+            </a:r>
+            <a:r>
+              <a:rPr lang="ru-RU" baseline="0" dirty="0" smtClean="0"/>
+              <a:t> образов, которые можно использовать для создания контейнеров. Пользователи могут создавать свои  образы и обмениваться ими – социализация в лучшем виде</a:t>
+            </a:r>
+            <a:endParaRPr lang="ru-RU" dirty="0"/>
+          </a:p>
+        </p:txBody>
+      </p:sp>
+      <p:sp>
+        <p:nvSpPr>
+          <p:cNvPr id="4" name="Номер слайда 3"/>
+          <p:cNvSpPr>
+            <a:spLocks noGrp="1"/>
+          </p:cNvSpPr>
+          <p:nvPr>
+            <p:ph type="sldNum" sz="quarter" idx="10"/>
+          </p:nvPr>
+        </p:nvSpPr>
+        <p:spPr/>
+        <p:txBody>
+          <a:bodyPr/>
+          <a:lstStyle/>
+          <a:p>
+            <a:fld id="{88B5C74B-023A-4F1B-B7BB-3AA6A1B48B52}" type="slidenum">
+              <a:rPr lang="ru-RU" smtClean="0"/>
+              <a:t>20</a:t>
+            </a:fld>
+            <a:endParaRPr lang="ru-RU"/>
+          </a:p>
+        </p:txBody>
+      </p:sp>
+    </p:spTree>
+    <p:extLst>
+      <p:ext uri="{BB962C8B-B14F-4D97-AF65-F5344CB8AC3E}">
+        <p14:creationId xmlns:p14="http://schemas.microsoft.com/office/powerpoint/2010/main" val="753445377"/>
       </p:ext>
     </p:extLst>
   </p:cSld>
@@ -931,31 +2093,96 @@
           <a:p>
             <a:r>
               <a:rPr lang="ru-RU" dirty="0" smtClean="0"/>
-              <a:t>Основные</a:t>
+              <a:t>Используете</a:t>
             </a:r>
             <a:r>
               <a:rPr lang="ru-RU" baseline="0" dirty="0" smtClean="0"/>
-              <a:t> термины которые используются в виртуализации:</a:t>
-            </a:r>
-          </a:p>
-          <a:p>
+              <a:t> ли вы сейчас?</a:t>
+            </a:r>
+          </a:p>
+          <a:p>
+            <a:r>
+              <a:rPr lang="ru-RU" dirty="0" smtClean="0"/>
+              <a:t>В</a:t>
+            </a:r>
             <a:r>
               <a:rPr lang="ru-RU" baseline="0" dirty="0" smtClean="0"/>
-              <a:t>Реальный компьютер на котором вы работает называется Хостом, Виртуальный компьютер, который создается специальной программой = гость</a:t>
-            </a:r>
-          </a:p>
-          <a:p>
+              <a:t> этой презентации мы поговорим о том</a:t>
+            </a:r>
+          </a:p>
+          <a:p>
+            <a:pPr marL="171450" indent="-171450">
+              <a:buFontTx/>
+              <a:buChar char="-"/>
+            </a:pPr>
             <a:r>
               <a:rPr lang="ru-RU" baseline="0" dirty="0" smtClean="0"/>
-              <a:t>Специальная программа создает виртуальные компьютеры и передает команды от гостевой ОС к </a:t>
+              <a:t>Что такое виртуализация? Поскольку тема очень объемная то</a:t>
+            </a:r>
+          </a:p>
+          <a:p>
+            <a:pPr marL="628650" lvl="1" indent="-171450">
+              <a:buFontTx/>
+              <a:buChar char="-"/>
+            </a:pPr>
+            <a:r>
+              <a:rPr lang="ru-RU" baseline="0" dirty="0" smtClean="0"/>
+              <a:t>Только виртуализация систем</a:t>
+            </a:r>
+          </a:p>
+          <a:p>
+            <a:pPr marL="171450" lvl="0" indent="-171450">
+              <a:buFontTx/>
+              <a:buChar char="-"/>
+            </a:pPr>
+            <a:r>
+              <a:rPr lang="ru-RU" baseline="0" dirty="0" smtClean="0"/>
+              <a:t>На каких уровнях системы поддерживается виртуализация</a:t>
+            </a:r>
+          </a:p>
+          <a:p>
+            <a:pPr marL="171450" lvl="0" indent="-171450">
+              <a:buFontTx/>
+              <a:buChar char="-"/>
+            </a:pPr>
+            <a:r>
+              <a:rPr lang="ru-RU" baseline="0" dirty="0" smtClean="0"/>
+              <a:t>Что такое гипервизор и какие они бывают</a:t>
+            </a:r>
+          </a:p>
+          <a:p>
+            <a:pPr marL="628650" lvl="1" indent="-171450">
+              <a:buFontTx/>
+              <a:buChar char="-"/>
+            </a:pPr>
+            <a:r>
+              <a:rPr lang="ru-RU" baseline="0" dirty="0" smtClean="0"/>
+              <a:t>Маленький </a:t>
             </a:r>
             <a:r>
               <a:rPr lang="ru-RU" baseline="0" dirty="0" err="1" smtClean="0"/>
-              <a:t>хостовой</a:t>
-            </a:r>
+              <a:t>спойлер</a:t>
+            </a:r>
+            <a:endParaRPr lang="ru-RU" baseline="0" dirty="0" smtClean="0"/>
+          </a:p>
+          <a:p>
+            <a:pPr marL="171450" lvl="0" indent="-171450">
+              <a:buFontTx/>
+              <a:buChar char="-"/>
+            </a:pPr>
             <a:r>
               <a:rPr lang="ru-RU" baseline="0" dirty="0" smtClean="0"/>
-              <a:t> ОС. Она называется гипервизором или менеджером виртуальных машин</a:t>
+              <a:t>Кратенько затронем тему контейнеров</a:t>
+            </a:r>
+          </a:p>
+          <a:p>
+            <a:pPr marL="171450" lvl="0" indent="-171450">
+              <a:buFontTx/>
+              <a:buChar char="-"/>
+            </a:pPr>
+            <a:r>
+              <a:rPr lang="ru-RU" baseline="0" dirty="0" smtClean="0"/>
+              <a:t>А также попробуем рассмотреть почему виртуализация стала популярна и остается популярной до сих пор</a:t>
             </a:r>
             <a:endParaRPr lang="ru-RU" dirty="0"/>
           </a:p>
@@ -978,7 +2205,7 @@
           <a:p>
             <a:fld id="{88B5C74B-023A-4F1B-B7BB-3AA6A1B48B52}" type="slidenum">
               <a:rPr lang="ru-RU" smtClean="0"/>
-              <a:t>6</a:t>
+              <a:t>3</a:t>
             </a:fld>
             <a:endParaRPr lang="ru-RU"/>
           </a:p>
@@ -987,7 +2214,470 @@
     </p:spTree>
     <p:extLst>
       <p:ext uri="{BB962C8B-B14F-4D97-AF65-F5344CB8AC3E}">
-        <p14:creationId xmlns:p14="http://schemas.microsoft.com/office/powerpoint/2010/main" val="925958297"/>
+        <p14:creationId xmlns:p14="http://schemas.microsoft.com/office/powerpoint/2010/main" val="1647450237"/>
+      </p:ext>
+    </p:extLst>
+  </p:cSld>
+  <p:clrMapOvr>
+    <a:masterClrMapping/>
+  </p:clrMapOvr>
+</p:notes>
+</file>
+
+<file path=ppt/notesSlides/notesSlide20.xml><?xml version="1.0" encoding="utf-8"?>
+<p:notes xmlns:a="http://schemas.openxmlformats.org/drawingml/2006/main" xmlns:r="http://schemas.openxmlformats.org/officeDocument/2006/relationships" xmlns:p="http://schemas.openxmlformats.org/presentationml/2006/main">
+  <p:cSld>
+    <p:spTree>
+      <p:nvGrpSpPr>
+        <p:cNvPr id="1" name=""/>
+        <p:cNvGrpSpPr/>
+        <p:nvPr/>
+      </p:nvGrpSpPr>
+      <p:grpSpPr>
+        <a:xfrm>
+          <a:off x="0" y="0"/>
+          <a:ext cx="0" cy="0"/>
+          <a:chOff x="0" y="0"/>
+          <a:chExt cx="0" cy="0"/>
+        </a:xfrm>
+      </p:grpSpPr>
+      <p:sp>
+        <p:nvSpPr>
+          <p:cNvPr id="2" name="Образ слайда 1"/>
+          <p:cNvSpPr>
+            <a:spLocks noGrp="1" noRot="1" noChangeAspect="1"/>
+          </p:cNvSpPr>
+          <p:nvPr>
+            <p:ph type="sldImg"/>
+          </p:nvPr>
+        </p:nvSpPr>
+        <p:spPr/>
+      </p:sp>
+      <p:sp>
+        <p:nvSpPr>
+          <p:cNvPr id="3" name="Заметки 2"/>
+          <p:cNvSpPr>
+            <a:spLocks noGrp="1"/>
+          </p:cNvSpPr>
+          <p:nvPr>
+            <p:ph type="body" idx="1"/>
+          </p:nvPr>
+        </p:nvSpPr>
+        <p:spPr/>
+        <p:txBody>
+          <a:bodyPr/>
+          <a:lstStyle/>
+          <a:p>
+            <a:r>
+              <a:rPr lang="ru-RU" dirty="0" smtClean="0"/>
+              <a:t>Как же</a:t>
+            </a:r>
+            <a:r>
+              <a:rPr lang="ru-RU" baseline="0" dirty="0" smtClean="0"/>
+              <a:t> можно применять докер?</a:t>
+            </a:r>
+          </a:p>
+          <a:p>
+            <a:r>
+              <a:rPr lang="ru-RU" baseline="0" dirty="0" smtClean="0"/>
+              <a:t>Он хорошо подходит для создания </a:t>
+            </a:r>
+            <a:r>
+              <a:rPr lang="ru-RU" baseline="0" smtClean="0"/>
+              <a:t>системы </a:t>
+            </a:r>
+            <a:r>
+              <a:rPr lang="ru-RU" baseline="0" smtClean="0"/>
+              <a:t>на </a:t>
+            </a:r>
+            <a:r>
+              <a:rPr lang="ru-RU" baseline="0" dirty="0" err="1" smtClean="0"/>
+              <a:t>микросервисной</a:t>
+            </a:r>
+            <a:r>
+              <a:rPr lang="ru-RU" baseline="0" dirty="0" smtClean="0"/>
+              <a:t> архитектуре – каждый компонент представляет собой отдельный контейнер который легко масштабировать и развертывать.</a:t>
+            </a:r>
+          </a:p>
+          <a:p>
+            <a:r>
+              <a:rPr lang="ru-RU" baseline="0" dirty="0" smtClean="0"/>
+              <a:t>Докер позволяет выстроить ваш процесс разработки по принципу </a:t>
+            </a:r>
+            <a:r>
+              <a:rPr lang="en-US" baseline="0" dirty="0" smtClean="0"/>
+              <a:t>continuous delivery</a:t>
+            </a:r>
+            <a:r>
+              <a:rPr lang="ru-RU" baseline="0" dirty="0" smtClean="0"/>
+              <a:t>, когда образ передается от разработчика к </a:t>
+            </a:r>
+            <a:r>
+              <a:rPr lang="ru-RU" baseline="0" dirty="0" err="1" smtClean="0"/>
+              <a:t>тестировщику</a:t>
+            </a:r>
+            <a:r>
+              <a:rPr lang="ru-RU" baseline="0" dirty="0" smtClean="0"/>
+              <a:t> и потом ставится на </a:t>
+            </a:r>
+            <a:r>
+              <a:rPr lang="ru-RU" baseline="0" dirty="0" err="1" smtClean="0"/>
+              <a:t>продакшен</a:t>
+            </a:r>
+            <a:endParaRPr lang="ru-RU" baseline="0" dirty="0" smtClean="0"/>
+          </a:p>
+          <a:p>
+            <a:endParaRPr lang="ru-RU" dirty="0"/>
+          </a:p>
+        </p:txBody>
+      </p:sp>
+      <p:sp>
+        <p:nvSpPr>
+          <p:cNvPr id="4" name="Номер слайда 3"/>
+          <p:cNvSpPr>
+            <a:spLocks noGrp="1"/>
+          </p:cNvSpPr>
+          <p:nvPr>
+            <p:ph type="sldNum" sz="quarter" idx="10"/>
+          </p:nvPr>
+        </p:nvSpPr>
+        <p:spPr/>
+        <p:txBody>
+          <a:bodyPr/>
+          <a:lstStyle/>
+          <a:p>
+            <a:fld id="{88B5C74B-023A-4F1B-B7BB-3AA6A1B48B52}" type="slidenum">
+              <a:rPr lang="ru-RU" smtClean="0"/>
+              <a:t>21</a:t>
+            </a:fld>
+            <a:endParaRPr lang="ru-RU"/>
+          </a:p>
+        </p:txBody>
+      </p:sp>
+    </p:spTree>
+    <p:extLst>
+      <p:ext uri="{BB962C8B-B14F-4D97-AF65-F5344CB8AC3E}">
+        <p14:creationId xmlns:p14="http://schemas.microsoft.com/office/powerpoint/2010/main" val="429372618"/>
+      </p:ext>
+    </p:extLst>
+  </p:cSld>
+  <p:clrMapOvr>
+    <a:masterClrMapping/>
+  </p:clrMapOvr>
+</p:notes>
+</file>
+
+<file path=ppt/notesSlides/notesSlide21.xml><?xml version="1.0" encoding="utf-8"?>
+<p:notes xmlns:a="http://schemas.openxmlformats.org/drawingml/2006/main" xmlns:r="http://schemas.openxmlformats.org/officeDocument/2006/relationships" xmlns:p="http://schemas.openxmlformats.org/presentationml/2006/main">
+  <p:cSld>
+    <p:spTree>
+      <p:nvGrpSpPr>
+        <p:cNvPr id="1" name=""/>
+        <p:cNvGrpSpPr/>
+        <p:nvPr/>
+      </p:nvGrpSpPr>
+      <p:grpSpPr>
+        <a:xfrm>
+          <a:off x="0" y="0"/>
+          <a:ext cx="0" cy="0"/>
+          <a:chOff x="0" y="0"/>
+          <a:chExt cx="0" cy="0"/>
+        </a:xfrm>
+      </p:grpSpPr>
+      <p:sp>
+        <p:nvSpPr>
+          <p:cNvPr id="2" name="Образ слайда 1"/>
+          <p:cNvSpPr>
+            <a:spLocks noGrp="1" noRot="1" noChangeAspect="1"/>
+          </p:cNvSpPr>
+          <p:nvPr>
+            <p:ph type="sldImg"/>
+          </p:nvPr>
+        </p:nvSpPr>
+        <p:spPr/>
+      </p:sp>
+      <p:sp>
+        <p:nvSpPr>
+          <p:cNvPr id="3" name="Заметки 2"/>
+          <p:cNvSpPr>
+            <a:spLocks noGrp="1"/>
+          </p:cNvSpPr>
+          <p:nvPr>
+            <p:ph type="body" idx="1"/>
+          </p:nvPr>
+        </p:nvSpPr>
+        <p:spPr/>
+        <p:txBody>
+          <a:bodyPr/>
+          <a:lstStyle/>
+          <a:p>
+            <a:r>
+              <a:rPr lang="ru-RU" dirty="0" smtClean="0"/>
+              <a:t>Теперь вернемся к виртуализации в целом, почему же она популярно</a:t>
+            </a:r>
+          </a:p>
+          <a:p>
+            <a:pPr marL="171450" indent="-171450">
+              <a:buFontTx/>
+              <a:buChar char="-"/>
+            </a:pPr>
+            <a:r>
+              <a:rPr lang="ru-RU" baseline="0" dirty="0" smtClean="0"/>
+              <a:t>Потому что это повышает безопасность</a:t>
+            </a:r>
+          </a:p>
+          <a:p>
+            <a:pPr marL="171450" indent="-171450">
+              <a:buFontTx/>
+              <a:buChar char="-"/>
+            </a:pPr>
+            <a:r>
+              <a:rPr lang="ru-RU" baseline="0" dirty="0" smtClean="0"/>
+              <a:t>Потому что мы можем</a:t>
+            </a:r>
+          </a:p>
+          <a:p>
+            <a:pPr marL="628650" lvl="1" indent="-171450">
+              <a:buFontTx/>
+              <a:buChar char="-"/>
+            </a:pPr>
+            <a:r>
+              <a:rPr lang="ru-RU" baseline="0" dirty="0" smtClean="0"/>
+              <a:t>Быстро мигрировать виртуальные машины между хостами</a:t>
+            </a:r>
+          </a:p>
+          <a:p>
+            <a:pPr marL="628650" lvl="1" indent="-171450">
+              <a:buFontTx/>
+              <a:buChar char="-"/>
+            </a:pPr>
+            <a:r>
+              <a:rPr lang="ru-RU" baseline="0" dirty="0" smtClean="0"/>
+              <a:t>Быстрее производить апгрейд (на самом деле у нас на руках уже будет обновленная виртуальная машина, нам нужно просто заменить существующую)</a:t>
+            </a:r>
+          </a:p>
+          <a:p>
+            <a:pPr marL="628650" lvl="1" indent="-171450">
+              <a:buFontTx/>
+              <a:buChar char="-"/>
+            </a:pPr>
+            <a:r>
+              <a:rPr lang="ru-RU" baseline="0" dirty="0" smtClean="0"/>
+              <a:t>Быстро масштабировать (просто скопировать виртуальную машину на другой хост)</a:t>
+            </a:r>
+          </a:p>
+          <a:p>
+            <a:pPr marL="171450" lvl="0" indent="-171450">
+              <a:buFontTx/>
+              <a:buChar char="-"/>
+            </a:pPr>
+            <a:r>
+              <a:rPr lang="ru-RU" baseline="0" dirty="0" smtClean="0"/>
+              <a:t>Позволит запустить другую ОС</a:t>
+            </a:r>
+          </a:p>
+          <a:p>
+            <a:pPr marL="171450" lvl="0" indent="-171450">
+              <a:buFontTx/>
+              <a:buChar char="-"/>
+            </a:pPr>
+            <a:r>
+              <a:rPr lang="ru-RU" baseline="0" dirty="0" smtClean="0"/>
+              <a:t>Удобно использовать для тестирования</a:t>
+            </a:r>
+          </a:p>
+          <a:p>
+            <a:pPr marL="171450" lvl="0" indent="-171450">
+              <a:buFontTx/>
+              <a:buChar char="-"/>
+            </a:pPr>
+            <a:r>
+              <a:rPr lang="ru-RU" baseline="0" dirty="0" smtClean="0"/>
+              <a:t>Виртуализация позволит </a:t>
+            </a:r>
+            <a:r>
+              <a:rPr lang="ru-RU" baseline="0" dirty="0" err="1" smtClean="0"/>
+              <a:t>оптимальнее</a:t>
+            </a:r>
+            <a:r>
+              <a:rPr lang="ru-RU" baseline="0" dirty="0" smtClean="0"/>
+              <a:t> распределить ресурсы физической машины между несколькими виртуальными</a:t>
+            </a:r>
+            <a:endParaRPr lang="ru-RU" dirty="0"/>
+          </a:p>
+        </p:txBody>
+      </p:sp>
+      <p:sp>
+        <p:nvSpPr>
+          <p:cNvPr id="4" name="Номер слайда 3"/>
+          <p:cNvSpPr>
+            <a:spLocks noGrp="1"/>
+          </p:cNvSpPr>
+          <p:nvPr>
+            <p:ph type="sldNum" sz="quarter" idx="10"/>
+          </p:nvPr>
+        </p:nvSpPr>
+        <p:spPr/>
+        <p:txBody>
+          <a:bodyPr/>
+          <a:lstStyle/>
+          <a:p>
+            <a:fld id="{88B5C74B-023A-4F1B-B7BB-3AA6A1B48B52}" type="slidenum">
+              <a:rPr lang="ru-RU" smtClean="0"/>
+              <a:t>22</a:t>
+            </a:fld>
+            <a:endParaRPr lang="ru-RU"/>
+          </a:p>
+        </p:txBody>
+      </p:sp>
+    </p:spTree>
+    <p:extLst>
+      <p:ext uri="{BB962C8B-B14F-4D97-AF65-F5344CB8AC3E}">
+        <p14:creationId xmlns:p14="http://schemas.microsoft.com/office/powerpoint/2010/main" val="1074131044"/>
+      </p:ext>
+    </p:extLst>
+  </p:cSld>
+  <p:clrMapOvr>
+    <a:masterClrMapping/>
+  </p:clrMapOvr>
+</p:notes>
+</file>
+
+<file path=ppt/notesSlides/notesSlide22.xml><?xml version="1.0" encoding="utf-8"?>
+<p:notes xmlns:a="http://schemas.openxmlformats.org/drawingml/2006/main" xmlns:r="http://schemas.openxmlformats.org/officeDocument/2006/relationships" xmlns:p="http://schemas.openxmlformats.org/presentationml/2006/main">
+  <p:cSld>
+    <p:spTree>
+      <p:nvGrpSpPr>
+        <p:cNvPr id="1" name=""/>
+        <p:cNvGrpSpPr/>
+        <p:nvPr/>
+      </p:nvGrpSpPr>
+      <p:grpSpPr>
+        <a:xfrm>
+          <a:off x="0" y="0"/>
+          <a:ext cx="0" cy="0"/>
+          <a:chOff x="0" y="0"/>
+          <a:chExt cx="0" cy="0"/>
+        </a:xfrm>
+      </p:grpSpPr>
+      <p:sp>
+        <p:nvSpPr>
+          <p:cNvPr id="2" name="Образ слайда 1"/>
+          <p:cNvSpPr>
+            <a:spLocks noGrp="1" noRot="1" noChangeAspect="1"/>
+          </p:cNvSpPr>
+          <p:nvPr>
+            <p:ph type="sldImg"/>
+          </p:nvPr>
+        </p:nvSpPr>
+        <p:spPr/>
+      </p:sp>
+      <p:sp>
+        <p:nvSpPr>
+          <p:cNvPr id="3" name="Заметки 2"/>
+          <p:cNvSpPr>
+            <a:spLocks noGrp="1"/>
+          </p:cNvSpPr>
+          <p:nvPr>
+            <p:ph type="body" idx="1"/>
+          </p:nvPr>
+        </p:nvSpPr>
+        <p:spPr/>
+        <p:txBody>
+          <a:bodyPr/>
+          <a:lstStyle/>
+          <a:p>
+            <a:r>
+              <a:rPr lang="ru-RU" dirty="0" smtClean="0"/>
+              <a:t>Что же дает виртуализация для разработчика?</a:t>
+            </a:r>
+          </a:p>
+          <a:p>
+            <a:r>
+              <a:rPr lang="ru-RU" dirty="0" smtClean="0"/>
+              <a:t>Она</a:t>
+            </a:r>
+            <a:r>
+              <a:rPr lang="ru-RU" baseline="0" dirty="0" smtClean="0"/>
+              <a:t> дает среду разработки. Единожды настроив ОС со средой разработки (и БД, и сервер приложений, и кучу всего всего), вы можете поделиться созданной виртуальной машиной с коллегами и им не придется выполнять всю настройку что вы уже сделали</a:t>
+            </a:r>
+          </a:p>
+          <a:p>
+            <a:r>
+              <a:rPr lang="ru-RU" baseline="0" dirty="0" smtClean="0"/>
+              <a:t>Позволяет протестировать приложение примерно на той же конфигурации что и на </a:t>
+            </a:r>
+            <a:r>
+              <a:rPr lang="ru-RU" baseline="0" dirty="0" err="1" smtClean="0"/>
+              <a:t>продакшене</a:t>
+            </a:r>
+            <a:r>
+              <a:rPr lang="ru-RU" baseline="0" dirty="0" smtClean="0"/>
+              <a:t> (здесь хотелось бы привести знаменитую цитату неизвестного разработчика «А на моей машине работает»)</a:t>
+            </a:r>
+          </a:p>
+          <a:p>
+            <a:r>
+              <a:rPr lang="ru-RU" dirty="0" smtClean="0"/>
+              <a:t>Позволяет экспериментировать</a:t>
+            </a:r>
+            <a:r>
+              <a:rPr lang="ru-RU" baseline="0" dirty="0" smtClean="0"/>
+              <a:t> (не страшно испортить виртуальную машину, есть же копия которую быстро запустить)</a:t>
+            </a:r>
+          </a:p>
+          <a:p>
+            <a:r>
+              <a:rPr lang="ru-RU" baseline="0" dirty="0" smtClean="0"/>
+              <a:t>Позволяет быстро </a:t>
+            </a:r>
+            <a:r>
+              <a:rPr lang="ru-RU" baseline="0" dirty="0" err="1" smtClean="0"/>
+              <a:t>деплоить</a:t>
+            </a:r>
+            <a:r>
+              <a:rPr lang="ru-RU" baseline="0" dirty="0" smtClean="0"/>
+              <a:t> подготовленное приложение вместе с БД, сервером приложений, </a:t>
+            </a:r>
+            <a:r>
+              <a:rPr lang="ru-RU" baseline="0" dirty="0" err="1" smtClean="0"/>
+              <a:t>явой</a:t>
+            </a:r>
+            <a:r>
+              <a:rPr lang="ru-RU" baseline="0" dirty="0" smtClean="0"/>
+              <a:t> на окружение</a:t>
+            </a:r>
+            <a:endParaRPr lang="ru-RU" dirty="0"/>
+          </a:p>
+        </p:txBody>
+      </p:sp>
+      <p:sp>
+        <p:nvSpPr>
+          <p:cNvPr id="4" name="Номер слайда 3"/>
+          <p:cNvSpPr>
+            <a:spLocks noGrp="1"/>
+          </p:cNvSpPr>
+          <p:nvPr>
+            <p:ph type="sldNum" sz="quarter" idx="10"/>
+          </p:nvPr>
+        </p:nvSpPr>
+        <p:spPr/>
+        <p:txBody>
+          <a:bodyPr/>
+          <a:lstStyle/>
+          <a:p>
+            <a:fld id="{88B5C74B-023A-4F1B-B7BB-3AA6A1B48B52}" type="slidenum">
+              <a:rPr lang="ru-RU" smtClean="0"/>
+              <a:t>23</a:t>
+            </a:fld>
+            <a:endParaRPr lang="ru-RU"/>
+          </a:p>
+        </p:txBody>
+      </p:sp>
+    </p:spTree>
+    <p:extLst>
+      <p:ext uri="{BB962C8B-B14F-4D97-AF65-F5344CB8AC3E}">
+        <p14:creationId xmlns:p14="http://schemas.microsoft.com/office/powerpoint/2010/main" val="1485134352"/>
       </p:ext>
     </p:extLst>
   </p:cSld>
@@ -1043,37 +2733,8 @@
           <a:p>
             <a:r>
               <a:rPr lang="ru-RU" dirty="0" smtClean="0"/>
-              <a:t>Вы</a:t>
-            </a:r>
-            <a:r>
-              <a:rPr lang="ru-RU" baseline="0" dirty="0" smtClean="0"/>
-              <a:t> наверно уже работали с такой связкой. Один из наиболее частых примеров – работая на </a:t>
-            </a:r>
-            <a:r>
-              <a:rPr lang="en-US" baseline="0" dirty="0" smtClean="0"/>
-              <a:t>Windows, </a:t>
-            </a:r>
-            <a:r>
-              <a:rPr lang="ru-RU" baseline="0" dirty="0" smtClean="0"/>
-              <a:t>захотели узнать что же такое </a:t>
-            </a:r>
-            <a:r>
-              <a:rPr lang="en-US" baseline="0" dirty="0" smtClean="0"/>
-              <a:t>Linux </a:t>
-            </a:r>
-            <a:r>
-              <a:rPr lang="ru-RU" baseline="0" dirty="0" smtClean="0"/>
-              <a:t>и чтобы не испортить основную систему, запустили ее через </a:t>
-            </a:r>
-            <a:r>
-              <a:rPr lang="en-US" baseline="0" dirty="0" smtClean="0"/>
-              <a:t>Virtual Box </a:t>
-            </a:r>
-            <a:r>
-              <a:rPr lang="ru-RU" baseline="0" dirty="0" smtClean="0"/>
-              <a:t>бесплатную программу)</a:t>
-            </a:r>
-            <a:endParaRPr lang="ru-RU" dirty="0"/>
+              <a:t>????</a:t>
+            </a:r>
           </a:p>
         </p:txBody>
       </p:sp>
@@ -1094,7 +2755,7 @@
           <a:p>
             <a:fld id="{88B5C74B-023A-4F1B-B7BB-3AA6A1B48B52}" type="slidenum">
               <a:rPr lang="ru-RU" smtClean="0"/>
-              <a:t>7</a:t>
+              <a:t>4</a:t>
             </a:fld>
             <a:endParaRPr lang="ru-RU"/>
           </a:p>
@@ -1103,7 +2764,7 @@
     </p:spTree>
     <p:extLst>
       <p:ext uri="{BB962C8B-B14F-4D97-AF65-F5344CB8AC3E}">
-        <p14:creationId xmlns:p14="http://schemas.microsoft.com/office/powerpoint/2010/main" val="464931"/>
+        <p14:creationId xmlns:p14="http://schemas.microsoft.com/office/powerpoint/2010/main" val="2232439008"/>
       </p:ext>
     </p:extLst>
   </p:cSld>
@@ -1159,52 +2820,29 @@
           <a:p>
             <a:r>
               <a:rPr lang="ru-RU" dirty="0" smtClean="0"/>
-              <a:t>Почему</a:t>
+              <a:t>Что такое виртуализация</a:t>
             </a:r>
             <a:r>
               <a:rPr lang="ru-RU" baseline="0" dirty="0" smtClean="0"/>
-              <a:t> виртуализация сложна? Не с точки зрения использования (тут как раз все весьма прозрачно), а с точки зрения реализации?</a:t>
+              <a:t> систем?</a:t>
             </a:r>
           </a:p>
           <a:p>
             <a:r>
               <a:rPr lang="ru-RU" baseline="0" dirty="0" smtClean="0"/>
-              <a:t>Потому что надо будет </a:t>
-            </a:r>
-            <a:r>
-              <a:rPr lang="ru-RU" baseline="0" dirty="0" err="1" smtClean="0"/>
-              <a:t>виртуализировать</a:t>
-            </a:r>
-            <a:endParaRPr lang="ru-RU" baseline="0" dirty="0" smtClean="0"/>
-          </a:p>
-          <a:p>
-            <a:pPr marL="171450" indent="-171450">
-              <a:buFontTx/>
-              <a:buChar char="-"/>
-            </a:pPr>
+              <a:t>Я думаю многие сталкивались и работали с ней.</a:t>
+            </a:r>
+          </a:p>
+          <a:p>
             <a:r>
               <a:rPr lang="ru-RU" baseline="0" dirty="0" smtClean="0"/>
-              <a:t>Процессор (не все команды будут нормально обрабатываться от виртуального компьютера)</a:t>
-            </a:r>
-          </a:p>
-          <a:p>
-            <a:pPr marL="171450" indent="-171450">
-              <a:buFontTx/>
-              <a:buChar char="-"/>
-            </a:pPr>
+              <a:t>Выглядит это как правило следующим образом</a:t>
+            </a:r>
+          </a:p>
+          <a:p>
             <a:r>
               <a:rPr lang="ru-RU" baseline="0" dirty="0" smtClean="0"/>
-              <a:t>Память (виртуальная машины использует только часть реальной памяти, плюс свободная часть еще может разделяться между несколькими виртуальными машинами)</a:t>
-            </a:r>
-          </a:p>
-          <a:p>
-            <a:pPr marL="171450" indent="-171450">
-              <a:buFontTx/>
-              <a:buChar char="-"/>
-            </a:pPr>
-            <a:r>
-              <a:rPr lang="ru-RU" baseline="0" dirty="0" smtClean="0"/>
-              <a:t>Устройства ввода-вывода (тут проблемы связаны с прямым доступом к памяти и прочим)</a:t>
+              <a:t>У вас есть компьютер (синий) и внутри этого компьютера, с помощью специальной программы, вы создаете еще один компьютер (зеленый на слайде) который является виртуальной машиной.</a:t>
             </a:r>
             <a:endParaRPr lang="ru-RU" dirty="0"/>
           </a:p>
@@ -1227,7 +2865,7 @@
           <a:p>
             <a:fld id="{88B5C74B-023A-4F1B-B7BB-3AA6A1B48B52}" type="slidenum">
               <a:rPr lang="ru-RU" smtClean="0"/>
-              <a:t>8</a:t>
+              <a:t>5</a:t>
             </a:fld>
             <a:endParaRPr lang="ru-RU"/>
           </a:p>
@@ -1236,7 +2874,7 @@
     </p:spTree>
     <p:extLst>
       <p:ext uri="{BB962C8B-B14F-4D97-AF65-F5344CB8AC3E}">
-        <p14:creationId xmlns:p14="http://schemas.microsoft.com/office/powerpoint/2010/main" val="2042219630"/>
+        <p14:creationId xmlns:p14="http://schemas.microsoft.com/office/powerpoint/2010/main" val="3967425411"/>
       </p:ext>
     </p:extLst>
   </p:cSld>
@@ -1292,37 +2930,45 @@
           <a:p>
             <a:r>
               <a:rPr lang="ru-RU" dirty="0" smtClean="0"/>
-              <a:t>Если смотреть упрощенно, то в компьютере есть следующие уровни</a:t>
-            </a:r>
-          </a:p>
-          <a:p>
-            <a:r>
-              <a:rPr lang="ru-RU" dirty="0" smtClean="0"/>
-              <a:t>На каких же из</a:t>
+              <a:t>Основные</a:t>
             </a:r>
             <a:r>
               <a:rPr lang="ru-RU" baseline="0" dirty="0" smtClean="0"/>
-              <a:t> этих</a:t>
-            </a:r>
-            <a:r>
-              <a:rPr lang="ru-RU" dirty="0" smtClean="0"/>
-              <a:t> уровней есть</a:t>
-            </a:r>
+              <a:t> термины которые используются в виртуализации:</a:t>
+            </a:r>
+          </a:p>
+          <a:p>
             <a:r>
               <a:rPr lang="ru-RU" baseline="0" dirty="0" smtClean="0"/>
-              <a:t> поддержка разного рода виртуализации?</a:t>
+              <a:t>Реальный компьютер на котором вы работает называется Хостом, Виртуальный компьютер, который создается специальной программой = гость</a:t>
             </a:r>
           </a:p>
           <a:p>
             <a:r>
               <a:rPr lang="ru-RU" baseline="0" dirty="0" smtClean="0"/>
-              <a:t>На самом деле на каждом</a:t>
-            </a:r>
-          </a:p>
-          <a:p>
+              <a:t>Специальная программа создает виртуальные компьютеры и передает команды от гостевой ОС к </a:t>
+            </a:r>
+            <a:r>
+              <a:rPr lang="ru-RU" baseline="0" dirty="0" err="1" smtClean="0"/>
+              <a:t>хостовой</a:t>
+            </a:r>
             <a:r>
               <a:rPr lang="ru-RU" baseline="0" dirty="0" smtClean="0"/>
-              <a:t>Но сам сама программа-гипервизор реализуется на 2-3 уровне</a:t>
+              <a:t> ОС. Она называется гипервизором или менеджером виртуальных машин</a:t>
+            </a:r>
+          </a:p>
+          <a:p>
+            <a:r>
+              <a:rPr lang="ru-RU" baseline="0" dirty="0" smtClean="0"/>
+              <a:t>Все запросы от гостевой операционной системы, прежде чем выполниться на </a:t>
+            </a:r>
+            <a:r>
+              <a:rPr lang="ru-RU" baseline="0" dirty="0" err="1" smtClean="0"/>
+              <a:t>хостовой</a:t>
+            </a:r>
+            <a:r>
+              <a:rPr lang="ru-RU" baseline="0" dirty="0" smtClean="0"/>
+              <a:t> ОС, проходят через гипервизор</a:t>
             </a:r>
             <a:endParaRPr lang="ru-RU" dirty="0"/>
           </a:p>
@@ -1345,7 +2991,7 @@
           <a:p>
             <a:fld id="{88B5C74B-023A-4F1B-B7BB-3AA6A1B48B52}" type="slidenum">
               <a:rPr lang="ru-RU" smtClean="0"/>
-              <a:t>9</a:t>
+              <a:t>6</a:t>
             </a:fld>
             <a:endParaRPr lang="ru-RU"/>
           </a:p>
@@ -1354,7 +3000,7 @@
     </p:spTree>
     <p:extLst>
       <p:ext uri="{BB962C8B-B14F-4D97-AF65-F5344CB8AC3E}">
-        <p14:creationId xmlns:p14="http://schemas.microsoft.com/office/powerpoint/2010/main" val="3108064298"/>
+        <p14:creationId xmlns:p14="http://schemas.microsoft.com/office/powerpoint/2010/main" val="925958297"/>
       </p:ext>
     </p:extLst>
   </p:cSld>
@@ -1410,79 +3056,35 @@
           <a:p>
             <a:r>
               <a:rPr lang="ru-RU" dirty="0" smtClean="0"/>
-              <a:t>На аппаратном</a:t>
+              <a:t>Вы</a:t>
             </a:r>
             <a:r>
               <a:rPr lang="ru-RU" baseline="0" dirty="0" smtClean="0"/>
-              <a:t> уровне на текущий момент есть поддержка всех тех подсистем из-за которых виртуализация сложна.</a:t>
-            </a:r>
-          </a:p>
-          <a:p>
+              <a:t> наверно уже работали с такой связкой. Один из наиболее частых примеров – работая на </a:t>
+            </a:r>
+            <a:r>
+              <a:rPr lang="en-US" baseline="0" dirty="0" smtClean="0"/>
+              <a:t>Windows, </a:t>
+            </a:r>
             <a:r>
               <a:rPr lang="ru-RU" baseline="0" dirty="0" smtClean="0"/>
-              <a:t>И </a:t>
+              <a:t>захотели узнать что же такое </a:t>
             </a:r>
             <a:r>
               <a:rPr lang="en-US" baseline="0" dirty="0" smtClean="0"/>
-              <a:t>Intel </a:t>
+              <a:t>Linux </a:t>
             </a:r>
             <a:r>
               <a:rPr lang="ru-RU" baseline="0" dirty="0" smtClean="0"/>
-              <a:t>и </a:t>
+              <a:t>и чтобы не испортить основную систему, запустили ее через </a:t>
             </a:r>
             <a:r>
               <a:rPr lang="en-US" baseline="0" dirty="0" smtClean="0"/>
-              <a:t>AMD </a:t>
+              <a:t>Virtual Box </a:t>
             </a:r>
             <a:r>
               <a:rPr lang="ru-RU" baseline="0" dirty="0" smtClean="0"/>
-              <a:t>представляет свой набор технологий для аппаратной поддержки. Одной из первых и самых важных технологий была </a:t>
-            </a:r>
-            <a:r>
-              <a:rPr lang="en-US" baseline="0" dirty="0" smtClean="0"/>
-              <a:t>VT-x </a:t>
-            </a:r>
-            <a:r>
-              <a:rPr lang="ru-RU" baseline="0" dirty="0" smtClean="0"/>
-              <a:t>от </a:t>
-            </a:r>
-            <a:r>
-              <a:rPr lang="en-US" baseline="0" dirty="0" smtClean="0"/>
-              <a:t>Intel </a:t>
-            </a:r>
-            <a:r>
-              <a:rPr lang="ru-RU" baseline="0" dirty="0" smtClean="0"/>
-              <a:t>и </a:t>
-            </a:r>
-            <a:r>
-              <a:rPr lang="en-US" baseline="0" dirty="0" smtClean="0"/>
-              <a:t>AMD-V</a:t>
-            </a:r>
-            <a:r>
-              <a:rPr lang="ru-RU" baseline="0" dirty="0" smtClean="0"/>
-              <a:t> от </a:t>
-            </a:r>
-            <a:r>
-              <a:rPr lang="en-US" baseline="0" dirty="0" smtClean="0"/>
-              <a:t>AMD </a:t>
-            </a:r>
-            <a:r>
-              <a:rPr lang="ru-RU" baseline="0" dirty="0" smtClean="0"/>
-              <a:t>соответственно для поддержки аппаратной виртуализации процессора. Внедрена сравнительно давно – 2005-2006 год, поэтому найти </a:t>
-            </a:r>
-            <a:r>
-              <a:rPr lang="ru-RU" baseline="0" dirty="0" err="1" smtClean="0"/>
-              <a:t>проц</a:t>
-            </a:r>
-            <a:r>
-              <a:rPr lang="ru-RU" baseline="0" dirty="0" smtClean="0"/>
-              <a:t> который не поддерживает, будет сложно</a:t>
-            </a:r>
-          </a:p>
-          <a:p>
-            <a:r>
-              <a:rPr lang="ru-RU" baseline="0" dirty="0" smtClean="0"/>
-              <a:t>Так что вероятнее всего у вас она есть и это хорошо. Поможет ли? Не факт, надо пробовать</a:t>
+              <a:t>(бесплатную программу)</a:t>
             </a:r>
             <a:endParaRPr lang="ru-RU" dirty="0"/>
           </a:p>
@@ -1505,7 +3107,7 @@
           <a:p>
             <a:fld id="{88B5C74B-023A-4F1B-B7BB-3AA6A1B48B52}" type="slidenum">
               <a:rPr lang="ru-RU" smtClean="0"/>
-              <a:t>10</a:t>
+              <a:t>7</a:t>
             </a:fld>
             <a:endParaRPr lang="ru-RU"/>
           </a:p>
@@ -1514,7 +3116,7 @@
     </p:spTree>
     <p:extLst>
       <p:ext uri="{BB962C8B-B14F-4D97-AF65-F5344CB8AC3E}">
-        <p14:creationId xmlns:p14="http://schemas.microsoft.com/office/powerpoint/2010/main" val="1868024635"/>
+        <p14:creationId xmlns:p14="http://schemas.microsoft.com/office/powerpoint/2010/main" val="464931"/>
       </p:ext>
     </p:extLst>
   </p:cSld>
@@ -1570,24 +3172,54 @@
           <a:p>
             <a:r>
               <a:rPr lang="ru-RU" dirty="0" smtClean="0"/>
-              <a:t>На</a:t>
+              <a:t>Почему</a:t>
             </a:r>
             <a:r>
               <a:rPr lang="ru-RU" baseline="0" dirty="0" smtClean="0"/>
-              <a:t> уровне операционной системы работает гипервизор первого типа.</a:t>
+              <a:t> виртуализация сложна? Не с точки зрения использования (тут как раз все весьма прозрачно), а с точки зрения реализации?</a:t>
             </a:r>
           </a:p>
           <a:p>
             <a:r>
               <a:rPr lang="ru-RU" baseline="0" dirty="0" smtClean="0"/>
-              <a:t>Он ставится напрямую на железо, взаимодействует с ним напрямую и по сути замещает ОС.</a:t>
-            </a:r>
-          </a:p>
-          <a:p>
+              <a:t>Потому что надо будет </a:t>
+            </a:r>
+            <a:r>
+              <a:rPr lang="ru-RU" baseline="0" dirty="0" err="1" smtClean="0"/>
+              <a:t>виртуализировать</a:t>
+            </a:r>
+            <a:endParaRPr lang="ru-RU" baseline="0" dirty="0" smtClean="0"/>
+          </a:p>
+          <a:p>
+            <a:pPr marL="171450" indent="-171450">
+              <a:buFontTx/>
+              <a:buChar char="-"/>
+            </a:pPr>
             <a:r>
               <a:rPr lang="ru-RU" baseline="0" dirty="0" smtClean="0"/>
-              <a:t>За счет отсутствия ОС это быстро и стабильнее (так как гипервизор хоть и походит на ОС, но оптимизирован в первую очередь только для запуска виртуальных систем)</a:t>
-            </a:r>
+              <a:t>Процессор (не все команды процессора будут нормально обрабатываться от виртуального компьютера)</a:t>
+            </a:r>
+          </a:p>
+          <a:p>
+            <a:pPr marL="171450" indent="-171450">
+              <a:buFontTx/>
+              <a:buChar char="-"/>
+            </a:pPr>
+            <a:r>
+              <a:rPr lang="ru-RU" baseline="0" dirty="0" smtClean="0"/>
+              <a:t>Память (виртуальная машины использует только часть реальной памяти, плюс свободная часть еще может разделяться между несколькими виртуальными машинами)</a:t>
+            </a:r>
+          </a:p>
+          <a:p>
+            <a:pPr marL="171450" indent="-171450">
+              <a:buFontTx/>
+              <a:buChar char="-"/>
+            </a:pPr>
+            <a:r>
+              <a:rPr lang="ru-RU" baseline="0" smtClean="0"/>
+              <a:t>Устройства ввода-вывода</a:t>
+            </a:r>
+            <a:endParaRPr lang="ru-RU" dirty="0"/>
           </a:p>
         </p:txBody>
       </p:sp>
@@ -1608,7 +3240,7 @@
           <a:p>
             <a:fld id="{88B5C74B-023A-4F1B-B7BB-3AA6A1B48B52}" type="slidenum">
               <a:rPr lang="ru-RU" smtClean="0"/>
-              <a:t>11</a:t>
+              <a:t>8</a:t>
             </a:fld>
             <a:endParaRPr lang="ru-RU"/>
           </a:p>
@@ -1617,7 +3249,7 @@
     </p:spTree>
     <p:extLst>
       <p:ext uri="{BB962C8B-B14F-4D97-AF65-F5344CB8AC3E}">
-        <p14:creationId xmlns:p14="http://schemas.microsoft.com/office/powerpoint/2010/main" val="332889430"/>
+        <p14:creationId xmlns:p14="http://schemas.microsoft.com/office/powerpoint/2010/main" val="2042219630"/>
       </p:ext>
     </p:extLst>
   </p:cSld>
@@ -1671,110 +3303,54 @@
           <a:bodyPr/>
           <a:lstStyle/>
           <a:p>
-            <a:pPr marL="0" marR="0" indent="0" algn="l" defTabSz="914400" rtl="0" eaLnBrk="1" fontAlgn="auto" latinLnBrk="0" hangingPunct="1">
-              <a:lnSpc>
-                <a:spcPct val="100000"/>
-              </a:lnSpc>
-              <a:spcBef>
-                <a:spcPts val="0"/>
-              </a:spcBef>
-              <a:spcAft>
-                <a:spcPts val="0"/>
-              </a:spcAft>
-              <a:buClrTx/>
-              <a:buSzTx/>
-              <a:buFontTx/>
-              <a:buNone/>
-              <a:tabLst/>
-              <a:defRPr/>
-            </a:pPr>
+            <a:r>
+              <a:rPr lang="ru-RU" dirty="0" smtClean="0"/>
+              <a:t>Если смотреть упрощенно, то в системе (в компьютере)</a:t>
+            </a:r>
             <a:r>
               <a:rPr lang="ru-RU" baseline="0" dirty="0" smtClean="0"/>
-              <a:t>Некоторые из таких гипервизоров базируются на немного переработанном ядре ОС (такие как </a:t>
-            </a:r>
-            <a:r>
-              <a:rPr lang="en-US" baseline="0" dirty="0" err="1" smtClean="0"/>
-              <a:t>XenServer</a:t>
-            </a:r>
-            <a:r>
-              <a:rPr lang="en-US" baseline="0" dirty="0" smtClean="0"/>
               <a:t> </a:t>
             </a:r>
             <a:r>
+              <a:rPr lang="ru-RU" dirty="0" smtClean="0"/>
+              <a:t>есть следующие уровни</a:t>
+            </a:r>
+          </a:p>
+          <a:p>
+            <a:r>
+              <a:rPr lang="ru-RU" dirty="0" smtClean="0"/>
+              <a:t>На каких же из</a:t>
+            </a:r>
+            <a:r>
               <a:rPr lang="ru-RU" baseline="0" dirty="0" smtClean="0"/>
-              <a:t>и</a:t>
-            </a:r>
-            <a:r>
-              <a:rPr lang="en-US" baseline="0" dirty="0" smtClean="0"/>
-              <a:t> Hyper-V), </a:t>
+              <a:t> этих</a:t>
+            </a:r>
+            <a:r>
+              <a:rPr lang="ru-RU" dirty="0" smtClean="0"/>
+              <a:t> уровней есть</a:t>
             </a:r>
             <a:r>
               <a:rPr lang="ru-RU" baseline="0" dirty="0" smtClean="0"/>
-              <a:t>некоторые – это отдельные наработки </a:t>
-            </a:r>
-            <a:r>
-              <a:rPr lang="en-US" baseline="0" dirty="0" smtClean="0"/>
-              <a:t>(</a:t>
-            </a:r>
-            <a:r>
-              <a:rPr lang="en-US" baseline="0" dirty="0" err="1" smtClean="0"/>
-              <a:t>VMWare</a:t>
-            </a:r>
-            <a:r>
-              <a:rPr lang="en-US" baseline="0" dirty="0" smtClean="0"/>
-              <a:t> </a:t>
-            </a:r>
-            <a:r>
-              <a:rPr lang="en-US" baseline="0" dirty="0" err="1" smtClean="0"/>
-              <a:t>ESXi</a:t>
-            </a:r>
-            <a:r>
-              <a:rPr lang="en-US" baseline="0" dirty="0" smtClean="0"/>
-              <a:t>) </a:t>
-            </a:r>
-            <a:endParaRPr lang="ru-RU" baseline="0" dirty="0" smtClean="0"/>
-          </a:p>
-          <a:p>
-            <a:pPr marL="0" marR="0" indent="0" algn="l" defTabSz="914400" rtl="0" eaLnBrk="1" fontAlgn="auto" latinLnBrk="0" hangingPunct="1">
-              <a:lnSpc>
-                <a:spcPct val="100000"/>
-              </a:lnSpc>
-              <a:spcBef>
-                <a:spcPts val="0"/>
-              </a:spcBef>
-              <a:spcAft>
-                <a:spcPts val="0"/>
-              </a:spcAft>
-              <a:buClrTx/>
-              <a:buSzTx/>
-              <a:buFontTx/>
-              <a:buNone/>
-              <a:tabLst/>
-              <a:defRPr/>
-            </a:pPr>
+              <a:t> поддержка разного рода виртуализации?</a:t>
+            </a:r>
+          </a:p>
+          <a:p>
             <a:r>
               <a:rPr lang="ru-RU" baseline="0" dirty="0" smtClean="0"/>
-              <a:t>Объединяет их то что знать о них неплохо, но как разработчики или </a:t>
-            </a:r>
-            <a:r>
-              <a:rPr lang="ru-RU" baseline="0" dirty="0" err="1" smtClean="0"/>
-              <a:t>тестировщики</a:t>
-            </a:r>
+              <a:t>Как вы считаете?</a:t>
+            </a:r>
+          </a:p>
+          <a:p>
             <a:r>
               <a:rPr lang="ru-RU" baseline="0" dirty="0" smtClean="0"/>
-              <a:t>, вы </a:t>
-            </a:r>
-            <a:r>
-              <a:rPr lang="ru-RU" baseline="0" dirty="0" err="1" smtClean="0"/>
-              <a:t>врядли</a:t>
-            </a:r>
+              <a:t>На самом деле на каждом</a:t>
+            </a:r>
+          </a:p>
+          <a:p>
             <a:r>
               <a:rPr lang="ru-RU" baseline="0" dirty="0" smtClean="0"/>
-              <a:t> будете с ними работать</a:t>
-            </a:r>
-            <a:endParaRPr lang="ru-RU" dirty="0" smtClean="0"/>
-          </a:p>
-          <a:p>
+              <a:t>Но сам сама программа-гипервизор реализуется на 2-3 уровне</a:t>
+            </a:r>
             <a:endParaRPr lang="ru-RU" dirty="0"/>
           </a:p>
         </p:txBody>
@@ -1796,7 +3372,7 @@
           <a:p>
             <a:fld id="{88B5C74B-023A-4F1B-B7BB-3AA6A1B48B52}" type="slidenum">
               <a:rPr lang="ru-RU" smtClean="0"/>
-              <a:t>12</a:t>
+              <a:t>9</a:t>
             </a:fld>
             <a:endParaRPr lang="ru-RU"/>
           </a:p>
@@ -1805,7 +3381,7 @@
     </p:spTree>
     <p:extLst>
       <p:ext uri="{BB962C8B-B14F-4D97-AF65-F5344CB8AC3E}">
-        <p14:creationId xmlns:p14="http://schemas.microsoft.com/office/powerpoint/2010/main" val="1124119431"/>
+        <p14:creationId xmlns:p14="http://schemas.microsoft.com/office/powerpoint/2010/main" val="3108064298"/>
       </p:ext>
     </p:extLst>
   </p:cSld>
@@ -1861,23 +3437,79 @@
           <a:p>
             <a:r>
               <a:rPr lang="ru-RU" dirty="0" smtClean="0"/>
-              <a:t>Если рассматривать уровень операционной системы, то здесь стоит различать</a:t>
-            </a:r>
-          </a:p>
-          <a:p>
-            <a:r>
-              <a:rPr lang="ru-RU" dirty="0" smtClean="0"/>
-              <a:t>Гипервизоры 2 типа</a:t>
-            </a:r>
-          </a:p>
-          <a:p>
-            <a:r>
-              <a:rPr lang="ru-RU" dirty="0" smtClean="0"/>
-              <a:t>И контейнеры. Контейнеры на самом деле не совсем относятся к виртуализации</a:t>
+              <a:t>На аппаратном</a:t>
             </a:r>
             <a:r>
               <a:rPr lang="ru-RU" baseline="0" dirty="0" smtClean="0"/>
-              <a:t> систем, но ввиду большой популярности я бы хотел включить их в обзор</a:t>
+              <a:t> уровне на текущий момент есть поддержка всех тех подсистем из-за которых виртуализация сложна.</a:t>
+            </a:r>
+          </a:p>
+          <a:p>
+            <a:r>
+              <a:rPr lang="ru-RU" baseline="0" dirty="0" smtClean="0"/>
+              <a:t>И </a:t>
+            </a:r>
+            <a:r>
+              <a:rPr lang="en-US" baseline="0" dirty="0" smtClean="0"/>
+              <a:t>Intel </a:t>
+            </a:r>
+            <a:r>
+              <a:rPr lang="ru-RU" baseline="0" dirty="0" smtClean="0"/>
+              <a:t>и </a:t>
+            </a:r>
+            <a:r>
+              <a:rPr lang="en-US" baseline="0" dirty="0" smtClean="0"/>
+              <a:t>AMD </a:t>
+            </a:r>
+            <a:r>
+              <a:rPr lang="ru-RU" baseline="0" dirty="0" smtClean="0"/>
+              <a:t>представляет свой набор технологий для аппаратной поддержки. Одной из первых и самых важных технологий была </a:t>
+            </a:r>
+            <a:r>
+              <a:rPr lang="en-US" baseline="0" dirty="0" smtClean="0"/>
+              <a:t>VT-x </a:t>
+            </a:r>
+            <a:r>
+              <a:rPr lang="ru-RU" baseline="0" dirty="0" smtClean="0"/>
+              <a:t>от </a:t>
+            </a:r>
+            <a:r>
+              <a:rPr lang="en-US" baseline="0" dirty="0" smtClean="0"/>
+              <a:t>Intel </a:t>
+            </a:r>
+            <a:r>
+              <a:rPr lang="ru-RU" baseline="0" dirty="0" smtClean="0"/>
+              <a:t>и </a:t>
+            </a:r>
+            <a:r>
+              <a:rPr lang="en-US" baseline="0" dirty="0" smtClean="0"/>
+              <a:t>AMD-V</a:t>
+            </a:r>
+            <a:r>
+              <a:rPr lang="ru-RU" baseline="0" dirty="0" smtClean="0"/>
+              <a:t> от </a:t>
+            </a:r>
+            <a:r>
+              <a:rPr lang="en-US" baseline="0" dirty="0" smtClean="0"/>
+              <a:t>AMD </a:t>
+            </a:r>
+            <a:r>
+              <a:rPr lang="ru-RU" baseline="0" dirty="0" smtClean="0"/>
+              <a:t>соответственно для поддержки аппаратной виртуализации процессора. Внедрена сравнительно давно – 2005-2006 год, поэтому найти </a:t>
+            </a:r>
+            <a:r>
+              <a:rPr lang="ru-RU" baseline="0" dirty="0" err="1" smtClean="0"/>
+              <a:t>проц</a:t>
+            </a:r>
+            <a:r>
+              <a:rPr lang="ru-RU" baseline="0" dirty="0" smtClean="0"/>
+              <a:t> который не поддерживает, будет сложно</a:t>
+            </a:r>
+          </a:p>
+          <a:p>
+            <a:r>
+              <a:rPr lang="ru-RU" baseline="0" dirty="0" smtClean="0"/>
+              <a:t>Так что вероятнее всего у вас она есть и это хорошо. Поможет ли? Не факт, надо пробовать</a:t>
             </a:r>
             <a:endParaRPr lang="ru-RU" dirty="0"/>
           </a:p>
@@ -1900,7 +3532,7 @@
           <a:p>
             <a:fld id="{88B5C74B-023A-4F1B-B7BB-3AA6A1B48B52}" type="slidenum">
               <a:rPr lang="ru-RU" smtClean="0"/>
-              <a:t>13</a:t>
+              <a:t>10</a:t>
             </a:fld>
             <a:endParaRPr lang="ru-RU"/>
           </a:p>
@@ -1909,7 +3541,7 @@
     </p:spTree>
     <p:extLst>
       <p:ext uri="{BB962C8B-B14F-4D97-AF65-F5344CB8AC3E}">
-        <p14:creationId xmlns:p14="http://schemas.microsoft.com/office/powerpoint/2010/main" val="552999973"/>
+        <p14:creationId xmlns:p14="http://schemas.microsoft.com/office/powerpoint/2010/main" val="1868024635"/>
       </p:ext>
     </p:extLst>
   </p:cSld>
@@ -2210,7 +3842,7 @@
           <a:p>
             <a:fld id="{1C803100-45EA-4C24-9B8C-DFEAC5AC82CA}" type="datetimeFigureOut">
               <a:rPr lang="ru-RU" smtClean="0"/>
-              <a:t>04.09.2016</a:t>
+              <a:t>11.09.2016</a:t>
             </a:fld>
             <a:endParaRPr lang="ru-RU"/>
           </a:p>
@@ -2401,7 +4033,7 @@
           <a:p>
             <a:fld id="{1C803100-45EA-4C24-9B8C-DFEAC5AC82CA}" type="datetimeFigureOut">
               <a:rPr lang="ru-RU" smtClean="0"/>
-              <a:t>04.09.2016</a:t>
+              <a:t>11.09.2016</a:t>
             </a:fld>
             <a:endParaRPr lang="ru-RU"/>
           </a:p>
@@ -2586,7 +4218,7 @@
           <a:p>
             <a:fld id="{1C803100-45EA-4C24-9B8C-DFEAC5AC82CA}" type="datetimeFigureOut">
               <a:rPr lang="ru-RU" smtClean="0"/>
-              <a:t>04.09.2016</a:t>
+              <a:t>11.09.2016</a:t>
             </a:fld>
             <a:endParaRPr lang="ru-RU"/>
           </a:p>
@@ -2849,7 +4481,7 @@
           <a:p>
             <a:fld id="{1C803100-45EA-4C24-9B8C-DFEAC5AC82CA}" type="datetimeFigureOut">
               <a:rPr lang="ru-RU" smtClean="0"/>
-              <a:t>04.09.2016</a:t>
+              <a:t>11.09.2016</a:t>
             </a:fld>
             <a:endParaRPr lang="ru-RU"/>
           </a:p>
@@ -3265,7 +4897,7 @@
           <a:p>
             <a:fld id="{1C803100-45EA-4C24-9B8C-DFEAC5AC82CA}" type="datetimeFigureOut">
               <a:rPr lang="ru-RU" smtClean="0"/>
-              <a:t>04.09.2016</a:t>
+              <a:t>11.09.2016</a:t>
             </a:fld>
             <a:endParaRPr lang="ru-RU"/>
           </a:p>
@@ -3507,7 +5139,7 @@
           <a:p>
             <a:fld id="{1C803100-45EA-4C24-9B8C-DFEAC5AC82CA}" type="datetimeFigureOut">
               <a:rPr lang="ru-RU" smtClean="0"/>
-              <a:t>04.09.2016</a:t>
+              <a:t>11.09.2016</a:t>
             </a:fld>
             <a:endParaRPr lang="ru-RU"/>
           </a:p>
@@ -3743,7 +5375,7 @@
           <a:p>
             <a:fld id="{1C803100-45EA-4C24-9B8C-DFEAC5AC82CA}" type="datetimeFigureOut">
               <a:rPr lang="ru-RU" smtClean="0"/>
-              <a:t>04.09.2016</a:t>
+              <a:t>11.09.2016</a:t>
             </a:fld>
             <a:endParaRPr lang="ru-RU"/>
           </a:p>
@@ -3938,7 +5570,7 @@
           <a:p>
             <a:fld id="{1C803100-45EA-4C24-9B8C-DFEAC5AC82CA}" type="datetimeFigureOut">
               <a:rPr lang="ru-RU" smtClean="0"/>
-              <a:t>04.09.2016</a:t>
+              <a:t>11.09.2016</a:t>
             </a:fld>
             <a:endParaRPr lang="ru-RU"/>
           </a:p>
@@ -4036,7 +5668,7 @@
           <a:p>
             <a:fld id="{1C803100-45EA-4C24-9B8C-DFEAC5AC82CA}" type="datetimeFigureOut">
               <a:rPr lang="ru-RU" smtClean="0"/>
-              <a:t>04.09.2016</a:t>
+              <a:t>11.09.2016</a:t>
             </a:fld>
             <a:endParaRPr lang="ru-RU"/>
           </a:p>
@@ -4172,7 +5804,7 @@
           <a:p>
             <a:fld id="{1C803100-45EA-4C24-9B8C-DFEAC5AC82CA}" type="datetimeFigureOut">
               <a:rPr lang="ru-RU" smtClean="0"/>
-              <a:t>04.09.2016</a:t>
+              <a:t>11.09.2016</a:t>
             </a:fld>
             <a:endParaRPr lang="ru-RU"/>
           </a:p>
@@ -4690,7 +6322,7 @@
           <a:p>
             <a:fld id="{1C803100-45EA-4C24-9B8C-DFEAC5AC82CA}" type="datetimeFigureOut">
               <a:rPr lang="ru-RU" smtClean="0"/>
-              <a:t>04.09.2016</a:t>
+              <a:t>11.09.2016</a:t>
             </a:fld>
             <a:endParaRPr lang="ru-RU"/>
           </a:p>
@@ -4951,7 +6583,7 @@
           <a:p>
             <a:fld id="{1C803100-45EA-4C24-9B8C-DFEAC5AC82CA}" type="datetimeFigureOut">
               <a:rPr lang="ru-RU" smtClean="0"/>
-              <a:t>04.09.2016</a:t>
+              <a:t>11.09.2016</a:t>
             </a:fld>
             <a:endParaRPr lang="ru-RU"/>
           </a:p>
@@ -5789,11 +7421,7 @@
             </a:br>
             <a:r>
               <a:rPr lang="ru-RU" dirty="0" smtClean="0"/>
-              <a:t>Гипервизор </a:t>
-            </a:r>
-            <a:r>
-              <a:rPr lang="ru-RU" dirty="0" smtClean="0"/>
-              <a:t>первого типа</a:t>
+              <a:t>Гипервизор первого типа</a:t>
             </a:r>
             <a:endParaRPr lang="ru-RU" dirty="0"/>
           </a:p>
@@ -6120,11 +7748,7 @@
             </a:pPr>
             <a:r>
               <a:rPr lang="ru-RU" dirty="0" smtClean="0"/>
-              <a:t>Вряд </a:t>
-            </a:r>
-            <a:r>
-              <a:rPr lang="ru-RU" dirty="0" smtClean="0"/>
-              <a:t>ли понадобится</a:t>
+              <a:t>Вряд ли понадобится</a:t>
             </a:r>
           </a:p>
         </p:txBody>
@@ -7034,21 +8658,10 @@
         <p:spPr/>
         <p:txBody>
           <a:bodyPr>
-            <a:normAutofit fontScale="90000"/>
+            <a:normAutofit/>
           </a:bodyPr>
           <a:lstStyle/>
           <a:p>
-            <a:r>
-              <a:rPr lang="ru-RU" dirty="0" smtClean="0"/>
-              <a:t>Уровень приложений </a:t>
-            </a:r>
-            <a:r>
-              <a:rPr lang="ru-RU" dirty="0" smtClean="0"/>
-              <a:t>ОС</a:t>
-            </a:r>
-            <a:br>
-              <a:rPr lang="ru-RU" dirty="0" smtClean="0"/>
-            </a:br>
             <a:r>
               <a:rPr lang="ru-RU" dirty="0" smtClean="0"/>
               <a:t>Гипервизор второго типа</a:t>
@@ -7090,7 +8703,7 @@
           <p:nvPr/>
         </p:nvPicPr>
         <p:blipFill>
-          <a:blip r:embed="rId2">
+          <a:blip r:embed="rId3">
             <a:extLst>
               <a:ext uri="{28A0092B-C50C-407E-A947-70E740481C1C}">
                 <a14:useLocalDpi xmlns:a14="http://schemas.microsoft.com/office/drawing/2010/main" val="0"/>
@@ -7154,7 +8767,7 @@
           <p:nvPr/>
         </p:nvPicPr>
         <p:blipFill>
-          <a:blip r:embed="rId3">
+          <a:blip r:embed="rId4">
             <a:extLst>
               <a:ext uri="{28A0092B-C50C-407E-A947-70E740481C1C}">
                 <a14:useLocalDpi xmlns:a14="http://schemas.microsoft.com/office/drawing/2010/main" val="0"/>
@@ -7257,7 +8870,7 @@
           <p:nvPr/>
         </p:nvPicPr>
         <p:blipFill rotWithShape="1">
-          <a:blip r:embed="rId4">
+          <a:blip r:embed="rId5">
             <a:extLst>
               <a:ext uri="{28A0092B-C50C-407E-A947-70E740481C1C}">
                 <a14:useLocalDpi xmlns:a14="http://schemas.microsoft.com/office/drawing/2010/main" val="0"/>
@@ -7399,7 +9012,7 @@
           <p:nvPr/>
         </p:nvPicPr>
         <p:blipFill>
-          <a:blip r:embed="rId5">
+          <a:blip r:embed="rId6">
             <a:extLst>
               <a:ext uri="{28A0092B-C50C-407E-A947-70E740481C1C}">
                 <a14:useLocalDpi xmlns:a14="http://schemas.microsoft.com/office/drawing/2010/main" val="0"/>
@@ -7463,7 +9076,7 @@
           <p:nvPr/>
         </p:nvPicPr>
         <p:blipFill>
-          <a:blip r:embed="rId6">
+          <a:blip r:embed="rId7">
             <a:extLst>
               <a:ext uri="{28A0092B-C50C-407E-A947-70E740481C1C}">
                 <a14:useLocalDpi xmlns:a14="http://schemas.microsoft.com/office/drawing/2010/main" val="0"/>
@@ -7703,15 +9316,7 @@
             </a:pPr>
             <a:r>
               <a:rPr lang="ru-RU" dirty="0" smtClean="0"/>
-              <a:t>Все </a:t>
-            </a:r>
-            <a:r>
-              <a:rPr lang="ru-RU" dirty="0" smtClean="0"/>
-              <a:t>современные </a:t>
-            </a:r>
-            <a:r>
-              <a:rPr lang="ru-RU" dirty="0" smtClean="0"/>
-              <a:t>гипервизоры</a:t>
+              <a:t>Все современные гипервизоры</a:t>
             </a:r>
             <a:endParaRPr lang="ru-RU" sz="800" dirty="0" smtClean="0"/>
           </a:p>
@@ -7749,7 +9354,7 @@
         </p:blipFill>
         <p:spPr bwMode="auto">
           <a:xfrm>
-            <a:off x="4788024" y="1446050"/>
+            <a:off x="4788024" y="1550418"/>
             <a:ext cx="2406902" cy="614261"/>
           </a:xfrm>
           <a:prstGeom prst="rect">
@@ -7893,7 +9498,7 @@
         </p:blipFill>
         <p:spPr bwMode="auto">
           <a:xfrm>
-            <a:off x="7020272" y="1380416"/>
+            <a:off x="7092280" y="1531344"/>
             <a:ext cx="1944216" cy="745528"/>
           </a:xfrm>
           <a:prstGeom prst="rect">
@@ -8018,7 +9623,6 @@
               <a:rPr lang="ru-RU" dirty="0" smtClean="0"/>
               <a:t>Изоляция</a:t>
             </a:r>
-            <a:endParaRPr lang="ru-RU" dirty="0" smtClean="0"/>
           </a:p>
           <a:p>
             <a:pPr>
@@ -8670,7 +10274,7 @@
           <p:nvPr/>
         </p:nvPicPr>
         <p:blipFill>
-          <a:blip r:embed="rId2">
+          <a:blip r:embed="rId3">
             <a:extLst>
               <a:ext uri="{28A0092B-C50C-407E-A947-70E740481C1C}">
                 <a14:useLocalDpi xmlns:a14="http://schemas.microsoft.com/office/drawing/2010/main" val="0"/>
@@ -8734,7 +10338,7 @@
           <p:nvPr/>
         </p:nvPicPr>
         <p:blipFill>
-          <a:blip r:embed="rId3">
+          <a:blip r:embed="rId4">
             <a:extLst>
               <a:ext uri="{28A0092B-C50C-407E-A947-70E740481C1C}">
                 <a14:useLocalDpi xmlns:a14="http://schemas.microsoft.com/office/drawing/2010/main" val="0"/>
@@ -8798,7 +10402,7 @@
           <p:nvPr/>
         </p:nvPicPr>
         <p:blipFill>
-          <a:blip r:embed="rId4" cstate="print">
+          <a:blip r:embed="rId5" cstate="print">
             <a:extLst>
               <a:ext uri="{28A0092B-C50C-407E-A947-70E740481C1C}">
                 <a14:useLocalDpi xmlns:a14="http://schemas.microsoft.com/office/drawing/2010/main" val="0"/>
@@ -8878,7 +10482,7 @@
           <p:nvPr/>
         </p:nvPicPr>
         <p:blipFill>
-          <a:blip r:embed="rId5">
+          <a:blip r:embed="rId6">
             <a:extLst>
               <a:ext uri="{28A0092B-C50C-407E-A947-70E740481C1C}">
                 <a14:useLocalDpi xmlns:a14="http://schemas.microsoft.com/office/drawing/2010/main" val="0"/>
@@ -9107,13 +10711,8 @@
           <a:p>
             <a:r>
               <a:rPr lang="ru-RU" dirty="0" smtClean="0"/>
-              <a:t>Почему </a:t>
-            </a:r>
-            <a:r>
-              <a:rPr lang="ru-RU" dirty="0" smtClean="0"/>
-              <a:t>популярен среди контейнеров?</a:t>
-            </a:r>
-            <a:endParaRPr lang="ru-RU" dirty="0" smtClean="0"/>
+              <a:t>Почему популярен среди контейнеров?</a:t>
+            </a:r>
           </a:p>
           <a:p>
             <a:pPr lvl="1">
@@ -9167,6 +10766,70 @@
           </a:p>
         </p:txBody>
       </p:sp>
+      <p:pic>
+        <p:nvPicPr>
+          <p:cNvPr id="1026" name="Picture 2"/>
+          <p:cNvPicPr>
+            <a:picLocks noChangeAspect="1" noChangeArrowheads="1"/>
+          </p:cNvPicPr>
+          <p:nvPr/>
+        </p:nvPicPr>
+        <p:blipFill>
+          <a:blip r:embed="rId3">
+            <a:extLst>
+              <a:ext uri="{28A0092B-C50C-407E-A947-70E740481C1C}">
+                <a14:useLocalDpi xmlns:a14="http://schemas.microsoft.com/office/drawing/2010/main" val="0"/>
+              </a:ext>
+            </a:extLst>
+          </a:blip>
+          <a:srcRect/>
+          <a:stretch>
+            <a:fillRect/>
+          </a:stretch>
+        </p:blipFill>
+        <p:spPr bwMode="auto">
+          <a:xfrm>
+            <a:off x="3707904" y="2924944"/>
+            <a:ext cx="4968552" cy="3240360"/>
+          </a:xfrm>
+          <a:prstGeom prst="rect">
+            <a:avLst/>
+          </a:prstGeom>
+          <a:noFill/>
+          <a:ln>
+            <a:noFill/>
+          </a:ln>
+          <a:effectLst/>
+          <a:extLst>
+            <a:ext uri="{909E8E84-426E-40DD-AFC4-6F175D3DCCD1}">
+              <a14:hiddenFill xmlns:a14="http://schemas.microsoft.com/office/drawing/2010/main">
+                <a:solidFill>
+                  <a:schemeClr val="accent1"/>
+                </a:solidFill>
+              </a14:hiddenFill>
+            </a:ext>
+            <a:ext uri="{91240B29-F687-4F45-9708-019B960494DF}">
+              <a14:hiddenLine xmlns:a14="http://schemas.microsoft.com/office/drawing/2010/main" w="9525">
+                <a:solidFill>
+                  <a:schemeClr val="tx1"/>
+                </a:solidFill>
+                <a:miter lim="800000"/>
+                <a:headEnd/>
+                <a:tailEnd/>
+              </a14:hiddenLine>
+            </a:ext>
+            <a:ext uri="{AF507438-7753-43E0-B8FC-AC1667EBCBE1}">
+              <a14:hiddenEffects xmlns:a14="http://schemas.microsoft.com/office/drawing/2010/main">
+                <a:effectLst>
+                  <a:outerShdw dist="35921" dir="2700000" algn="ctr" rotWithShape="0">
+                    <a:schemeClr val="bg2"/>
+                  </a:outerShdw>
+                </a:effectLst>
+              </a14:hiddenEffects>
+            </a:ext>
+          </a:extLst>
+        </p:spPr>
+      </p:pic>
     </p:spTree>
     <p:extLst>
       <p:ext uri="{BB962C8B-B14F-4D97-AF65-F5344CB8AC3E}">
@@ -9293,19 +10956,11 @@
             </a:pPr>
             <a:r>
               <a:rPr lang="en-US" sz="3200" dirty="0" err="1" smtClean="0"/>
-              <a:t>d</a:t>
-            </a:r>
-            <a:r>
-              <a:rPr lang="en-US" sz="3200" dirty="0" err="1" smtClean="0"/>
-              <a:t>ev</a:t>
+              <a:t>dev</a:t>
             </a:r>
             <a:r>
               <a:rPr lang="en-US" sz="3200" dirty="0" smtClean="0"/>
-              <a:t> </a:t>
-            </a:r>
-            <a:r>
-              <a:rPr lang="en-US" sz="3200" dirty="0" smtClean="0"/>
-              <a:t>-&gt; test -&gt; prod</a:t>
+              <a:t> -&gt; test -&gt; prod</a:t>
             </a:r>
             <a:endParaRPr lang="ru-RU" sz="3200" dirty="0"/>
           </a:p>
@@ -9360,15 +11015,7 @@
           <a:p>
             <a:r>
               <a:rPr lang="ru-RU" dirty="0" smtClean="0"/>
-              <a:t>Почему </a:t>
-            </a:r>
-            <a:r>
-              <a:rPr lang="ru-RU" dirty="0" smtClean="0"/>
-              <a:t>виртуализация </a:t>
-            </a:r>
-            <a:r>
-              <a:rPr lang="ru-RU" dirty="0" smtClean="0"/>
-              <a:t>популярна?</a:t>
+              <a:t>Почему виртуализация популярна?</a:t>
             </a:r>
             <a:endParaRPr lang="ru-RU" dirty="0"/>
           </a:p>
@@ -9480,13 +11127,8 @@
             </a:pPr>
             <a:r>
               <a:rPr lang="ru-RU" dirty="0" smtClean="0"/>
-              <a:t>Оптимальная </a:t>
-            </a:r>
-            <a:r>
-              <a:rPr lang="ru-RU" dirty="0" smtClean="0"/>
-              <a:t>нагрузка</a:t>
-            </a:r>
-            <a:endParaRPr lang="ru-RU" dirty="0" smtClean="0"/>
+              <a:t>Оптимальная нагрузка</a:t>
+            </a:r>
           </a:p>
           <a:p>
             <a:pPr marL="0" indent="0">
@@ -9623,15 +11265,7 @@
             </a:pPr>
             <a:r>
               <a:rPr lang="ru-RU" dirty="0" smtClean="0"/>
-              <a:t>«А </a:t>
-            </a:r>
-            <a:r>
-              <a:rPr lang="ru-RU" dirty="0" smtClean="0"/>
-              <a:t>на моей машине </a:t>
-            </a:r>
-            <a:r>
-              <a:rPr lang="ru-RU" dirty="0" smtClean="0"/>
-              <a:t>работает» </a:t>
+              <a:t>«А на моей машине работает» </a:t>
             </a:r>
             <a:r>
               <a:rPr lang="en-US" dirty="0" smtClean="0"/>
@@ -9647,19 +11281,22 @@
             </a:pPr>
             <a:r>
               <a:rPr lang="ru-RU" dirty="0" smtClean="0"/>
-              <a:t>Откат испорченных изменений</a:t>
-            </a:r>
-            <a:endParaRPr lang="en-US" dirty="0" smtClean="0"/>
-          </a:p>
-          <a:p>
-            <a:pPr>
+              <a:t>Эксперименты</a:t>
+            </a:r>
+          </a:p>
+          <a:p>
+            <a:pPr lvl="1">
               <a:lnSpc>
                 <a:spcPct val="150000"/>
               </a:lnSpc>
             </a:pPr>
             <a:r>
+              <a:rPr lang="ru-RU" dirty="0"/>
+              <a:t>Откат </a:t>
+            </a:r>
+            <a:r>
               <a:rPr lang="ru-RU" dirty="0" smtClean="0"/>
-              <a:t>Эксперименты</a:t>
+              <a:t>изменений</a:t>
             </a:r>
             <a:endParaRPr lang="en-US" dirty="0" smtClean="0"/>
           </a:p>
@@ -10001,11 +11638,7 @@
             </a:pPr>
             <a:r>
               <a:rPr lang="ru-RU" dirty="0" smtClean="0"/>
-              <a:t>Уровни </a:t>
-            </a:r>
-            <a:r>
-              <a:rPr lang="ru-RU" dirty="0" smtClean="0"/>
-              <a:t>виртуализации</a:t>
+              <a:t>Уровни виртуализации</a:t>
             </a:r>
           </a:p>
           <a:p>
@@ -10051,7 +11684,6 @@
               <a:rPr lang="ru-RU" dirty="0" smtClean="0"/>
               <a:t>Контейнеры</a:t>
             </a:r>
-            <a:endParaRPr lang="ru-RU" dirty="0" smtClean="0"/>
           </a:p>
           <a:p>
             <a:pPr>
@@ -10127,7 +11759,7 @@
           </p:nvPr>
         </p:nvPicPr>
         <p:blipFill>
-          <a:blip r:embed="rId2">
+          <a:blip r:embed="rId3">
             <a:extLst>
               <a:ext uri="{28A0092B-C50C-407E-A947-70E740481C1C}">
                 <a14:useLocalDpi xmlns:a14="http://schemas.microsoft.com/office/drawing/2010/main" val="0"/>
@@ -10207,7 +11839,7 @@
           <p:nvPr/>
         </p:nvPicPr>
         <p:blipFill>
-          <a:blip r:embed="rId2">
+          <a:blip r:embed="rId3">
             <a:extLst>
               <a:ext uri="{28A0092B-C50C-407E-A947-70E740481C1C}">
                 <a14:useLocalDpi xmlns:a14="http://schemas.microsoft.com/office/drawing/2010/main" val="0"/>

--- a/MiniQ/Virtualization.pptx
+++ b/MiniQ/Virtualization.pptx
@@ -216,7 +216,7 @@
           <a:p>
             <a:fld id="{48A61713-36D2-407A-8546-2931C52F0F31}" type="datetimeFigureOut">
               <a:rPr lang="ru-RU" smtClean="0"/>
-              <a:t>11.09.2016</a:t>
+              <a:t>12.09.2016</a:t>
             </a:fld>
             <a:endParaRPr lang="ru-RU"/>
           </a:p>
@@ -919,11 +919,7 @@
           <a:p>
             <a:r>
               <a:rPr lang="ru-RU" dirty="0" smtClean="0"/>
-              <a:t>Если рассматривать уровень </a:t>
-            </a:r>
-            <a:r>
-              <a:rPr lang="ru-RU" dirty="0" smtClean="0"/>
-              <a:t>приложений</a:t>
+              <a:t>Если рассматривать уровень приложений</a:t>
             </a:r>
             <a:r>
               <a:rPr lang="ru-RU" baseline="0" dirty="0" smtClean="0"/>
@@ -931,11 +927,7 @@
             </a:r>
             <a:r>
               <a:rPr lang="ru-RU" dirty="0" smtClean="0"/>
-              <a:t>операционной </a:t>
-            </a:r>
-            <a:r>
-              <a:rPr lang="ru-RU" dirty="0" smtClean="0"/>
-              <a:t>системы, то здесь стоит различать</a:t>
+              <a:t>операционной системы, то здесь стоит различать</a:t>
             </a:r>
           </a:p>
           <a:p>
@@ -1397,24 +1389,26 @@
           <a:lstStyle/>
           <a:p>
             <a:r>
-              <a:rPr lang="ru-RU" dirty="0" smtClean="0"/>
-              <a:t>Извечный вопрос для гипервизоров – это какой из них быстрее. Стал менее</a:t>
-            </a:r>
-            <a:r>
               <a:rPr lang="ru-RU" baseline="0" dirty="0" smtClean="0"/>
-              <a:t> актуален, так как становятся все быстрее.</a:t>
-            </a:r>
-          </a:p>
-          <a:p>
+              <a:t>принцип </a:t>
+            </a:r>
             <a:r>
               <a:rPr lang="ru-RU" baseline="0" dirty="0" smtClean="0"/>
-              <a:t>И чтобы улучшать производительность гипервизоров, принцип работы гипервизоров может различаться. Некоторые гипервизоры могут использовать несколько подходов.</a:t>
+              <a:t>работы гипервизоров может различаться. Некоторые гипервизоры могут использовать несколько подходов.</a:t>
             </a:r>
           </a:p>
           <a:p>
             <a:r>
               <a:rPr lang="ru-RU" baseline="0" dirty="0" smtClean="0"/>
-              <a:t>Подход, который появился одним из первых и долгое время был самым популярным – бинарная трансляция. Все команды микропроцессору из гостевой ОС (а мы помним что они проходят через гипервизор прежде чем попасть в микропроцессор) оцениваются гипервизором и могут заменяться чтобы гостевая ОС нормально работала. Так может работать </a:t>
+              <a:t>Подход, который появился одним из первых и долгое время был самым популярным – бинарная трансляция. Все </a:t>
+            </a:r>
+            <a:r>
+              <a:rPr lang="ru-RU" baseline="0" dirty="0" smtClean="0"/>
+              <a:t>проблемные команды </a:t>
+            </a:r>
+            <a:r>
+              <a:rPr lang="ru-RU" baseline="0" dirty="0" smtClean="0"/>
+              <a:t>микропроцессору из гостевой ОС (а мы помним что они проходят через гипервизор прежде чем попасть в микропроцессор) оцениваются гипервизором и могут заменяться чтобы гостевая ОС нормально работала. Так может работать </a:t>
             </a:r>
             <a:r>
               <a:rPr lang="ru-RU" baseline="0" dirty="0" err="1" smtClean="0"/>
@@ -1482,13 +1476,12 @@
           <a:p>
             <a:r>
               <a:rPr lang="ru-RU" baseline="0" dirty="0" smtClean="0"/>
-              <a:t>Подход, который появился недавно, - это использование аппаратной поддержки виртуализации. Очевидно, что необходима поддержка железом. Все популярные современные гипервизоры </a:t>
+              <a:t>Подход - </a:t>
             </a:r>
             <a:r>
               <a:rPr lang="ru-RU" baseline="0" dirty="0" smtClean="0"/>
-              <a:t>могут использовать</a:t>
-            </a:r>
-            <a:endParaRPr lang="ru-RU" baseline="0" dirty="0" smtClean="0"/>
+              <a:t>это использование аппаратной поддержки виртуализации. Очевидно, что необходима поддержка железом. Все популярные современные гипервизоры могут использовать</a:t>
+            </a:r>
           </a:p>
           <a:p>
             <a:r>
@@ -1605,15 +1598,7 @@
           <a:p>
             <a:r>
               <a:rPr lang="ru-RU" baseline="0" dirty="0" smtClean="0"/>
-              <a:t>В отличии от гипервизора, созданные </a:t>
-            </a:r>
-            <a:r>
-              <a:rPr lang="ru-RU" baseline="0" dirty="0" smtClean="0"/>
-              <a:t>контейнеры </a:t>
-            </a:r>
-            <a:r>
-              <a:rPr lang="ru-RU" baseline="0" dirty="0" smtClean="0"/>
-              <a:t>работают на реальном оборудовании, и используют одно ядро ОС. по сути, виртуальная система не создается, создается лишь пространство пользователя, которое изолирует работу с памятью, файловой системой, запущенными процессами.</a:t>
+              <a:t>В отличии от гипервизора, созданные контейнеры работают на реальном оборудовании, и используют одно ядро ОС. по сути, виртуальная система не создается, создается лишь пространство пользователя, которое изолирует работу с памятью, файловой системой, запущенными процессами.</a:t>
             </a:r>
           </a:p>
           <a:p>
@@ -2284,11 +2269,7 @@
             </a:r>
             <a:r>
               <a:rPr lang="ru-RU" baseline="0" smtClean="0"/>
-              <a:t>системы </a:t>
-            </a:r>
-            <a:r>
-              <a:rPr lang="ru-RU" baseline="0" smtClean="0"/>
-              <a:t>на </a:t>
+              <a:t>системы на </a:t>
             </a:r>
             <a:r>
               <a:rPr lang="ru-RU" baseline="0" dirty="0" err="1" smtClean="0"/>
@@ -2733,8 +2714,13 @@
           <a:p>
             <a:r>
               <a:rPr lang="ru-RU" dirty="0" smtClean="0"/>
-              <a:t>????</a:t>
-            </a:r>
+              <a:t>На</a:t>
+            </a:r>
+            <a:r>
+              <a:rPr lang="ru-RU" baseline="0" dirty="0" smtClean="0"/>
+              <a:t> самом деле виртуализация это словно вселенная, ее тема также огромна и необъятна. Чем больше узнаешь о ней, тем больше направлений для дальнейшего изучения видишь</a:t>
+            </a:r>
+            <a:endParaRPr lang="ru-RU" dirty="0" smtClean="0"/>
           </a:p>
         </p:txBody>
       </p:sp>
@@ -3842,7 +3828,7 @@
           <a:p>
             <a:fld id="{1C803100-45EA-4C24-9B8C-DFEAC5AC82CA}" type="datetimeFigureOut">
               <a:rPr lang="ru-RU" smtClean="0"/>
-              <a:t>11.09.2016</a:t>
+              <a:t>12.09.2016</a:t>
             </a:fld>
             <a:endParaRPr lang="ru-RU"/>
           </a:p>
@@ -4033,7 +4019,7 @@
           <a:p>
             <a:fld id="{1C803100-45EA-4C24-9B8C-DFEAC5AC82CA}" type="datetimeFigureOut">
               <a:rPr lang="ru-RU" smtClean="0"/>
-              <a:t>11.09.2016</a:t>
+              <a:t>12.09.2016</a:t>
             </a:fld>
             <a:endParaRPr lang="ru-RU"/>
           </a:p>
@@ -4218,7 +4204,7 @@
           <a:p>
             <a:fld id="{1C803100-45EA-4C24-9B8C-DFEAC5AC82CA}" type="datetimeFigureOut">
               <a:rPr lang="ru-RU" smtClean="0"/>
-              <a:t>11.09.2016</a:t>
+              <a:t>12.09.2016</a:t>
             </a:fld>
             <a:endParaRPr lang="ru-RU"/>
           </a:p>
@@ -4481,7 +4467,7 @@
           <a:p>
             <a:fld id="{1C803100-45EA-4C24-9B8C-DFEAC5AC82CA}" type="datetimeFigureOut">
               <a:rPr lang="ru-RU" smtClean="0"/>
-              <a:t>11.09.2016</a:t>
+              <a:t>12.09.2016</a:t>
             </a:fld>
             <a:endParaRPr lang="ru-RU"/>
           </a:p>
@@ -4897,7 +4883,7 @@
           <a:p>
             <a:fld id="{1C803100-45EA-4C24-9B8C-DFEAC5AC82CA}" type="datetimeFigureOut">
               <a:rPr lang="ru-RU" smtClean="0"/>
-              <a:t>11.09.2016</a:t>
+              <a:t>12.09.2016</a:t>
             </a:fld>
             <a:endParaRPr lang="ru-RU"/>
           </a:p>
@@ -5139,7 +5125,7 @@
           <a:p>
             <a:fld id="{1C803100-45EA-4C24-9B8C-DFEAC5AC82CA}" type="datetimeFigureOut">
               <a:rPr lang="ru-RU" smtClean="0"/>
-              <a:t>11.09.2016</a:t>
+              <a:t>12.09.2016</a:t>
             </a:fld>
             <a:endParaRPr lang="ru-RU"/>
           </a:p>
@@ -5375,7 +5361,7 @@
           <a:p>
             <a:fld id="{1C803100-45EA-4C24-9B8C-DFEAC5AC82CA}" type="datetimeFigureOut">
               <a:rPr lang="ru-RU" smtClean="0"/>
-              <a:t>11.09.2016</a:t>
+              <a:t>12.09.2016</a:t>
             </a:fld>
             <a:endParaRPr lang="ru-RU"/>
           </a:p>
@@ -5570,7 +5556,7 @@
           <a:p>
             <a:fld id="{1C803100-45EA-4C24-9B8C-DFEAC5AC82CA}" type="datetimeFigureOut">
               <a:rPr lang="ru-RU" smtClean="0"/>
-              <a:t>11.09.2016</a:t>
+              <a:t>12.09.2016</a:t>
             </a:fld>
             <a:endParaRPr lang="ru-RU"/>
           </a:p>
@@ -5668,7 +5654,7 @@
           <a:p>
             <a:fld id="{1C803100-45EA-4C24-9B8C-DFEAC5AC82CA}" type="datetimeFigureOut">
               <a:rPr lang="ru-RU" smtClean="0"/>
-              <a:t>11.09.2016</a:t>
+              <a:t>12.09.2016</a:t>
             </a:fld>
             <a:endParaRPr lang="ru-RU"/>
           </a:p>
@@ -5804,7 +5790,7 @@
           <a:p>
             <a:fld id="{1C803100-45EA-4C24-9B8C-DFEAC5AC82CA}" type="datetimeFigureOut">
               <a:rPr lang="ru-RU" smtClean="0"/>
-              <a:t>11.09.2016</a:t>
+              <a:t>12.09.2016</a:t>
             </a:fld>
             <a:endParaRPr lang="ru-RU"/>
           </a:p>
@@ -6322,7 +6308,7 @@
           <a:p>
             <a:fld id="{1C803100-45EA-4C24-9B8C-DFEAC5AC82CA}" type="datetimeFigureOut">
               <a:rPr lang="ru-RU" smtClean="0"/>
-              <a:t>11.09.2016</a:t>
+              <a:t>12.09.2016</a:t>
             </a:fld>
             <a:endParaRPr lang="ru-RU"/>
           </a:p>
@@ -6583,7 +6569,7 @@
           <a:p>
             <a:fld id="{1C803100-45EA-4C24-9B8C-DFEAC5AC82CA}" type="datetimeFigureOut">
               <a:rPr lang="ru-RU" smtClean="0"/>
-              <a:t>11.09.2016</a:t>
+              <a:t>12.09.2016</a:t>
             </a:fld>
             <a:endParaRPr lang="ru-RU"/>
           </a:p>

--- a/MiniQ/Virtualization.pptx
+++ b/MiniQ/Virtualization.pptx
@@ -5,34 +5,33 @@
     <p:sldMasterId id="2147483684" r:id="rId1"/>
   </p:sldMasterIdLst>
   <p:notesMasterIdLst>
-    <p:notesMasterId r:id="rId27"/>
+    <p:notesMasterId r:id="rId26"/>
   </p:notesMasterIdLst>
   <p:sldIdLst>
     <p:sldId id="256" r:id="rId2"/>
     <p:sldId id="281" r:id="rId3"/>
     <p:sldId id="257" r:id="rId4"/>
-    <p:sldId id="272" r:id="rId5"/>
-    <p:sldId id="263" r:id="rId6"/>
-    <p:sldId id="273" r:id="rId7"/>
-    <p:sldId id="275" r:id="rId8"/>
-    <p:sldId id="270" r:id="rId9"/>
-    <p:sldId id="259" r:id="rId10"/>
-    <p:sldId id="266" r:id="rId11"/>
-    <p:sldId id="276" r:id="rId12"/>
-    <p:sldId id="267" r:id="rId13"/>
-    <p:sldId id="280" r:id="rId14"/>
-    <p:sldId id="277" r:id="rId15"/>
-    <p:sldId id="268" r:id="rId16"/>
-    <p:sldId id="269" r:id="rId17"/>
-    <p:sldId id="261" r:id="rId18"/>
-    <p:sldId id="278" r:id="rId19"/>
-    <p:sldId id="279" r:id="rId20"/>
-    <p:sldId id="265" r:id="rId21"/>
-    <p:sldId id="264" r:id="rId22"/>
-    <p:sldId id="260" r:id="rId23"/>
-    <p:sldId id="262" r:id="rId24"/>
-    <p:sldId id="282" r:id="rId25"/>
-    <p:sldId id="283" r:id="rId26"/>
+    <p:sldId id="263" r:id="rId5"/>
+    <p:sldId id="273" r:id="rId6"/>
+    <p:sldId id="275" r:id="rId7"/>
+    <p:sldId id="270" r:id="rId8"/>
+    <p:sldId id="259" r:id="rId9"/>
+    <p:sldId id="266" r:id="rId10"/>
+    <p:sldId id="276" r:id="rId11"/>
+    <p:sldId id="267" r:id="rId12"/>
+    <p:sldId id="280" r:id="rId13"/>
+    <p:sldId id="277" r:id="rId14"/>
+    <p:sldId id="268" r:id="rId15"/>
+    <p:sldId id="269" r:id="rId16"/>
+    <p:sldId id="261" r:id="rId17"/>
+    <p:sldId id="278" r:id="rId18"/>
+    <p:sldId id="279" r:id="rId19"/>
+    <p:sldId id="265" r:id="rId20"/>
+    <p:sldId id="264" r:id="rId21"/>
+    <p:sldId id="260" r:id="rId22"/>
+    <p:sldId id="262" r:id="rId23"/>
+    <p:sldId id="282" r:id="rId24"/>
+    <p:sldId id="283" r:id="rId25"/>
   </p:sldIdLst>
   <p:sldSz cx="9144000" cy="6858000" type="screen4x3"/>
   <p:notesSz cx="6858000" cy="9144000"/>
@@ -131,6 +130,22 @@
       </a:defRPr>
     </a:lvl9pPr>
   </p:defaultTextStyle>
+  <p:extLst>
+    <p:ext uri="{EFAFB233-063F-42B5-8137-9DF3F51BA10A}">
+      <p15:sldGuideLst xmlns:p15="http://schemas.microsoft.com/office/powerpoint/2012/main">
+        <p15:guide id="1" orient="horz" pos="2160">
+          <p15:clr>
+            <a:srgbClr val="A4A3A4"/>
+          </p15:clr>
+        </p15:guide>
+        <p15:guide id="2" pos="2880">
+          <p15:clr>
+            <a:srgbClr val="A4A3A4"/>
+          </p15:clr>
+        </p15:guide>
+      </p15:sldGuideLst>
+    </p:ext>
+  </p:extLst>
 </p:presentation>
 </file>
 
@@ -216,7 +231,7 @@
           <a:p>
             <a:fld id="{48A61713-36D2-407A-8546-2931C52F0F31}" type="datetimeFigureOut">
               <a:rPr lang="ru-RU" smtClean="0"/>
-              <a:t>12.09.2016</a:t>
+              <a:t>14.09.2016</a:t>
             </a:fld>
             <a:endParaRPr lang="ru-RU"/>
           </a:p>
@@ -620,32 +635,111 @@
           <a:bodyPr/>
           <a:lstStyle/>
           <a:p>
-            <a:r>
-              <a:rPr lang="ru-RU" dirty="0" smtClean="0"/>
-              <a:t>Рассмотрим</a:t>
-            </a:r>
+            <a:pPr marL="0" marR="0" indent="0" algn="l" defTabSz="914400" rtl="0" eaLnBrk="1" fontAlgn="auto" latinLnBrk="0" hangingPunct="1">
+              <a:lnSpc>
+                <a:spcPct val="100000"/>
+              </a:lnSpc>
+              <a:spcBef>
+                <a:spcPts val="0"/>
+              </a:spcBef>
+              <a:spcAft>
+                <a:spcPts val="0"/>
+              </a:spcAft>
+              <a:buClrTx/>
+              <a:buSzTx/>
+              <a:buFontTx/>
+              <a:buNone/>
+              <a:tabLst/>
+              <a:defRPr/>
+            </a:pPr>
             <a:r>
               <a:rPr lang="ru-RU" baseline="0" dirty="0" smtClean="0"/>
-              <a:t> уровень операционной системы.</a:t>
-            </a:r>
-          </a:p>
-          <a:p>
+              <a:t>Некоторые из таких гипервизоров базируются на немного переработанном ядре ОС (такие как </a:t>
+            </a:r>
+            <a:r>
+              <a:rPr lang="en-US" baseline="0" dirty="0" err="1" smtClean="0"/>
+              <a:t>XenServer</a:t>
+            </a:r>
+            <a:r>
+              <a:rPr lang="en-US" baseline="0" dirty="0" smtClean="0"/>
+              <a:t> </a:t>
+            </a:r>
             <a:r>
               <a:rPr lang="ru-RU" baseline="0" dirty="0" smtClean="0"/>
-              <a:t>На этом уровне системы работает гипервизор первого типа.</a:t>
-            </a:r>
-          </a:p>
-          <a:p>
+              <a:t>и</a:t>
+            </a:r>
+            <a:r>
+              <a:rPr lang="en-US" baseline="0" dirty="0" smtClean="0"/>
+              <a:t> Hyper-V), </a:t>
+            </a:r>
             <a:r>
               <a:rPr lang="ru-RU" baseline="0" dirty="0" smtClean="0"/>
-              <a:t>Он ставится напрямую на железо (как операционная система), взаимодействует с ним напрямую и по сути замещает ОС.</a:t>
-            </a:r>
-          </a:p>
-          <a:p>
+              <a:t>некоторые – это отдельные наработки </a:t>
+            </a:r>
+            <a:r>
+              <a:rPr lang="en-US" baseline="0" dirty="0" smtClean="0"/>
+              <a:t>(</a:t>
+            </a:r>
+            <a:r>
+              <a:rPr lang="en-US" baseline="0" dirty="0" err="1" smtClean="0"/>
+              <a:t>VMWare</a:t>
+            </a:r>
+            <a:r>
+              <a:rPr lang="en-US" baseline="0" dirty="0" smtClean="0"/>
+              <a:t> </a:t>
+            </a:r>
+            <a:r>
+              <a:rPr lang="en-US" baseline="0" dirty="0" err="1" smtClean="0"/>
+              <a:t>ESXi</a:t>
+            </a:r>
+            <a:r>
+              <a:rPr lang="en-US" baseline="0" dirty="0" smtClean="0"/>
+              <a:t>) </a:t>
+            </a:r>
+            <a:endParaRPr lang="ru-RU" baseline="0" dirty="0" smtClean="0"/>
+          </a:p>
+          <a:p>
+            <a:pPr marL="0" marR="0" indent="0" algn="l" defTabSz="914400" rtl="0" eaLnBrk="1" fontAlgn="auto" latinLnBrk="0" hangingPunct="1">
+              <a:lnSpc>
+                <a:spcPct val="100000"/>
+              </a:lnSpc>
+              <a:spcBef>
+                <a:spcPts val="0"/>
+              </a:spcBef>
+              <a:spcAft>
+                <a:spcPts val="0"/>
+              </a:spcAft>
+              <a:buClrTx/>
+              <a:buSzTx/>
+              <a:buFontTx/>
+              <a:buNone/>
+              <a:tabLst/>
+              <a:defRPr/>
+            </a:pPr>
             <a:r>
               <a:rPr lang="ru-RU" baseline="0" dirty="0" smtClean="0"/>
-              <a:t>За счет отсутствия ОС это быстро и стабильнее (так как гипервизор хоть и походит на ОС, но оптимизирован в первую очередь только для запуска виртуальных систем)</a:t>
-            </a:r>
+              <a:t>Объединяет их то что знать о них неплохо, но как разработчики или </a:t>
+            </a:r>
+            <a:r>
+              <a:rPr lang="ru-RU" baseline="0" dirty="0" err="1" smtClean="0"/>
+              <a:t>тестировщики</a:t>
+            </a:r>
+            <a:r>
+              <a:rPr lang="ru-RU" baseline="0" dirty="0" smtClean="0"/>
+              <a:t>, вы </a:t>
+            </a:r>
+            <a:r>
+              <a:rPr lang="ru-RU" baseline="0" dirty="0" err="1" smtClean="0"/>
+              <a:t>врядли</a:t>
+            </a:r>
+            <a:r>
+              <a:rPr lang="ru-RU" baseline="0" dirty="0" smtClean="0"/>
+              <a:t> будете с ними работать</a:t>
+            </a:r>
+            <a:endParaRPr lang="ru-RU" dirty="0" smtClean="0"/>
+          </a:p>
+          <a:p>
+            <a:endParaRPr lang="ru-RU" dirty="0"/>
           </a:p>
         </p:txBody>
       </p:sp>
@@ -675,7 +769,7 @@
     </p:spTree>
     <p:extLst>
       <p:ext uri="{BB962C8B-B14F-4D97-AF65-F5344CB8AC3E}">
-        <p14:creationId xmlns:p14="http://schemas.microsoft.com/office/powerpoint/2010/main" val="332889430"/>
+        <p14:creationId xmlns:p14="http://schemas.microsoft.com/office/powerpoint/2010/main" val="1124119431"/>
       </p:ext>
     </p:extLst>
   </p:cSld>
@@ -729,111 +823,34 @@
           <a:bodyPr/>
           <a:lstStyle/>
           <a:p>
-            <a:pPr marL="0" marR="0" indent="0" algn="l" defTabSz="914400" rtl="0" eaLnBrk="1" fontAlgn="auto" latinLnBrk="0" hangingPunct="1">
-              <a:lnSpc>
-                <a:spcPct val="100000"/>
-              </a:lnSpc>
-              <a:spcBef>
-                <a:spcPts val="0"/>
-              </a:spcBef>
-              <a:spcAft>
-                <a:spcPts val="0"/>
-              </a:spcAft>
-              <a:buClrTx/>
-              <a:buSzTx/>
-              <a:buFontTx/>
-              <a:buNone/>
-              <a:tabLst/>
-              <a:defRPr/>
-            </a:pPr>
+            <a:r>
+              <a:rPr lang="ru-RU" dirty="0" smtClean="0"/>
+              <a:t>Если рассматривать уровень приложений</a:t>
+            </a:r>
             <a:r>
               <a:rPr lang="ru-RU" baseline="0" dirty="0" smtClean="0"/>
-              <a:t>Некоторые из таких гипервизоров базируются на немного переработанном ядре ОС (такие как </a:t>
-            </a:r>
-            <a:r>
-              <a:rPr lang="en-US" baseline="0" dirty="0" err="1" smtClean="0"/>
-              <a:t>XenServer</a:t>
-            </a:r>
-            <a:r>
-              <a:rPr lang="en-US" baseline="0" dirty="0" smtClean="0"/>
               <a:t> </a:t>
             </a:r>
             <a:r>
+              <a:rPr lang="ru-RU" dirty="0" smtClean="0"/>
+              <a:t>операционной системы, то здесь стоит различать</a:t>
+            </a:r>
+          </a:p>
+          <a:p>
+            <a:r>
+              <a:rPr lang="ru-RU" dirty="0" smtClean="0"/>
+              <a:t>Гипервизоры 2 типа</a:t>
+            </a:r>
+          </a:p>
+          <a:p>
+            <a:r>
+              <a:rPr lang="ru-RU" dirty="0" smtClean="0"/>
+              <a:t>И контейнеры. Контейнеры на самом деле не совсем относятся к виртуализации</a:t>
+            </a:r>
+            <a:r>
               <a:rPr lang="ru-RU" baseline="0" dirty="0" smtClean="0"/>
-              <a:t>и</a:t>
-            </a:r>
-            <a:r>
-              <a:rPr lang="en-US" baseline="0" dirty="0" smtClean="0"/>
-              <a:t> Hyper-V), </a:t>
-            </a:r>
-            <a:r>
-              <a:rPr lang="ru-RU" baseline="0" dirty="0" smtClean="0"/>
-              <a:t>некоторые – это отдельные наработки </a:t>
-            </a:r>
-            <a:r>
-              <a:rPr lang="en-US" baseline="0" dirty="0" smtClean="0"/>
-              <a:t>(</a:t>
-            </a:r>
-            <a:r>
-              <a:rPr lang="en-US" baseline="0" dirty="0" err="1" smtClean="0"/>
-              <a:t>VMWare</a:t>
-            </a:r>
-            <a:r>
-              <a:rPr lang="en-US" baseline="0" dirty="0" smtClean="0"/>
-              <a:t> </a:t>
-            </a:r>
-            <a:r>
-              <a:rPr lang="en-US" baseline="0" dirty="0" err="1" smtClean="0"/>
-              <a:t>ESXi</a:t>
-            </a:r>
-            <a:r>
-              <a:rPr lang="en-US" baseline="0" dirty="0" smtClean="0"/>
-              <a:t>) </a:t>
-            </a:r>
-            <a:endParaRPr lang="ru-RU" baseline="0" dirty="0" smtClean="0"/>
-          </a:p>
-          <a:p>
-            <a:pPr marL="0" marR="0" indent="0" algn="l" defTabSz="914400" rtl="0" eaLnBrk="1" fontAlgn="auto" latinLnBrk="0" hangingPunct="1">
-              <a:lnSpc>
-                <a:spcPct val="100000"/>
-              </a:lnSpc>
-              <a:spcBef>
-                <a:spcPts val="0"/>
-              </a:spcBef>
-              <a:spcAft>
-                <a:spcPts val="0"/>
-              </a:spcAft>
-              <a:buClrTx/>
-              <a:buSzTx/>
-              <a:buFontTx/>
-              <a:buNone/>
-              <a:tabLst/>
-              <a:defRPr/>
-            </a:pPr>
-            <a:r>
-              <a:rPr lang="ru-RU" baseline="0" dirty="0" smtClean="0"/>
-              <a:t>Объединяет их то что знать о них неплохо, но как разработчики или </a:t>
-            </a:r>
-            <a:r>
-              <a:rPr lang="ru-RU" baseline="0" dirty="0" err="1" smtClean="0"/>
-              <a:t>тестировщики</a:t>
-            </a:r>
-            <a:r>
-              <a:rPr lang="ru-RU" baseline="0" dirty="0" smtClean="0"/>
-              <a:t>, вы </a:t>
-            </a:r>
-            <a:r>
-              <a:rPr lang="ru-RU" baseline="0" dirty="0" err="1" smtClean="0"/>
-              <a:t>врядли</a:t>
-            </a:r>
-            <a:r>
-              <a:rPr lang="ru-RU" baseline="0" dirty="0" smtClean="0"/>
-              <a:t> будете с ними работать</a:t>
-            </a:r>
-            <a:endParaRPr lang="ru-RU" dirty="0" smtClean="0"/>
-          </a:p>
-          <a:p>
-            <a:endParaRPr lang="ru-RU" dirty="0"/>
+              <a:t> систем, но ввиду большой популярности я бы хотел включить их в обзор.</a:t>
+            </a:r>
           </a:p>
         </p:txBody>
       </p:sp>
@@ -863,7 +880,7 @@
     </p:spTree>
     <p:extLst>
       <p:ext uri="{BB962C8B-B14F-4D97-AF65-F5344CB8AC3E}">
-        <p14:creationId xmlns:p14="http://schemas.microsoft.com/office/powerpoint/2010/main" val="1124119431"/>
+        <p14:creationId xmlns:p14="http://schemas.microsoft.com/office/powerpoint/2010/main" val="552999973"/>
       </p:ext>
     </p:extLst>
   </p:cSld>
@@ -919,32 +936,19 @@
           <a:p>
             <a:r>
               <a:rPr lang="ru-RU" dirty="0" smtClean="0"/>
-              <a:t>Если рассматривать уровень приложений</a:t>
+              <a:t>Гипервизор второго типа в отличии от первого,</a:t>
             </a:r>
             <a:r>
               <a:rPr lang="ru-RU" baseline="0" dirty="0" smtClean="0"/>
-              <a:t> </a:t>
-            </a:r>
-            <a:r>
-              <a:rPr lang="ru-RU" dirty="0" smtClean="0"/>
-              <a:t>операционной системы, то здесь стоит различать</a:t>
-            </a:r>
-          </a:p>
-          <a:p>
-            <a:r>
-              <a:rPr lang="ru-RU" dirty="0" smtClean="0"/>
-              <a:t>Гипервизоры 2 типа</a:t>
-            </a:r>
-          </a:p>
-          <a:p>
-            <a:r>
-              <a:rPr lang="ru-RU" dirty="0" smtClean="0"/>
-              <a:t>И контейнеры. Контейнеры на самом деле не совсем относятся к виртуализации</a:t>
-            </a:r>
+              <a:t> является приложением, которое устанавливается и работает в операционной системе. Таким образом в связке добавляется новый уровень – операционная система, которая в теории безусловно влияет на производительность в худшую сторону.</a:t>
+            </a:r>
+          </a:p>
+          <a:p>
             <a:r>
               <a:rPr lang="ru-RU" baseline="0" dirty="0" smtClean="0"/>
-              <a:t> систем, но ввиду большой популярности я бы хотел включить их в обзор.</a:t>
-            </a:r>
+              <a:t>Но именно гипервизоры второго типа наиболее популярны</a:t>
+            </a:r>
+            <a:endParaRPr lang="ru-RU" dirty="0"/>
           </a:p>
         </p:txBody>
       </p:sp>
@@ -974,7 +978,7 @@
     </p:spTree>
     <p:extLst>
       <p:ext uri="{BB962C8B-B14F-4D97-AF65-F5344CB8AC3E}">
-        <p14:creationId xmlns:p14="http://schemas.microsoft.com/office/powerpoint/2010/main" val="552999973"/>
+        <p14:creationId xmlns:p14="http://schemas.microsoft.com/office/powerpoint/2010/main" val="3799760205"/>
       </p:ext>
     </p:extLst>
   </p:cSld>
@@ -1030,19 +1034,183 @@
           <a:p>
             <a:r>
               <a:rPr lang="ru-RU" dirty="0" smtClean="0"/>
-              <a:t>Гипервизор второго типа в отличии от первого,</a:t>
+              <a:t>Реализаций</a:t>
             </a:r>
             <a:r>
               <a:rPr lang="ru-RU" baseline="0" dirty="0" smtClean="0"/>
-              <a:t> является приложением, которое устанавливается и работает в операционной системе. Таким образом в связке добавляется новый уровень – операционная система, которая в теории безусловно влияет на производительность в худшую сторону.</a:t>
-            </a:r>
-          </a:p>
-          <a:p>
+              <a:t> </a:t>
+            </a:r>
+            <a:r>
+              <a:rPr lang="ru-RU" dirty="0" smtClean="0"/>
+              <a:t>Гипервизоров</a:t>
+            </a:r>
             <a:r>
               <a:rPr lang="ru-RU" baseline="0" dirty="0" smtClean="0"/>
-              <a:t>Но именно гипервизоры второго типа наиболее популярны</a:t>
-            </a:r>
-            <a:endParaRPr lang="ru-RU" dirty="0"/>
+              <a:t> второго типа достаточно много, самыми популярными являются</a:t>
+            </a:r>
+          </a:p>
+          <a:p>
+            <a:r>
+              <a:rPr lang="en-US" baseline="0" dirty="0" err="1" smtClean="0"/>
+              <a:t>Virtualbox</a:t>
+            </a:r>
+            <a:r>
+              <a:rPr lang="en-US" baseline="0" dirty="0" smtClean="0"/>
+              <a:t> </a:t>
+            </a:r>
+            <a:r>
+              <a:rPr lang="ru-RU" baseline="0" dirty="0" smtClean="0"/>
+              <a:t>(бесплатный) и </a:t>
+            </a:r>
+            <a:r>
+              <a:rPr lang="en-US" baseline="0" dirty="0" err="1" smtClean="0"/>
+              <a:t>VMWare</a:t>
+            </a:r>
+            <a:r>
+              <a:rPr lang="en-US" baseline="0" dirty="0" smtClean="0"/>
+              <a:t> Workstation (</a:t>
+            </a:r>
+            <a:r>
+              <a:rPr lang="ru-RU" baseline="0" dirty="0" smtClean="0"/>
+              <a:t>платный, хотя есть </a:t>
+            </a:r>
+            <a:r>
+              <a:rPr lang="en-US" baseline="0" dirty="0" err="1" smtClean="0"/>
+              <a:t>VMWare</a:t>
+            </a:r>
+            <a:r>
+              <a:rPr lang="en-US" baseline="0" dirty="0" smtClean="0"/>
+              <a:t> Player </a:t>
+            </a:r>
+            <a:r>
+              <a:rPr lang="ru-RU" baseline="0" dirty="0" smtClean="0"/>
+              <a:t>который бесплатен и который в принципе большинство вещей может делать)</a:t>
+            </a:r>
+          </a:p>
+          <a:p>
+            <a:r>
+              <a:rPr lang="ru-RU" baseline="0" dirty="0" smtClean="0"/>
+              <a:t>В среде </a:t>
+            </a:r>
+            <a:r>
+              <a:rPr lang="en-US" baseline="0" dirty="0" err="1" smtClean="0"/>
+              <a:t>linux</a:t>
+            </a:r>
+            <a:r>
+              <a:rPr lang="en-US" baseline="0" dirty="0" smtClean="0"/>
+              <a:t> </a:t>
+            </a:r>
+            <a:r>
+              <a:rPr lang="ru-RU" baseline="0" dirty="0" smtClean="0"/>
+              <a:t>популярны не только эти два но еще и гипервизор </a:t>
+            </a:r>
+            <a:r>
+              <a:rPr lang="en-US" baseline="0" dirty="0" err="1" smtClean="0"/>
+              <a:t>Xen</a:t>
+            </a:r>
+            <a:r>
+              <a:rPr lang="en-US" baseline="0" dirty="0" smtClean="0"/>
+              <a:t>. </a:t>
+            </a:r>
+            <a:r>
+              <a:rPr lang="ru-RU" baseline="0" dirty="0" smtClean="0"/>
+              <a:t>Насколько я слышал, именно </a:t>
+            </a:r>
+            <a:r>
+              <a:rPr lang="en-US" baseline="0" dirty="0" err="1" smtClean="0"/>
+              <a:t>xen</a:t>
+            </a:r>
+            <a:r>
+              <a:rPr lang="en-US" baseline="0" dirty="0" smtClean="0"/>
+              <a:t> </a:t>
+            </a:r>
+            <a:r>
+              <a:rPr lang="ru-RU" baseline="0" dirty="0" smtClean="0"/>
+              <a:t>в том или ином виде используется в </a:t>
+            </a:r>
+            <a:r>
+              <a:rPr lang="en-US" baseline="0" dirty="0" smtClean="0"/>
+              <a:t>Amazon EC2</a:t>
+            </a:r>
+          </a:p>
+          <a:p>
+            <a:r>
+              <a:rPr lang="ru-RU" baseline="0" dirty="0" smtClean="0"/>
+              <a:t>Также я хотел бы обратить внимание на еще два гипервизора </a:t>
+            </a:r>
+            <a:r>
+              <a:rPr lang="en-US" baseline="0" dirty="0" smtClean="0"/>
+              <a:t>– Microsoft Hyper-V </a:t>
+            </a:r>
+            <a:r>
+              <a:rPr lang="ru-RU" baseline="0" dirty="0" smtClean="0"/>
+              <a:t>и </a:t>
+            </a:r>
+            <a:r>
+              <a:rPr lang="en-US" baseline="0" dirty="0" smtClean="0"/>
+              <a:t>KVM – </a:t>
+            </a:r>
+            <a:r>
+              <a:rPr lang="ru-RU" baseline="0" dirty="0" smtClean="0"/>
+              <a:t>это гипервизоры для </a:t>
+            </a:r>
+            <a:r>
+              <a:rPr lang="en-US" baseline="0" dirty="0" smtClean="0"/>
+              <a:t>windows </a:t>
+            </a:r>
+            <a:r>
+              <a:rPr lang="ru-RU" baseline="0" dirty="0" smtClean="0"/>
+              <a:t>и </a:t>
+            </a:r>
+            <a:r>
+              <a:rPr lang="en-US" baseline="0" dirty="0" err="1" smtClean="0"/>
+              <a:t>linux</a:t>
+            </a:r>
+            <a:r>
+              <a:rPr lang="en-US" baseline="0" dirty="0" smtClean="0"/>
+              <a:t> </a:t>
+            </a:r>
+            <a:r>
+              <a:rPr lang="ru-RU" baseline="0" dirty="0" smtClean="0"/>
+              <a:t>соответственно и их отличие в том, что они уже есть в поставке системы. Они не ставятся автоматически, но их можно </a:t>
+            </a:r>
+            <a:r>
+              <a:rPr lang="ru-RU" baseline="0" dirty="0" err="1" smtClean="0"/>
+              <a:t>доустановить</a:t>
+            </a:r>
+            <a:r>
+              <a:rPr lang="ru-RU" baseline="0" dirty="0" smtClean="0"/>
+              <a:t> и дистрибутива достаточно</a:t>
+            </a:r>
+          </a:p>
+          <a:p>
+            <a:endParaRPr lang="ru-RU" baseline="0" dirty="0" smtClean="0"/>
+          </a:p>
+          <a:p>
+            <a:r>
+              <a:rPr lang="ru-RU" dirty="0" smtClean="0"/>
+              <a:t>Какой из них</a:t>
+            </a:r>
+            <a:r>
+              <a:rPr lang="ru-RU" baseline="0" dirty="0" smtClean="0"/>
+              <a:t> лучше? </a:t>
+            </a:r>
+          </a:p>
+          <a:p>
+            <a:r>
+              <a:rPr lang="ru-RU" b="1" baseline="0" dirty="0" smtClean="0"/>
+              <a:t>Что вы подразумеваете под лучше?</a:t>
+            </a:r>
+          </a:p>
+          <a:p>
+            <a:r>
+              <a:rPr lang="ru-RU" baseline="0" dirty="0" smtClean="0"/>
+              <a:t>Если быстрее – то н</a:t>
+            </a:r>
+            <a:r>
+              <a:rPr lang="ru-RU" dirty="0" smtClean="0"/>
+              <a:t>адо пробовать</a:t>
+            </a:r>
           </a:p>
         </p:txBody>
       </p:sp>
@@ -1072,7 +1240,7 @@
     </p:spTree>
     <p:extLst>
       <p:ext uri="{BB962C8B-B14F-4D97-AF65-F5344CB8AC3E}">
-        <p14:creationId xmlns:p14="http://schemas.microsoft.com/office/powerpoint/2010/main" val="3799760205"/>
+        <p14:creationId xmlns:p14="http://schemas.microsoft.com/office/powerpoint/2010/main" val="3016449209"/>
       </p:ext>
     </p:extLst>
   </p:cSld>
@@ -1127,184 +1295,90 @@
           <a:lstStyle/>
           <a:p>
             <a:r>
-              <a:rPr lang="ru-RU" dirty="0" smtClean="0"/>
-              <a:t>Реализаций</a:t>
-            </a:r>
-            <a:r>
               <a:rPr lang="ru-RU" baseline="0" dirty="0" smtClean="0"/>
-              <a:t> </a:t>
-            </a:r>
-            <a:r>
-              <a:rPr lang="ru-RU" dirty="0" smtClean="0"/>
-              <a:t>Гипервизоров</a:t>
-            </a:r>
+              <a:t>принцип работы гипервизоров может различаться. Некоторые гипервизоры могут использовать несколько подходов.</a:t>
+            </a:r>
+          </a:p>
+          <a:p>
             <a:r>
               <a:rPr lang="ru-RU" baseline="0" dirty="0" smtClean="0"/>
-              <a:t> второго типа достаточно много, самыми популярными являются</a:t>
-            </a:r>
-          </a:p>
-          <a:p>
+              <a:t>Подход, который появился одним из первых и долгое время был самым популярным – бинарная трансляция. Все проблемные команды микропроцессору из гостевой ОС (а мы помним что они проходят через гипервизор прежде чем попасть в микропроцессор) оцениваются гипервизором и могут заменяться чтобы гостевая ОС нормально работала. Так может работать </a:t>
+            </a:r>
+            <a:r>
+              <a:rPr lang="ru-RU" baseline="0" dirty="0" err="1" smtClean="0"/>
+              <a:t>виртуалбокс</a:t>
+            </a:r>
+            <a:r>
+              <a:rPr lang="ru-RU" baseline="0" dirty="0" smtClean="0"/>
+              <a:t> и </a:t>
+            </a:r>
             <a:r>
               <a:rPr lang="en-US" baseline="0" dirty="0" err="1" smtClean="0"/>
-              <a:t>Virtualbox</a:t>
+              <a:t>vmware</a:t>
+            </a:r>
+            <a:endParaRPr lang="ru-RU" baseline="0" dirty="0" smtClean="0"/>
+          </a:p>
+          <a:p>
+            <a:r>
+              <a:rPr lang="ru-RU" baseline="0" dirty="0" smtClean="0"/>
+              <a:t>Как видим, проблема в том чтобы гостевая ОС выдает команды которые нужно специальным образом обрабатывать. А что если обойти эти команды и вызывать гипервизор напрямую? И это принцип </a:t>
+            </a:r>
+            <a:r>
+              <a:rPr lang="ru-RU" baseline="0" dirty="0" err="1" smtClean="0"/>
+              <a:t>паравиртуализации</a:t>
+            </a:r>
+            <a:r>
+              <a:rPr lang="ru-RU" baseline="0" dirty="0" smtClean="0"/>
+              <a:t>.</a:t>
+            </a:r>
+          </a:p>
+          <a:p>
+            <a:r>
+              <a:rPr lang="ru-RU" baseline="0" dirty="0" smtClean="0"/>
+              <a:t>Но для </a:t>
+            </a:r>
+            <a:r>
+              <a:rPr lang="ru-RU" baseline="0" dirty="0" err="1" smtClean="0"/>
+              <a:t>паравиртуализации</a:t>
+            </a:r>
+            <a:r>
+              <a:rPr lang="ru-RU" baseline="0" dirty="0" smtClean="0"/>
+              <a:t> необходимо подготавливать гостевую операционную систему, менять ее ядро. Очевидно что в основном это работает только с ОС с открытым кодом (как </a:t>
+            </a:r>
+            <a:r>
+              <a:rPr lang="ru-RU" baseline="0" dirty="0" err="1" smtClean="0"/>
+              <a:t>линукс</a:t>
+            </a:r>
+            <a:r>
+              <a:rPr lang="ru-RU" baseline="0" dirty="0" smtClean="0"/>
+              <a:t>)</a:t>
             </a:r>
             <a:r>
               <a:rPr lang="en-US" baseline="0" dirty="0" smtClean="0"/>
-              <a:t> </a:t>
+              <a:t>. </a:t>
             </a:r>
             <a:r>
               <a:rPr lang="ru-RU" baseline="0" dirty="0" smtClean="0"/>
-              <a:t>(бесплатный) и </a:t>
-            </a:r>
-            <a:r>
-              <a:rPr lang="en-US" baseline="0" dirty="0" err="1" smtClean="0"/>
-              <a:t>VMWare</a:t>
-            </a:r>
-            <a:r>
-              <a:rPr lang="en-US" baseline="0" dirty="0" smtClean="0"/>
-              <a:t> Workstation (</a:t>
-            </a:r>
-            <a:r>
-              <a:rPr lang="ru-RU" baseline="0" dirty="0" smtClean="0"/>
-              <a:t>платный, хотя есть </a:t>
-            </a:r>
-            <a:r>
-              <a:rPr lang="en-US" baseline="0" dirty="0" err="1" smtClean="0"/>
-              <a:t>VMWare</a:t>
-            </a:r>
-            <a:r>
-              <a:rPr lang="en-US" baseline="0" dirty="0" smtClean="0"/>
-              <a:t> Player </a:t>
-            </a:r>
-            <a:r>
-              <a:rPr lang="ru-RU" baseline="0" dirty="0" smtClean="0"/>
-              <a:t>который бесплатен и который в принципе большинство вещей может делать)</a:t>
-            </a:r>
-          </a:p>
-          <a:p>
-            <a:r>
-              <a:rPr lang="ru-RU" baseline="0" dirty="0" smtClean="0"/>
-              <a:t>В среде </a:t>
-            </a:r>
-            <a:r>
-              <a:rPr lang="en-US" baseline="0" dirty="0" err="1" smtClean="0"/>
-              <a:t>linux</a:t>
-            </a:r>
-            <a:r>
-              <a:rPr lang="en-US" baseline="0" dirty="0" smtClean="0"/>
-              <a:t> </a:t>
-            </a:r>
-            <a:r>
-              <a:rPr lang="ru-RU" baseline="0" dirty="0" smtClean="0"/>
-              <a:t>популярны не только эти два но еще и гипервизор </a:t>
+              <a:t>Так работает </a:t>
             </a:r>
             <a:r>
               <a:rPr lang="en-US" baseline="0" dirty="0" err="1" smtClean="0"/>
               <a:t>Xen</a:t>
             </a:r>
-            <a:r>
-              <a:rPr lang="en-US" baseline="0" dirty="0" smtClean="0"/>
-              <a:t>. </a:t>
-            </a:r>
+            <a:endParaRPr lang="ru-RU" baseline="0" dirty="0" smtClean="0"/>
+          </a:p>
+          <a:p>
             <a:r>
               <a:rPr lang="ru-RU" baseline="0" dirty="0" smtClean="0"/>
-              <a:t>Насколько я слышал, именно </a:t>
-            </a:r>
-            <a:r>
-              <a:rPr lang="en-US" baseline="0" dirty="0" err="1" smtClean="0"/>
-              <a:t>xen</a:t>
-            </a:r>
-            <a:r>
-              <a:rPr lang="en-US" baseline="0" dirty="0" smtClean="0"/>
-              <a:t> </a:t>
-            </a:r>
+              <a:t>Подход - это использование аппаратной поддержки виртуализации. Очевидно, что необходима поддержка железом. Все популярные современные гипервизоры могут использовать</a:t>
+            </a:r>
+          </a:p>
+          <a:p>
             <a:r>
               <a:rPr lang="ru-RU" baseline="0" dirty="0" smtClean="0"/>
-              <a:t>в том или ином виде используется в </a:t>
-            </a:r>
-            <a:r>
-              <a:rPr lang="en-US" baseline="0" dirty="0" smtClean="0"/>
-              <a:t>Amazon EC2</a:t>
-            </a:r>
-          </a:p>
-          <a:p>
-            <a:r>
-              <a:rPr lang="ru-RU" baseline="0" dirty="0" smtClean="0"/>
-              <a:t>Также я хотел бы обратить внимание на еще два гипервизора </a:t>
-            </a:r>
-            <a:r>
-              <a:rPr lang="en-US" baseline="0" dirty="0" smtClean="0"/>
-              <a:t>– Microsoft Hyper-V </a:t>
-            </a:r>
-            <a:r>
-              <a:rPr lang="ru-RU" baseline="0" dirty="0" smtClean="0"/>
-              <a:t>и </a:t>
-            </a:r>
-            <a:r>
-              <a:rPr lang="en-US" baseline="0" dirty="0" smtClean="0"/>
-              <a:t>KVM – </a:t>
-            </a:r>
-            <a:r>
-              <a:rPr lang="ru-RU" baseline="0" dirty="0" smtClean="0"/>
-              <a:t>это гипервизоры для </a:t>
-            </a:r>
-            <a:r>
-              <a:rPr lang="en-US" baseline="0" dirty="0" smtClean="0"/>
-              <a:t>windows </a:t>
-            </a:r>
-            <a:r>
-              <a:rPr lang="ru-RU" baseline="0" dirty="0" smtClean="0"/>
-              <a:t>и </a:t>
-            </a:r>
-            <a:r>
-              <a:rPr lang="en-US" baseline="0" dirty="0" err="1" smtClean="0"/>
-              <a:t>linux</a:t>
-            </a:r>
-            <a:r>
-              <a:rPr lang="en-US" baseline="0" dirty="0" smtClean="0"/>
-              <a:t> </a:t>
-            </a:r>
-            <a:r>
-              <a:rPr lang="ru-RU" baseline="0" dirty="0" smtClean="0"/>
-              <a:t>соответственно и их отличие в том, что они уже есть в поставке системы. Они не ставятся автоматически, но их можно </a:t>
-            </a:r>
-            <a:r>
-              <a:rPr lang="ru-RU" baseline="0" dirty="0" err="1" smtClean="0"/>
-              <a:t>доустановить</a:t>
-            </a:r>
-            <a:r>
-              <a:rPr lang="ru-RU" baseline="0" dirty="0" smtClean="0"/>
-              <a:t> и дистрибутива достаточно</a:t>
-            </a:r>
-          </a:p>
-          <a:p>
-            <a:endParaRPr lang="ru-RU" baseline="0" dirty="0" smtClean="0"/>
-          </a:p>
-          <a:p>
-            <a:r>
-              <a:rPr lang="ru-RU" dirty="0" smtClean="0"/>
-              <a:t>Какой из них</a:t>
-            </a:r>
-            <a:r>
-              <a:rPr lang="ru-RU" baseline="0" dirty="0" smtClean="0"/>
-              <a:t> лучше? </a:t>
-            </a:r>
-          </a:p>
-          <a:p>
-            <a:r>
-              <a:rPr lang="ru-RU" b="1" baseline="0" dirty="0" smtClean="0"/>
-              <a:t>Что вы подразумеваете под лучше?</a:t>
-            </a:r>
-          </a:p>
-          <a:p>
-            <a:r>
-              <a:rPr lang="ru-RU" baseline="0" dirty="0" smtClean="0"/>
-              <a:t>Если быстрее – то н</a:t>
-            </a:r>
-            <a:r>
-              <a:rPr lang="ru-RU" dirty="0" smtClean="0"/>
-              <a:t>адо пробовать</a:t>
-            </a:r>
+              <a:t>Какой быстрее – кто знает? Надо тестировать</a:t>
+            </a:r>
+            <a:endParaRPr lang="ru-RU" dirty="0"/>
           </a:p>
         </p:txBody>
       </p:sp>
@@ -1334,7 +1408,7 @@
     </p:spTree>
     <p:extLst>
       <p:ext uri="{BB962C8B-B14F-4D97-AF65-F5344CB8AC3E}">
-        <p14:creationId xmlns:p14="http://schemas.microsoft.com/office/powerpoint/2010/main" val="3016449209"/>
+        <p14:creationId xmlns:p14="http://schemas.microsoft.com/office/powerpoint/2010/main" val="2974885209"/>
       </p:ext>
     </p:extLst>
   </p:cSld>
@@ -1389,106 +1463,46 @@
           <a:lstStyle/>
           <a:p>
             <a:r>
+              <a:rPr lang="ru-RU" dirty="0" smtClean="0"/>
+              <a:t>Контейнеры – это еще один способ</a:t>
+            </a:r>
+            <a:r>
               <a:rPr lang="ru-RU" baseline="0" dirty="0" smtClean="0"/>
-              <a:t>принцип </a:t>
-            </a:r>
+              <a:t> виртуализации.</a:t>
+            </a:r>
+          </a:p>
+          <a:p>
             <a:r>
               <a:rPr lang="ru-RU" baseline="0" dirty="0" smtClean="0"/>
-              <a:t>работы гипервизоров может различаться. Некоторые гипервизоры могут использовать несколько подходов.</a:t>
-            </a:r>
-          </a:p>
-          <a:p>
+              <a:t>Как и в случае с гипервизором, созданные виртуальные системы (контейнеры) изолированы от </a:t>
+            </a:r>
+            <a:r>
+              <a:rPr lang="ru-RU" baseline="0" dirty="0" err="1" smtClean="0"/>
+              <a:t>хостовой</a:t>
+            </a:r>
             <a:r>
               <a:rPr lang="ru-RU" baseline="0" dirty="0" smtClean="0"/>
-              <a:t>Подход, который появился одним из первых и долгое время был самым популярным – бинарная трансляция. Все </a:t>
-            </a:r>
+              <a:t> ОС и друг друга.</a:t>
+            </a:r>
+          </a:p>
+          <a:p>
             <a:r>
               <a:rPr lang="ru-RU" baseline="0" dirty="0" smtClean="0"/>
-              <a:t>проблемные команды </a:t>
-            </a:r>
+              <a:t>В отличии от гипервизора, созданные контейнеры работают на реальном оборудовании, и используют одно ядро ОС. по сути, виртуальная система не создается, создается лишь пространство пользователя, которое изолирует работу с памятью, файловой системой, запущенными процессами.</a:t>
+            </a:r>
+          </a:p>
+          <a:p>
             <a:r>
               <a:rPr lang="ru-RU" baseline="0" dirty="0" smtClean="0"/>
-              <a:t>микропроцессору из гостевой ОС (а мы помним что они проходят через гипервизор прежде чем попасть в микропроцессор) оцениваются гипервизором и могут заменяться чтобы гостевая ОС нормально работала. Так может работать </a:t>
-            </a:r>
-            <a:r>
-              <a:rPr lang="ru-RU" baseline="0" dirty="0" err="1" smtClean="0"/>
-              <a:t>виртуалбокс</a:t>
-            </a:r>
+              <a:t>За счет этого расходы на виртуализацию меньше чем с гипервизором.</a:t>
+            </a:r>
+          </a:p>
+          <a:p>
             <a:r>
               <a:rPr lang="ru-RU" baseline="0" dirty="0" smtClean="0"/>
-              <a:t> и </a:t>
-            </a:r>
-            <a:r>
-              <a:rPr lang="en-US" baseline="0" dirty="0" err="1" smtClean="0"/>
-              <a:t>vmware</a:t>
-            </a:r>
-            <a:endParaRPr lang="ru-RU" baseline="0" dirty="0" smtClean="0"/>
-          </a:p>
-          <a:p>
-            <a:r>
-              <a:rPr lang="ru-RU" baseline="0" dirty="0" smtClean="0"/>
-              <a:t>Как видим, проблема в том чтобы гостевая ОС выдает команды которые нужно специальным образом обрабатывать. А что если обойти эти команды и вызывать гипервизор напрямую? И это принцип </a:t>
-            </a:r>
-            <a:r>
-              <a:rPr lang="ru-RU" baseline="0" dirty="0" err="1" smtClean="0"/>
-              <a:t>паравиртуализации</a:t>
-            </a:r>
-            <a:r>
-              <a:rPr lang="ru-RU" baseline="0" dirty="0" smtClean="0"/>
-              <a:t>.</a:t>
-            </a:r>
-          </a:p>
-          <a:p>
-            <a:r>
-              <a:rPr lang="ru-RU" baseline="0" dirty="0" smtClean="0"/>
-              <a:t>Но для </a:t>
-            </a:r>
-            <a:r>
-              <a:rPr lang="ru-RU" baseline="0" dirty="0" err="1" smtClean="0"/>
-              <a:t>паравиртуализации</a:t>
-            </a:r>
-            <a:r>
-              <a:rPr lang="ru-RU" baseline="0" dirty="0" smtClean="0"/>
-              <a:t> необходимо подготавливать гостевую операционную систему, менять ее ядро. Очевидно что в основном это работает только с ОС с открытым кодом (как </a:t>
-            </a:r>
-            <a:r>
-              <a:rPr lang="ru-RU" baseline="0" dirty="0" err="1" smtClean="0"/>
-              <a:t>линукс</a:t>
-            </a:r>
-            <a:r>
-              <a:rPr lang="ru-RU" baseline="0" dirty="0" smtClean="0"/>
-              <a:t>)</a:t>
-            </a:r>
-            <a:r>
-              <a:rPr lang="en-US" baseline="0" dirty="0" smtClean="0"/>
-              <a:t>. </a:t>
-            </a:r>
-            <a:r>
-              <a:rPr lang="ru-RU" baseline="0" dirty="0" smtClean="0"/>
-              <a:t>Так работает </a:t>
-            </a:r>
-            <a:r>
-              <a:rPr lang="en-US" baseline="0" dirty="0" err="1" smtClean="0"/>
-              <a:t>Xen</a:t>
-            </a:r>
-            <a:endParaRPr lang="ru-RU" baseline="0" dirty="0" smtClean="0"/>
-          </a:p>
-          <a:p>
-            <a:r>
-              <a:rPr lang="ru-RU" baseline="0" dirty="0" smtClean="0"/>
-              <a:t>Подход - </a:t>
-            </a:r>
-            <a:r>
-              <a:rPr lang="ru-RU" baseline="0" dirty="0" smtClean="0"/>
-              <a:t>это использование аппаратной поддержки виртуализации. Очевидно, что необходима поддержка железом. Все популярные современные гипервизоры могут использовать</a:t>
-            </a:r>
-          </a:p>
-          <a:p>
-            <a:r>
-              <a:rPr lang="ru-RU" baseline="0" dirty="0" smtClean="0"/>
-              <a:t>Какой быстрее – кто знает? Надо тестировать</a:t>
-            </a:r>
-            <a:endParaRPr lang="ru-RU" dirty="0"/>
+              <a:t>Именно за счет этих плюсов, контейнеры получили привлекли внимание</a:t>
+            </a:r>
+            <a:endParaRPr lang="ru-RU" dirty="0" smtClean="0"/>
           </a:p>
         </p:txBody>
       </p:sp>
@@ -1518,7 +1532,7 @@
     </p:spTree>
     <p:extLst>
       <p:ext uri="{BB962C8B-B14F-4D97-AF65-F5344CB8AC3E}">
-        <p14:creationId xmlns:p14="http://schemas.microsoft.com/office/powerpoint/2010/main" val="2974885209"/>
+        <p14:creationId xmlns:p14="http://schemas.microsoft.com/office/powerpoint/2010/main" val="4121845616"/>
       </p:ext>
     </p:extLst>
   </p:cSld>
@@ -1574,45 +1588,19 @@
           <a:p>
             <a:r>
               <a:rPr lang="ru-RU" dirty="0" smtClean="0"/>
-              <a:t>Контейнеры – это еще один способ</a:t>
+              <a:t>Проще всего показать разницу на примере такого сравнения</a:t>
             </a:r>
             <a:r>
               <a:rPr lang="ru-RU" baseline="0" dirty="0" smtClean="0"/>
-              <a:t> виртуализации.</a:t>
+              <a:t> (на слайде)</a:t>
             </a:r>
           </a:p>
           <a:p>
             <a:r>
               <a:rPr lang="ru-RU" baseline="0" dirty="0" smtClean="0"/>
-              <a:t>Как и в случае с гипервизором, созданные виртуальные системы (контейнеры) изолированы от </a:t>
-            </a:r>
-            <a:r>
-              <a:rPr lang="ru-RU" baseline="0" dirty="0" err="1" smtClean="0"/>
-              <a:t>хостовой</a:t>
-            </a:r>
-            <a:r>
-              <a:rPr lang="ru-RU" baseline="0" dirty="0" smtClean="0"/>
-              <a:t> ОС и друг друга.</a:t>
-            </a:r>
-          </a:p>
-          <a:p>
-            <a:r>
-              <a:rPr lang="ru-RU" baseline="0" dirty="0" smtClean="0"/>
-              <a:t>В отличии от гипервизора, созданные контейнеры работают на реальном оборудовании, и используют одно ядро ОС. по сути, виртуальная система не создается, создается лишь пространство пользователя, которое изолирует работу с памятью, файловой системой, запущенными процессами.</a:t>
-            </a:r>
-          </a:p>
-          <a:p>
-            <a:r>
-              <a:rPr lang="ru-RU" baseline="0" dirty="0" smtClean="0"/>
-              <a:t>За счет этого расходы на виртуализацию меньше чем с гипервизором.</a:t>
-            </a:r>
-          </a:p>
-          <a:p>
-            <a:r>
-              <a:rPr lang="ru-RU" baseline="0" dirty="0" smtClean="0"/>
-              <a:t>Именно за счет этих плюсов, контейнеры получили привлекли внимание</a:t>
-            </a:r>
-            <a:endParaRPr lang="ru-RU" dirty="0" smtClean="0"/>
+              <a:t>Слева гипервизор, где у нас 5 слоев, справа – контейнеры. Заметьте что вместо гипервизора мы имеем более быстродействующий слой поддержки контейнеров, а уровень Гостевой ОС отсутствует</a:t>
+            </a:r>
+            <a:endParaRPr lang="ru-RU" dirty="0"/>
           </a:p>
         </p:txBody>
       </p:sp>
@@ -1642,7 +1630,7 @@
     </p:spTree>
     <p:extLst>
       <p:ext uri="{BB962C8B-B14F-4D97-AF65-F5344CB8AC3E}">
-        <p14:creationId xmlns:p14="http://schemas.microsoft.com/office/powerpoint/2010/main" val="4121845616"/>
+        <p14:creationId xmlns:p14="http://schemas.microsoft.com/office/powerpoint/2010/main" val="1791551832"/>
       </p:ext>
     </p:extLst>
   </p:cSld>
@@ -1698,17 +1686,37 @@
           <a:p>
             <a:r>
               <a:rPr lang="ru-RU" dirty="0" smtClean="0"/>
-              <a:t>Проще всего показать разницу на примере такого сравнения</a:t>
+              <a:t>Примеры</a:t>
             </a:r>
             <a:r>
               <a:rPr lang="ru-RU" baseline="0" dirty="0" smtClean="0"/>
-              <a:t> (на слайде)</a:t>
+              <a:t> менеджеров контейнеров:</a:t>
+            </a:r>
+          </a:p>
+          <a:p>
+            <a:r>
+              <a:rPr lang="en-US" baseline="0" dirty="0" err="1" smtClean="0"/>
+              <a:t>Virtuozzo</a:t>
+            </a:r>
+            <a:endParaRPr lang="en-US" baseline="0" dirty="0" smtClean="0"/>
+          </a:p>
+          <a:p>
+            <a:r>
+              <a:rPr lang="en-US" baseline="0" dirty="0" err="1" smtClean="0"/>
+              <a:t>OpenVZ</a:t>
+            </a:r>
+            <a:endParaRPr lang="en-US" baseline="0" dirty="0" smtClean="0"/>
+          </a:p>
+          <a:p>
+            <a:r>
+              <a:rPr lang="en-US" baseline="0" dirty="0" smtClean="0"/>
+              <a:t>LXC</a:t>
             </a:r>
           </a:p>
           <a:p>
             <a:r>
               <a:rPr lang="ru-RU" baseline="0" dirty="0" smtClean="0"/>
-              <a:t>Слева гипервизор, где у нас 5 слоев, справа – контейнеры. Заметьте что вместо гипервизора мы имеем более быстродействующий слой поддержки контейнеров, а уровень Гостевой ОС отсутствует</a:t>
+              <a:t>Однако самым популярным является докер, который сейчас у всех на слуху</a:t>
             </a:r>
             <a:endParaRPr lang="ru-RU" dirty="0"/>
           </a:p>
@@ -1740,7 +1748,7 @@
     </p:spTree>
     <p:extLst>
       <p:ext uri="{BB962C8B-B14F-4D97-AF65-F5344CB8AC3E}">
-        <p14:creationId xmlns:p14="http://schemas.microsoft.com/office/powerpoint/2010/main" val="1791551832"/>
+        <p14:creationId xmlns:p14="http://schemas.microsoft.com/office/powerpoint/2010/main" val="3222873381"/>
       </p:ext>
     </p:extLst>
   </p:cSld>
@@ -1795,38 +1803,84 @@
           <a:lstStyle/>
           <a:p>
             <a:r>
+              <a:rPr lang="ru-RU" baseline="0" dirty="0" smtClean="0"/>
+              <a:t>(на слайде показан </a:t>
+            </a:r>
+            <a:r>
+              <a:rPr lang="en-US" baseline="0" dirty="0" err="1" smtClean="0"/>
+              <a:t>google</a:t>
+            </a:r>
+            <a:r>
+              <a:rPr lang="en-US" baseline="0" dirty="0" smtClean="0"/>
+              <a:t> trends </a:t>
+            </a:r>
+            <a:r>
+              <a:rPr lang="ru-RU" baseline="0" dirty="0" smtClean="0"/>
+              <a:t>который показывает сравнительную популярность данных контейнеров)</a:t>
+            </a:r>
+          </a:p>
+          <a:p>
+            <a:r>
               <a:rPr lang="ru-RU" dirty="0" smtClean="0"/>
-              <a:t>Примеры</a:t>
+              <a:t>Докер, Почему</a:t>
             </a:r>
             <a:r>
               <a:rPr lang="ru-RU" baseline="0" dirty="0" smtClean="0"/>
-              <a:t> менеджеров контейнеров:</a:t>
-            </a:r>
-          </a:p>
-          <a:p>
+              <a:t> он стал популярен </a:t>
+            </a:r>
+          </a:p>
+          <a:p>
+            <a:r>
+              <a:rPr lang="ru-RU" baseline="0" dirty="0" smtClean="0"/>
+              <a:t>Потому что позволяет создавать контейнеры просто и быстро, контейнеры в нем хранятся в переносимом формате, так что можно их копировать на другой компьютер и другую ОС. Также </a:t>
+            </a:r>
             <a:r>
               <a:rPr lang="en-US" baseline="0" dirty="0" err="1" smtClean="0"/>
-              <a:t>Virtuozzo</a:t>
-            </a:r>
-            <a:endParaRPr lang="en-US" baseline="0" dirty="0" smtClean="0"/>
-          </a:p>
-          <a:p>
+              <a:t>DockerHub</a:t>
+            </a:r>
+            <a:r>
+              <a:rPr lang="en-US" baseline="0" dirty="0" smtClean="0"/>
+              <a:t> </a:t>
+            </a:r>
+            <a:r>
+              <a:rPr lang="ru-RU" baseline="0" dirty="0" smtClean="0"/>
+              <a:t>сделал для контейнеров примерно то же что управление зависимостей в </a:t>
+            </a:r>
+            <a:r>
+              <a:rPr lang="en-US" baseline="0" dirty="0" smtClean="0"/>
+              <a:t>Maven</a:t>
+            </a:r>
+            <a:r>
+              <a:rPr lang="ru-RU" baseline="0" dirty="0" smtClean="0"/>
+              <a:t> – для </a:t>
+            </a:r>
+            <a:r>
+              <a:rPr lang="en-US" baseline="0" dirty="0" smtClean="0"/>
+              <a:t>java </a:t>
+            </a:r>
+            <a:r>
+              <a:rPr lang="ru-RU" baseline="0" dirty="0" smtClean="0"/>
+              <a:t>мира. </a:t>
+            </a:r>
             <a:r>
               <a:rPr lang="en-US" baseline="0" dirty="0" err="1" smtClean="0"/>
-              <a:t>OpenVZ</a:t>
-            </a:r>
-            <a:endParaRPr lang="en-US" baseline="0" dirty="0" smtClean="0"/>
-          </a:p>
-          <a:p>
+              <a:t>DockerHub</a:t>
+            </a:r>
             <a:r>
               <a:rPr lang="en-US" baseline="0" dirty="0" smtClean="0"/>
-              <a:t>LXC</a:t>
-            </a:r>
-          </a:p>
-          <a:p>
+              <a:t> – </a:t>
+            </a:r>
             <a:r>
               <a:rPr lang="ru-RU" baseline="0" dirty="0" smtClean="0"/>
-              <a:t>Однако самым популярным является докер, который сейчас у всех на слуху</a:t>
+              <a:t>центральный </a:t>
+            </a:r>
+            <a:r>
+              <a:rPr lang="ru-RU" baseline="0" dirty="0" err="1" smtClean="0"/>
+              <a:t>репозиторий</a:t>
+            </a:r>
+            <a:r>
+              <a:rPr lang="ru-RU" baseline="0" dirty="0" smtClean="0"/>
+              <a:t> образов, которые можно использовать для создания контейнеров. Пользователи могут создавать свои  образы и обмениваться ими – социализация в лучшем виде</a:t>
             </a:r>
             <a:endParaRPr lang="ru-RU" dirty="0"/>
           </a:p>
@@ -1858,7 +1912,7 @@
     </p:spTree>
     <p:extLst>
       <p:ext uri="{BB962C8B-B14F-4D97-AF65-F5344CB8AC3E}">
-        <p14:creationId xmlns:p14="http://schemas.microsoft.com/office/powerpoint/2010/main" val="3222873381"/>
+        <p14:creationId xmlns:p14="http://schemas.microsoft.com/office/powerpoint/2010/main" val="753445377"/>
       </p:ext>
     </p:extLst>
   </p:cSld>
@@ -1913,85 +1967,60 @@
           <a:lstStyle/>
           <a:p>
             <a:r>
+              <a:rPr lang="ru-RU" dirty="0" smtClean="0"/>
+              <a:t>Как же</a:t>
+            </a:r>
+            <a:r>
               <a:rPr lang="ru-RU" baseline="0" dirty="0" smtClean="0"/>
-              <a:t>(на слайде показан </a:t>
-            </a:r>
-            <a:r>
-              <a:rPr lang="en-US" baseline="0" dirty="0" err="1" smtClean="0"/>
-              <a:t>google</a:t>
+              <a:t> можно применять докер?</a:t>
+            </a:r>
+          </a:p>
+          <a:p>
+            <a:r>
+              <a:rPr lang="ru-RU" baseline="0" dirty="0" smtClean="0"/>
+              <a:t>Он хорошо подходит для создания </a:t>
+            </a:r>
+            <a:r>
+              <a:rPr lang="ru-RU" baseline="0" smtClean="0"/>
+              <a:t>системы на </a:t>
+            </a:r>
+            <a:r>
+              <a:rPr lang="ru-RU" baseline="0" dirty="0" err="1" smtClean="0"/>
+              <a:t>микросервисной</a:t>
+            </a:r>
+            <a:r>
+              <a:rPr lang="ru-RU" baseline="0" dirty="0" smtClean="0"/>
+              <a:t> архитектуре – каждый компонент представляет собой отдельный контейнер который легко масштабировать и развертывать.</a:t>
+            </a:r>
+          </a:p>
+          <a:p>
+            <a:r>
+              <a:rPr lang="ru-RU" baseline="0" dirty="0" smtClean="0"/>
+              <a:t>Докер позволяет выстроить ваш процесс разработки по принципу </a:t>
             </a:r>
             <a:r>
               <a:rPr lang="en-US" baseline="0" dirty="0" smtClean="0"/>
-              <a:t> trends </a:t>
+              <a:t>continuous delivery</a:t>
             </a:r>
             <a:r>
               <a:rPr lang="ru-RU" baseline="0" dirty="0" smtClean="0"/>
-              <a:t>который показывает сравнительную популярность данных контейнеров)</a:t>
-            </a:r>
-          </a:p>
-          <a:p>
-            <a:r>
-              <a:rPr lang="ru-RU" dirty="0" smtClean="0"/>
-              <a:t>Докер, Почему</a:t>
+              <a:t>, когда образ передается от разработчика к </a:t>
+            </a:r>
+            <a:r>
+              <a:rPr lang="ru-RU" baseline="0" dirty="0" err="1" smtClean="0"/>
+              <a:t>тестировщику</a:t>
             </a:r>
             <a:r>
               <a:rPr lang="ru-RU" baseline="0" dirty="0" smtClean="0"/>
-              <a:t> он стал популярен </a:t>
-            </a:r>
-          </a:p>
-          <a:p>
-            <a:r>
-              <a:rPr lang="ru-RU" baseline="0" dirty="0" smtClean="0"/>
-              <a:t>Потому что позволяет создавать контейнеры просто и быстро, контейнеры в нем хранятся в переносимом формате, так что можно их копировать на другой компьютер и другую ОС. Также </a:t>
-            </a:r>
-            <a:r>
-              <a:rPr lang="en-US" baseline="0" dirty="0" err="1" smtClean="0"/>
-              <a:t>DockerHub</a:t>
-            </a:r>
-            <a:r>
-              <a:rPr lang="en-US" baseline="0" dirty="0" smtClean="0"/>
-              <a:t> </a:t>
-            </a:r>
-            <a:r>
-              <a:rPr lang="ru-RU" baseline="0" dirty="0" smtClean="0"/>
-              <a:t>сделал для контейнеров примерно то же что управление зависимостей в </a:t>
-            </a:r>
-            <a:r>
-              <a:rPr lang="en-US" baseline="0" dirty="0" smtClean="0"/>
-              <a:t>Maven</a:t>
-            </a:r>
-            <a:r>
-              <a:rPr lang="ru-RU" baseline="0" dirty="0" smtClean="0"/>
-              <a:t> – для </a:t>
-            </a:r>
-            <a:r>
-              <a:rPr lang="en-US" baseline="0" dirty="0" smtClean="0"/>
-              <a:t>java </a:t>
-            </a:r>
-            <a:r>
-              <a:rPr lang="ru-RU" baseline="0" dirty="0" smtClean="0"/>
-              <a:t>мира. </a:t>
-            </a:r>
-            <a:r>
-              <a:rPr lang="en-US" baseline="0" dirty="0" err="1" smtClean="0"/>
-              <a:t>DockerHub</a:t>
-            </a:r>
-            <a:r>
-              <a:rPr lang="en-US" baseline="0" dirty="0" smtClean="0"/>
-              <a:t> – </a:t>
-            </a:r>
-            <a:r>
-              <a:rPr lang="ru-RU" baseline="0" dirty="0" smtClean="0"/>
-              <a:t>центральный </a:t>
+              <a:t> и потом ставится на </a:t>
             </a:r>
             <a:r>
               <a:rPr lang="ru-RU" baseline="0" dirty="0" err="1" smtClean="0"/>
-              <a:t>репозиторий</a:t>
-            </a:r>
-            <a:r>
-              <a:rPr lang="ru-RU" baseline="0" dirty="0" smtClean="0"/>
-              <a:t> образов, которые можно использовать для создания контейнеров. Пользователи могут создавать свои  образы и обмениваться ими – социализация в лучшем виде</a:t>
-            </a:r>
+              <a:t>продакшен</a:t>
+            </a:r>
+            <a:endParaRPr lang="ru-RU" baseline="0" dirty="0" smtClean="0"/>
+          </a:p>
+          <a:p>
             <a:endParaRPr lang="ru-RU" dirty="0"/>
           </a:p>
         </p:txBody>
@@ -2022,7 +2051,7 @@
     </p:spTree>
     <p:extLst>
       <p:ext uri="{BB962C8B-B14F-4D97-AF65-F5344CB8AC3E}">
-        <p14:creationId xmlns:p14="http://schemas.microsoft.com/office/powerpoint/2010/main" val="753445377"/>
+        <p14:creationId xmlns:p14="http://schemas.microsoft.com/office/powerpoint/2010/main" val="429372618"/>
       </p:ext>
     </p:extLst>
   </p:cSld>
@@ -2255,59 +2284,96 @@
           <a:p>
             <a:r>
               <a:rPr lang="ru-RU" dirty="0" smtClean="0"/>
-              <a:t>Как же</a:t>
-            </a:r>
+              <a:t>Теперь вернемся к виртуализации в целом, почему же она популярно</a:t>
+            </a:r>
+          </a:p>
+          <a:p>
+            <a:pPr marL="171450" indent="-171450">
+              <a:buFontTx/>
+              <a:buChar char="-"/>
+            </a:pPr>
             <a:r>
               <a:rPr lang="ru-RU" baseline="0" dirty="0" smtClean="0"/>
-              <a:t> можно применять докер?</a:t>
-            </a:r>
-          </a:p>
-          <a:p>
+              <a:t>Потому что это повышает безопасность</a:t>
+            </a:r>
+          </a:p>
+          <a:p>
+            <a:pPr marL="171450" indent="-171450">
+              <a:buFontTx/>
+              <a:buChar char="-"/>
+            </a:pPr>
             <a:r>
               <a:rPr lang="ru-RU" baseline="0" dirty="0" smtClean="0"/>
-              <a:t>Он хорошо подходит для создания </a:t>
-            </a:r>
-            <a:r>
-              <a:rPr lang="ru-RU" baseline="0" smtClean="0"/>
-              <a:t>системы на </a:t>
+              <a:t>Потому что мы можем</a:t>
+            </a:r>
+          </a:p>
+          <a:p>
+            <a:pPr marL="628650" lvl="1" indent="-171450">
+              <a:buFontTx/>
+              <a:buChar char="-"/>
+            </a:pPr>
+            <a:r>
+              <a:rPr lang="ru-RU" baseline="0" dirty="0" smtClean="0"/>
+              <a:t>Быстро мигрировать виртуальные машины между хостами</a:t>
+            </a:r>
+          </a:p>
+          <a:p>
+            <a:pPr marL="628650" lvl="1" indent="-171450">
+              <a:buFontTx/>
+              <a:buChar char="-"/>
+            </a:pPr>
+            <a:r>
+              <a:rPr lang="ru-RU" baseline="0" dirty="0" smtClean="0"/>
+              <a:t>Быстрее производить апгрейд (на самом деле у нас на руках уже будет обновленная виртуальная машина, нам нужно просто заменить существующую)</a:t>
+            </a:r>
+          </a:p>
+          <a:p>
+            <a:pPr marL="628650" lvl="1" indent="-171450">
+              <a:buFontTx/>
+              <a:buChar char="-"/>
+            </a:pPr>
+            <a:r>
+              <a:rPr lang="ru-RU" baseline="0" dirty="0" smtClean="0"/>
+              <a:t>Быстро масштабировать (просто скопировать виртуальную машину на другой хост)</a:t>
+            </a:r>
+          </a:p>
+          <a:p>
+            <a:pPr marL="171450" lvl="0" indent="-171450">
+              <a:buFontTx/>
+              <a:buChar char="-"/>
+            </a:pPr>
+            <a:r>
+              <a:rPr lang="ru-RU" baseline="0" dirty="0" smtClean="0"/>
+              <a:t>Позволит запустить другую ОС</a:t>
+            </a:r>
+          </a:p>
+          <a:p>
+            <a:pPr marL="171450" lvl="0" indent="-171450">
+              <a:buFontTx/>
+              <a:buChar char="-"/>
+            </a:pPr>
+            <a:r>
+              <a:rPr lang="ru-RU" baseline="0" dirty="0" smtClean="0"/>
+              <a:t>Удобно использовать для тестирования</a:t>
+            </a:r>
+          </a:p>
+          <a:p>
+            <a:pPr marL="171450" lvl="0" indent="-171450">
+              <a:buFontTx/>
+              <a:buChar char="-"/>
+            </a:pPr>
+            <a:r>
+              <a:rPr lang="ru-RU" baseline="0" dirty="0" smtClean="0"/>
+              <a:t>Виртуализация позволит </a:t>
             </a:r>
             <a:r>
               <a:rPr lang="ru-RU" baseline="0" dirty="0" err="1" smtClean="0"/>
-              <a:t>микросервисной</a:t>
+              <a:t>оптимальнее</a:t>
             </a:r>
             <a:r>
               <a:rPr lang="ru-RU" baseline="0" dirty="0" smtClean="0"/>
-              <a:t> архитектуре – каждый компонент представляет собой отдельный контейнер который легко масштабировать и развертывать.</a:t>
-            </a:r>
-          </a:p>
-          <a:p>
-            <a:r>
-              <a:rPr lang="ru-RU" baseline="0" dirty="0" smtClean="0"/>
-              <a:t>Докер позволяет выстроить ваш процесс разработки по принципу </a:t>
-            </a:r>
-            <a:r>
-              <a:rPr lang="en-US" baseline="0" dirty="0" smtClean="0"/>
-              <a:t>continuous delivery</a:t>
-            </a:r>
-            <a:r>
-              <a:rPr lang="ru-RU" baseline="0" dirty="0" smtClean="0"/>
-              <a:t>, когда образ передается от разработчика к </a:t>
-            </a:r>
-            <a:r>
-              <a:rPr lang="ru-RU" baseline="0" dirty="0" err="1" smtClean="0"/>
-              <a:t>тестировщику</a:t>
-            </a:r>
-            <a:r>
-              <a:rPr lang="ru-RU" baseline="0" dirty="0" smtClean="0"/>
-              <a:t> и потом ставится на </a:t>
-            </a:r>
-            <a:r>
-              <a:rPr lang="ru-RU" baseline="0" dirty="0" err="1" smtClean="0"/>
-              <a:t>продакшен</a:t>
-            </a:r>
-            <a:endParaRPr lang="ru-RU" baseline="0" dirty="0" smtClean="0"/>
-          </a:p>
-          <a:p>
+              <a:t> распределить ресурсы физической машины между несколькими виртуальными</a:t>
+            </a:r>
             <a:endParaRPr lang="ru-RU" dirty="0"/>
           </a:p>
         </p:txBody>
@@ -2338,7 +2404,7 @@
     </p:spTree>
     <p:extLst>
       <p:ext uri="{BB962C8B-B14F-4D97-AF65-F5344CB8AC3E}">
-        <p14:creationId xmlns:p14="http://schemas.microsoft.com/office/powerpoint/2010/main" val="429372618"/>
+        <p14:creationId xmlns:p14="http://schemas.microsoft.com/office/powerpoint/2010/main" val="1074131044"/>
       </p:ext>
     </p:extLst>
   </p:cSld>
@@ -2394,95 +2460,63 @@
           <a:p>
             <a:r>
               <a:rPr lang="ru-RU" dirty="0" smtClean="0"/>
-              <a:t>Теперь вернемся к виртуализации в целом, почему же она популярно</a:t>
-            </a:r>
-          </a:p>
-          <a:p>
-            <a:pPr marL="171450" indent="-171450">
-              <a:buFontTx/>
-              <a:buChar char="-"/>
-            </a:pPr>
+              <a:t>Что же дает виртуализация для разработчика?</a:t>
+            </a:r>
+          </a:p>
+          <a:p>
+            <a:r>
+              <a:rPr lang="ru-RU" dirty="0" smtClean="0"/>
+              <a:t>Она</a:t>
+            </a:r>
             <a:r>
               <a:rPr lang="ru-RU" baseline="0" dirty="0" smtClean="0"/>
-              <a:t>Потому что это повышает безопасность</a:t>
-            </a:r>
-          </a:p>
-          <a:p>
-            <a:pPr marL="171450" indent="-171450">
-              <a:buFontTx/>
-              <a:buChar char="-"/>
-            </a:pPr>
+              <a:t> дает среду разработки. Единожды настроив ОС со средой разработки (и БД, и сервер приложений, и кучу всего всего), вы можете поделиться созданной виртуальной машиной с коллегами и им не придется выполнять всю настройку что вы уже сделали</a:t>
+            </a:r>
+          </a:p>
+          <a:p>
             <a:r>
               <a:rPr lang="ru-RU" baseline="0" dirty="0" smtClean="0"/>
-              <a:t>Потому что мы можем</a:t>
-            </a:r>
-          </a:p>
-          <a:p>
-            <a:pPr marL="628650" lvl="1" indent="-171450">
-              <a:buFontTx/>
-              <a:buChar char="-"/>
-            </a:pPr>
+              <a:t>Позволяет протестировать приложение примерно на той же конфигурации что и на </a:t>
+            </a:r>
+            <a:r>
+              <a:rPr lang="ru-RU" baseline="0" dirty="0" err="1" smtClean="0"/>
+              <a:t>продакшене</a:t>
+            </a:r>
             <a:r>
               <a:rPr lang="ru-RU" baseline="0" dirty="0" smtClean="0"/>
-              <a:t>Быстро мигрировать виртуальные машины между хостами</a:t>
-            </a:r>
-          </a:p>
-          <a:p>
-            <a:pPr marL="628650" lvl="1" indent="-171450">
-              <a:buFontTx/>
-              <a:buChar char="-"/>
-            </a:pPr>
+              <a:t> (здесь хотелось бы привести знаменитую цитату неизвестного разработчика «А на моей машине работает»)</a:t>
+            </a:r>
+          </a:p>
+          <a:p>
+            <a:r>
+              <a:rPr lang="ru-RU" dirty="0" smtClean="0"/>
+              <a:t>Позволяет экспериментировать</a:t>
+            </a:r>
             <a:r>
               <a:rPr lang="ru-RU" baseline="0" dirty="0" smtClean="0"/>
-              <a:t>Быстрее производить апгрейд (на самом деле у нас на руках уже будет обновленная виртуальная машина, нам нужно просто заменить существующую)</a:t>
-            </a:r>
-          </a:p>
-          <a:p>
-            <a:pPr marL="628650" lvl="1" indent="-171450">
-              <a:buFontTx/>
-              <a:buChar char="-"/>
-            </a:pPr>
+              <a:t> (не страшно испортить виртуальную машину, есть же копия которую быстро запустить)</a:t>
+            </a:r>
+          </a:p>
+          <a:p>
             <a:r>
               <a:rPr lang="ru-RU" baseline="0" dirty="0" smtClean="0"/>
-              <a:t>Быстро масштабировать (просто скопировать виртуальную машину на другой хост)</a:t>
-            </a:r>
-          </a:p>
-          <a:p>
-            <a:pPr marL="171450" lvl="0" indent="-171450">
-              <a:buFontTx/>
-              <a:buChar char="-"/>
-            </a:pPr>
+              <a:t>Позволяет быстро </a:t>
+            </a:r>
+            <a:r>
+              <a:rPr lang="ru-RU" baseline="0" dirty="0" err="1" smtClean="0"/>
+              <a:t>деплоить</a:t>
+            </a:r>
             <a:r>
               <a:rPr lang="ru-RU" baseline="0" dirty="0" smtClean="0"/>
-              <a:t>Позволит запустить другую ОС</a:t>
-            </a:r>
-          </a:p>
-          <a:p>
-            <a:pPr marL="171450" lvl="0" indent="-171450">
-              <a:buFontTx/>
-              <a:buChar char="-"/>
-            </a:pPr>
+              <a:t> подготовленное приложение вместе с БД, сервером приложений, </a:t>
+            </a:r>
+            <a:r>
+              <a:rPr lang="ru-RU" baseline="0" dirty="0" err="1" smtClean="0"/>
+              <a:t>явой</a:t>
+            </a:r>
             <a:r>
               <a:rPr lang="ru-RU" baseline="0" dirty="0" smtClean="0"/>
-              <a:t>Удобно использовать для тестирования</a:t>
-            </a:r>
-          </a:p>
-          <a:p>
-            <a:pPr marL="171450" lvl="0" indent="-171450">
-              <a:buFontTx/>
-              <a:buChar char="-"/>
-            </a:pPr>
-            <a:r>
-              <a:rPr lang="ru-RU" baseline="0" dirty="0" smtClean="0"/>
-              <a:t>Виртуализация позволит </a:t>
-            </a:r>
-            <a:r>
-              <a:rPr lang="ru-RU" baseline="0" dirty="0" err="1" smtClean="0"/>
-              <a:t>оптимальнее</a:t>
-            </a:r>
-            <a:r>
-              <a:rPr lang="ru-RU" baseline="0" dirty="0" smtClean="0"/>
-              <a:t> распределить ресурсы физической машины между несколькими виртуальными</a:t>
+              <a:t> на окружение</a:t>
             </a:r>
             <a:endParaRPr lang="ru-RU" dirty="0"/>
           </a:p>
@@ -2506,150 +2540,6 @@
             <a:fld id="{88B5C74B-023A-4F1B-B7BB-3AA6A1B48B52}" type="slidenum">
               <a:rPr lang="ru-RU" smtClean="0"/>
               <a:t>22</a:t>
-            </a:fld>
-            <a:endParaRPr lang="ru-RU"/>
-          </a:p>
-        </p:txBody>
-      </p:sp>
-    </p:spTree>
-    <p:extLst>
-      <p:ext uri="{BB962C8B-B14F-4D97-AF65-F5344CB8AC3E}">
-        <p14:creationId xmlns:p14="http://schemas.microsoft.com/office/powerpoint/2010/main" val="1074131044"/>
-      </p:ext>
-    </p:extLst>
-  </p:cSld>
-  <p:clrMapOvr>
-    <a:masterClrMapping/>
-  </p:clrMapOvr>
-</p:notes>
-</file>
-
-<file path=ppt/notesSlides/notesSlide22.xml><?xml version="1.0" encoding="utf-8"?>
-<p:notes xmlns:a="http://schemas.openxmlformats.org/drawingml/2006/main" xmlns:r="http://schemas.openxmlformats.org/officeDocument/2006/relationships" xmlns:p="http://schemas.openxmlformats.org/presentationml/2006/main">
-  <p:cSld>
-    <p:spTree>
-      <p:nvGrpSpPr>
-        <p:cNvPr id="1" name=""/>
-        <p:cNvGrpSpPr/>
-        <p:nvPr/>
-      </p:nvGrpSpPr>
-      <p:grpSpPr>
-        <a:xfrm>
-          <a:off x="0" y="0"/>
-          <a:ext cx="0" cy="0"/>
-          <a:chOff x="0" y="0"/>
-          <a:chExt cx="0" cy="0"/>
-        </a:xfrm>
-      </p:grpSpPr>
-      <p:sp>
-        <p:nvSpPr>
-          <p:cNvPr id="2" name="Образ слайда 1"/>
-          <p:cNvSpPr>
-            <a:spLocks noGrp="1" noRot="1" noChangeAspect="1"/>
-          </p:cNvSpPr>
-          <p:nvPr>
-            <p:ph type="sldImg"/>
-          </p:nvPr>
-        </p:nvSpPr>
-        <p:spPr/>
-      </p:sp>
-      <p:sp>
-        <p:nvSpPr>
-          <p:cNvPr id="3" name="Заметки 2"/>
-          <p:cNvSpPr>
-            <a:spLocks noGrp="1"/>
-          </p:cNvSpPr>
-          <p:nvPr>
-            <p:ph type="body" idx="1"/>
-          </p:nvPr>
-        </p:nvSpPr>
-        <p:spPr/>
-        <p:txBody>
-          <a:bodyPr/>
-          <a:lstStyle/>
-          <a:p>
-            <a:r>
-              <a:rPr lang="ru-RU" dirty="0" smtClean="0"/>
-              <a:t>Что же дает виртуализация для разработчика?</a:t>
-            </a:r>
-          </a:p>
-          <a:p>
-            <a:r>
-              <a:rPr lang="ru-RU" dirty="0" smtClean="0"/>
-              <a:t>Она</a:t>
-            </a:r>
-            <a:r>
-              <a:rPr lang="ru-RU" baseline="0" dirty="0" smtClean="0"/>
-              <a:t> дает среду разработки. Единожды настроив ОС со средой разработки (и БД, и сервер приложений, и кучу всего всего), вы можете поделиться созданной виртуальной машиной с коллегами и им не придется выполнять всю настройку что вы уже сделали</a:t>
-            </a:r>
-          </a:p>
-          <a:p>
-            <a:r>
-              <a:rPr lang="ru-RU" baseline="0" dirty="0" smtClean="0"/>
-              <a:t>Позволяет протестировать приложение примерно на той же конфигурации что и на </a:t>
-            </a:r>
-            <a:r>
-              <a:rPr lang="ru-RU" baseline="0" dirty="0" err="1" smtClean="0"/>
-              <a:t>продакшене</a:t>
-            </a:r>
-            <a:r>
-              <a:rPr lang="ru-RU" baseline="0" dirty="0" smtClean="0"/>
-              <a:t> (здесь хотелось бы привести знаменитую цитату неизвестного разработчика «А на моей машине работает»)</a:t>
-            </a:r>
-          </a:p>
-          <a:p>
-            <a:r>
-              <a:rPr lang="ru-RU" dirty="0" smtClean="0"/>
-              <a:t>Позволяет экспериментировать</a:t>
-            </a:r>
-            <a:r>
-              <a:rPr lang="ru-RU" baseline="0" dirty="0" smtClean="0"/>
-              <a:t> (не страшно испортить виртуальную машину, есть же копия которую быстро запустить)</a:t>
-            </a:r>
-          </a:p>
-          <a:p>
-            <a:r>
-              <a:rPr lang="ru-RU" baseline="0" dirty="0" smtClean="0"/>
-              <a:t>Позволяет быстро </a:t>
-            </a:r>
-            <a:r>
-              <a:rPr lang="ru-RU" baseline="0" dirty="0" err="1" smtClean="0"/>
-              <a:t>деплоить</a:t>
-            </a:r>
-            <a:r>
-              <a:rPr lang="ru-RU" baseline="0" dirty="0" smtClean="0"/>
-              <a:t> подготовленное приложение вместе с БД, сервером приложений, </a:t>
-            </a:r>
-            <a:r>
-              <a:rPr lang="ru-RU" baseline="0" dirty="0" err="1" smtClean="0"/>
-              <a:t>явой</a:t>
-            </a:r>
-            <a:r>
-              <a:rPr lang="ru-RU" baseline="0" dirty="0" smtClean="0"/>
-              <a:t> на окружение</a:t>
-            </a:r>
-            <a:endParaRPr lang="ru-RU" dirty="0"/>
-          </a:p>
-        </p:txBody>
-      </p:sp>
-      <p:sp>
-        <p:nvSpPr>
-          <p:cNvPr id="4" name="Номер слайда 3"/>
-          <p:cNvSpPr>
-            <a:spLocks noGrp="1"/>
-          </p:cNvSpPr>
-          <p:nvPr>
-            <p:ph type="sldNum" sz="quarter" idx="10"/>
-          </p:nvPr>
-        </p:nvSpPr>
-        <p:spPr/>
-        <p:txBody>
-          <a:bodyPr/>
-          <a:lstStyle/>
-          <a:p>
-            <a:fld id="{88B5C74B-023A-4F1B-B7BB-3AA6A1B48B52}" type="slidenum">
-              <a:rPr lang="ru-RU" smtClean="0"/>
-              <a:t>23</a:t>
             </a:fld>
             <a:endParaRPr lang="ru-RU"/>
           </a:p>
@@ -2714,13 +2604,31 @@
           <a:p>
             <a:r>
               <a:rPr lang="ru-RU" dirty="0" smtClean="0"/>
-              <a:t>На</a:t>
+              <a:t>Что такое виртуализация</a:t>
             </a:r>
             <a:r>
               <a:rPr lang="ru-RU" baseline="0" dirty="0" smtClean="0"/>
-              <a:t> самом деле виртуализация это словно вселенная, ее тема также огромна и необъятна. Чем больше узнаешь о ней, тем больше направлений для дальнейшего изучения видишь</a:t>
-            </a:r>
-            <a:endParaRPr lang="ru-RU" dirty="0" smtClean="0"/>
+              <a:t> систем?</a:t>
+            </a:r>
+          </a:p>
+          <a:p>
+            <a:r>
+              <a:rPr lang="ru-RU" baseline="0" dirty="0" smtClean="0"/>
+              <a:t>Я думаю многие сталкивались и работали с ней.</a:t>
+            </a:r>
+          </a:p>
+          <a:p>
+            <a:r>
+              <a:rPr lang="ru-RU" baseline="0" dirty="0" smtClean="0"/>
+              <a:t>Выглядит это как правило следующим образом</a:t>
+            </a:r>
+          </a:p>
+          <a:p>
+            <a:r>
+              <a:rPr lang="ru-RU" baseline="0" dirty="0" smtClean="0"/>
+              <a:t>У вас есть компьютер (синий) и внутри этого компьютера, с помощью специальной программы, вы создаете еще один компьютер (зеленый на слайде) который является виртуальной машиной.</a:t>
+            </a:r>
+            <a:endParaRPr lang="ru-RU" dirty="0"/>
           </a:p>
         </p:txBody>
       </p:sp>
@@ -2750,7 +2658,7 @@
     </p:spTree>
     <p:extLst>
       <p:ext uri="{BB962C8B-B14F-4D97-AF65-F5344CB8AC3E}">
-        <p14:creationId xmlns:p14="http://schemas.microsoft.com/office/powerpoint/2010/main" val="2232439008"/>
+        <p14:creationId xmlns:p14="http://schemas.microsoft.com/office/powerpoint/2010/main" val="3967425411"/>
       </p:ext>
     </p:extLst>
   </p:cSld>
@@ -2806,29 +2714,45 @@
           <a:p>
             <a:r>
               <a:rPr lang="ru-RU" dirty="0" smtClean="0"/>
-              <a:t>Что такое виртуализация</a:t>
+              <a:t>Основные</a:t>
             </a:r>
             <a:r>
               <a:rPr lang="ru-RU" baseline="0" dirty="0" smtClean="0"/>
-              <a:t> систем?</a:t>
+              <a:t> термины которые используются в виртуализации:</a:t>
             </a:r>
           </a:p>
           <a:p>
             <a:r>
               <a:rPr lang="ru-RU" baseline="0" dirty="0" smtClean="0"/>
-              <a:t>Я думаю многие сталкивались и работали с ней.</a:t>
+              <a:t>Реальный компьютер на котором вы работает называется Хостом, Виртуальный компьютер, который создается специальной программой = гость</a:t>
             </a:r>
           </a:p>
           <a:p>
             <a:r>
               <a:rPr lang="ru-RU" baseline="0" dirty="0" smtClean="0"/>
-              <a:t>Выглядит это как правило следующим образом</a:t>
-            </a:r>
-          </a:p>
-          <a:p>
+              <a:t>Специальная программа создает виртуальные компьютеры и передает команды от гостевой ОС к </a:t>
+            </a:r>
+            <a:r>
+              <a:rPr lang="ru-RU" baseline="0" dirty="0" err="1" smtClean="0"/>
+              <a:t>хостовой</a:t>
+            </a:r>
             <a:r>
               <a:rPr lang="ru-RU" baseline="0" dirty="0" smtClean="0"/>
-              <a:t>У вас есть компьютер (синий) и внутри этого компьютера, с помощью специальной программы, вы создаете еще один компьютер (зеленый на слайде) который является виртуальной машиной.</a:t>
+              <a:t> ОС. Она называется гипервизором или менеджером виртуальных машин</a:t>
+            </a:r>
+          </a:p>
+          <a:p>
+            <a:r>
+              <a:rPr lang="ru-RU" baseline="0" dirty="0" smtClean="0"/>
+              <a:t>Все запросы от гостевой операционной системы, прежде чем выполниться на </a:t>
+            </a:r>
+            <a:r>
+              <a:rPr lang="ru-RU" baseline="0" dirty="0" err="1" smtClean="0"/>
+              <a:t>хостовой</a:t>
+            </a:r>
+            <a:r>
+              <a:rPr lang="ru-RU" baseline="0" dirty="0" smtClean="0"/>
+              <a:t> ОС, проходят через гипервизор</a:t>
             </a:r>
             <a:endParaRPr lang="ru-RU" dirty="0"/>
           </a:p>
@@ -2860,7 +2784,7 @@
     </p:spTree>
     <p:extLst>
       <p:ext uri="{BB962C8B-B14F-4D97-AF65-F5344CB8AC3E}">
-        <p14:creationId xmlns:p14="http://schemas.microsoft.com/office/powerpoint/2010/main" val="3967425411"/>
+        <p14:creationId xmlns:p14="http://schemas.microsoft.com/office/powerpoint/2010/main" val="925958297"/>
       </p:ext>
     </p:extLst>
   </p:cSld>
@@ -2916,45 +2840,35 @@
           <a:p>
             <a:r>
               <a:rPr lang="ru-RU" dirty="0" smtClean="0"/>
-              <a:t>Основные</a:t>
+              <a:t>Вы</a:t>
             </a:r>
             <a:r>
               <a:rPr lang="ru-RU" baseline="0" dirty="0" smtClean="0"/>
-              <a:t> термины которые используются в виртуализации:</a:t>
-            </a:r>
-          </a:p>
-          <a:p>
+              <a:t> наверно уже работали с такой связкой. Один из наиболее частых примеров – работая на </a:t>
+            </a:r>
+            <a:r>
+              <a:rPr lang="en-US" baseline="0" dirty="0" smtClean="0"/>
+              <a:t>Windows, </a:t>
+            </a:r>
             <a:r>
               <a:rPr lang="ru-RU" baseline="0" dirty="0" smtClean="0"/>
-              <a:t>Реальный компьютер на котором вы работает называется Хостом, Виртуальный компьютер, который создается специальной программой = гость</a:t>
-            </a:r>
-          </a:p>
-          <a:p>
+              <a:t>захотели узнать что же такое </a:t>
+            </a:r>
+            <a:r>
+              <a:rPr lang="en-US" baseline="0" dirty="0" smtClean="0"/>
+              <a:t>Linux </a:t>
+            </a:r>
             <a:r>
               <a:rPr lang="ru-RU" baseline="0" dirty="0" smtClean="0"/>
-              <a:t>Специальная программа создает виртуальные компьютеры и передает команды от гостевой ОС к </a:t>
-            </a:r>
-            <a:r>
-              <a:rPr lang="ru-RU" baseline="0" dirty="0" err="1" smtClean="0"/>
-              <a:t>хостовой</a:t>
+              <a:t>и чтобы не испортить основную систему, запустили ее через </a:t>
+            </a:r>
+            <a:r>
+              <a:rPr lang="en-US" baseline="0" dirty="0" smtClean="0"/>
+              <a:t>Virtual Box </a:t>
             </a:r>
             <a:r>
               <a:rPr lang="ru-RU" baseline="0" dirty="0" smtClean="0"/>
-              <a:t> ОС. Она называется гипервизором или менеджером виртуальных машин</a:t>
-            </a:r>
-          </a:p>
-          <a:p>
-            <a:r>
-              <a:rPr lang="ru-RU" baseline="0" dirty="0" smtClean="0"/>
-              <a:t>Все запросы от гостевой операционной системы, прежде чем выполниться на </a:t>
-            </a:r>
-            <a:r>
-              <a:rPr lang="ru-RU" baseline="0" dirty="0" err="1" smtClean="0"/>
-              <a:t>хостовой</a:t>
-            </a:r>
-            <a:r>
-              <a:rPr lang="ru-RU" baseline="0" dirty="0" smtClean="0"/>
-              <a:t> ОС, проходят через гипервизор</a:t>
+              <a:t>(бесплатную программу)</a:t>
             </a:r>
             <a:endParaRPr lang="ru-RU" dirty="0"/>
           </a:p>
@@ -2986,7 +2900,7 @@
     </p:spTree>
     <p:extLst>
       <p:ext uri="{BB962C8B-B14F-4D97-AF65-F5344CB8AC3E}">
-        <p14:creationId xmlns:p14="http://schemas.microsoft.com/office/powerpoint/2010/main" val="925958297"/>
+        <p14:creationId xmlns:p14="http://schemas.microsoft.com/office/powerpoint/2010/main" val="464931"/>
       </p:ext>
     </p:extLst>
   </p:cSld>
@@ -3042,35 +2956,52 @@
           <a:p>
             <a:r>
               <a:rPr lang="ru-RU" dirty="0" smtClean="0"/>
-              <a:t>Вы</a:t>
+              <a:t>Почему</a:t>
             </a:r>
             <a:r>
               <a:rPr lang="ru-RU" baseline="0" dirty="0" smtClean="0"/>
-              <a:t> наверно уже работали с такой связкой. Один из наиболее частых примеров – работая на </a:t>
-            </a:r>
-            <a:r>
-              <a:rPr lang="en-US" baseline="0" dirty="0" smtClean="0"/>
-              <a:t>Windows, </a:t>
-            </a:r>
+              <a:t> виртуализация сложна? Не с точки зрения использования (тут как раз все весьма прозрачно), а с точки зрения реализации?</a:t>
+            </a:r>
+          </a:p>
+          <a:p>
             <a:r>
               <a:rPr lang="ru-RU" baseline="0" dirty="0" smtClean="0"/>
-              <a:t>захотели узнать что же такое </a:t>
-            </a:r>
-            <a:r>
-              <a:rPr lang="en-US" baseline="0" dirty="0" smtClean="0"/>
-              <a:t>Linux </a:t>
-            </a:r>
+              <a:t>Потому что надо будет </a:t>
+            </a:r>
+            <a:r>
+              <a:rPr lang="ru-RU" baseline="0" dirty="0" err="1" smtClean="0"/>
+              <a:t>виртуализировать</a:t>
+            </a:r>
+            <a:endParaRPr lang="ru-RU" baseline="0" dirty="0" smtClean="0"/>
+          </a:p>
+          <a:p>
+            <a:pPr marL="171450" indent="-171450">
+              <a:buFontTx/>
+              <a:buChar char="-"/>
+            </a:pPr>
             <a:r>
               <a:rPr lang="ru-RU" baseline="0" dirty="0" smtClean="0"/>
-              <a:t>и чтобы не испортить основную систему, запустили ее через </a:t>
-            </a:r>
-            <a:r>
-              <a:rPr lang="en-US" baseline="0" dirty="0" smtClean="0"/>
-              <a:t>Virtual Box </a:t>
-            </a:r>
+              <a:t>Процессор (не все команды процессора будут нормально обрабатываться от виртуального компьютера)</a:t>
+            </a:r>
+          </a:p>
+          <a:p>
+            <a:pPr marL="171450" indent="-171450">
+              <a:buFontTx/>
+              <a:buChar char="-"/>
+            </a:pPr>
             <a:r>
               <a:rPr lang="ru-RU" baseline="0" dirty="0" smtClean="0"/>
-              <a:t>(бесплатную программу)</a:t>
+              <a:t>Память (виртуальная машины использует только часть реальной памяти, плюс свободная часть еще может разделяться между несколькими виртуальными машинами)</a:t>
+            </a:r>
+          </a:p>
+          <a:p>
+            <a:pPr marL="171450" indent="-171450">
+              <a:buFontTx/>
+              <a:buChar char="-"/>
+            </a:pPr>
+            <a:r>
+              <a:rPr lang="ru-RU" baseline="0" smtClean="0"/>
+              <a:t>Устройства ввода-вывода</a:t>
             </a:r>
             <a:endParaRPr lang="ru-RU" dirty="0"/>
           </a:p>
@@ -3102,7 +3033,7 @@
     </p:spTree>
     <p:extLst>
       <p:ext uri="{BB962C8B-B14F-4D97-AF65-F5344CB8AC3E}">
-        <p14:creationId xmlns:p14="http://schemas.microsoft.com/office/powerpoint/2010/main" val="464931"/>
+        <p14:creationId xmlns:p14="http://schemas.microsoft.com/office/powerpoint/2010/main" val="2042219630"/>
       </p:ext>
     </p:extLst>
   </p:cSld>
@@ -3158,52 +3089,51 @@
           <a:p>
             <a:r>
               <a:rPr lang="ru-RU" dirty="0" smtClean="0"/>
-              <a:t>Почему</a:t>
+              <a:t>Если смотреть упрощенно, то в системе (в компьютере)</a:t>
             </a:r>
             <a:r>
               <a:rPr lang="ru-RU" baseline="0" dirty="0" smtClean="0"/>
-              <a:t> виртуализация сложна? Не с точки зрения использования (тут как раз все весьма прозрачно), а с точки зрения реализации?</a:t>
-            </a:r>
-          </a:p>
-          <a:p>
+              <a:t> </a:t>
+            </a:r>
+            <a:r>
+              <a:rPr lang="ru-RU" dirty="0" smtClean="0"/>
+              <a:t>есть следующие уровни</a:t>
+            </a:r>
+          </a:p>
+          <a:p>
+            <a:r>
+              <a:rPr lang="ru-RU" dirty="0" smtClean="0"/>
+              <a:t>На каких же из</a:t>
+            </a:r>
             <a:r>
               <a:rPr lang="ru-RU" baseline="0" dirty="0" smtClean="0"/>
-              <a:t>Потому что надо будет </a:t>
-            </a:r>
-            <a:r>
-              <a:rPr lang="ru-RU" baseline="0" dirty="0" err="1" smtClean="0"/>
-              <a:t>виртуализировать</a:t>
-            </a:r>
-            <a:endParaRPr lang="ru-RU" baseline="0" dirty="0" smtClean="0"/>
-          </a:p>
-          <a:p>
-            <a:pPr marL="171450" indent="-171450">
-              <a:buFontTx/>
-              <a:buChar char="-"/>
-            </a:pPr>
+              <a:t> этих</a:t>
+            </a:r>
+            <a:r>
+              <a:rPr lang="ru-RU" dirty="0" smtClean="0"/>
+              <a:t> уровней есть</a:t>
+            </a:r>
             <a:r>
               <a:rPr lang="ru-RU" baseline="0" dirty="0" smtClean="0"/>
-              <a:t>Процессор (не все команды процессора будут нормально обрабатываться от виртуального компьютера)</a:t>
-            </a:r>
-          </a:p>
-          <a:p>
-            <a:pPr marL="171450" indent="-171450">
-              <a:buFontTx/>
-              <a:buChar char="-"/>
-            </a:pPr>
+              <a:t> поддержка разного рода виртуализации?</a:t>
+            </a:r>
+          </a:p>
+          <a:p>
             <a:r>
               <a:rPr lang="ru-RU" baseline="0" dirty="0" smtClean="0"/>
-              <a:t>Память (виртуальная машины использует только часть реальной памяти, плюс свободная часть еще может разделяться между несколькими виртуальными машинами)</a:t>
-            </a:r>
-          </a:p>
-          <a:p>
-            <a:pPr marL="171450" indent="-171450">
-              <a:buFontTx/>
-              <a:buChar char="-"/>
-            </a:pPr>
-            <a:r>
-              <a:rPr lang="ru-RU" baseline="0" smtClean="0"/>
-              <a:t>Устройства ввода-вывода</a:t>
+              <a:t>Как вы считаете?</a:t>
+            </a:r>
+          </a:p>
+          <a:p>
+            <a:r>
+              <a:rPr lang="ru-RU" baseline="0" dirty="0" smtClean="0"/>
+              <a:t>На самом деле на каждом</a:t>
+            </a:r>
+          </a:p>
+          <a:p>
+            <a:r>
+              <a:rPr lang="ru-RU" baseline="0" dirty="0" smtClean="0"/>
+              <a:t>Но сам сама программа-гипервизор реализуется на 2-3 уровне</a:t>
             </a:r>
             <a:endParaRPr lang="ru-RU" dirty="0"/>
           </a:p>
@@ -3235,7 +3165,7 @@
     </p:spTree>
     <p:extLst>
       <p:ext uri="{BB962C8B-B14F-4D97-AF65-F5344CB8AC3E}">
-        <p14:creationId xmlns:p14="http://schemas.microsoft.com/office/powerpoint/2010/main" val="2042219630"/>
+        <p14:creationId xmlns:p14="http://schemas.microsoft.com/office/powerpoint/2010/main" val="3108064298"/>
       </p:ext>
     </p:extLst>
   </p:cSld>
@@ -3291,51 +3221,79 @@
           <a:p>
             <a:r>
               <a:rPr lang="ru-RU" dirty="0" smtClean="0"/>
-              <a:t>Если смотреть упрощенно, то в системе (в компьютере)</a:t>
+              <a:t>На аппаратном</a:t>
             </a:r>
             <a:r>
               <a:rPr lang="ru-RU" baseline="0" dirty="0" smtClean="0"/>
-              <a:t> </a:t>
-            </a:r>
-            <a:r>
-              <a:rPr lang="ru-RU" dirty="0" smtClean="0"/>
-              <a:t>есть следующие уровни</a:t>
-            </a:r>
-          </a:p>
-          <a:p>
-            <a:r>
-              <a:rPr lang="ru-RU" dirty="0" smtClean="0"/>
-              <a:t>На каких же из</a:t>
-            </a:r>
+              <a:t> уровне на текущий момент есть поддержка всех тех подсистем из-за которых виртуализация сложна.</a:t>
+            </a:r>
+          </a:p>
+          <a:p>
             <a:r>
               <a:rPr lang="ru-RU" baseline="0" dirty="0" smtClean="0"/>
-              <a:t> этих</a:t>
-            </a:r>
-            <a:r>
-              <a:rPr lang="ru-RU" dirty="0" smtClean="0"/>
-              <a:t> уровней есть</a:t>
+              <a:t>И </a:t>
+            </a:r>
+            <a:r>
+              <a:rPr lang="en-US" baseline="0" dirty="0" smtClean="0"/>
+              <a:t>Intel </a:t>
             </a:r>
             <a:r>
               <a:rPr lang="ru-RU" baseline="0" dirty="0" smtClean="0"/>
-              <a:t> поддержка разного рода виртуализации?</a:t>
-            </a:r>
-          </a:p>
-          <a:p>
+              <a:t>и </a:t>
+            </a:r>
+            <a:r>
+              <a:rPr lang="en-US" baseline="0" dirty="0" smtClean="0"/>
+              <a:t>AMD </a:t>
+            </a:r>
             <a:r>
               <a:rPr lang="ru-RU" baseline="0" dirty="0" smtClean="0"/>
-              <a:t>Как вы считаете?</a:t>
-            </a:r>
-          </a:p>
-          <a:p>
+              <a:t>представляет свой набор технологий для аппаратной поддержки. Одной из первых и самых важных технологий была </a:t>
+            </a:r>
+            <a:r>
+              <a:rPr lang="en-US" baseline="0" dirty="0" smtClean="0"/>
+              <a:t>VT-x </a:t>
+            </a:r>
             <a:r>
               <a:rPr lang="ru-RU" baseline="0" dirty="0" smtClean="0"/>
-              <a:t>На самом деле на каждом</a:t>
-            </a:r>
-          </a:p>
-          <a:p>
+              <a:t>от </a:t>
+            </a:r>
+            <a:r>
+              <a:rPr lang="en-US" baseline="0" dirty="0" smtClean="0"/>
+              <a:t>Intel </a:t>
+            </a:r>
             <a:r>
               <a:rPr lang="ru-RU" baseline="0" dirty="0" smtClean="0"/>
-              <a:t>Но сам сама программа-гипервизор реализуется на 2-3 уровне</a:t>
+              <a:t>и </a:t>
+            </a:r>
+            <a:r>
+              <a:rPr lang="en-US" baseline="0" dirty="0" smtClean="0"/>
+              <a:t>AMD-V</a:t>
+            </a:r>
+            <a:r>
+              <a:rPr lang="ru-RU" baseline="0" dirty="0" smtClean="0"/>
+              <a:t> от </a:t>
+            </a:r>
+            <a:r>
+              <a:rPr lang="en-US" baseline="0" dirty="0" smtClean="0"/>
+              <a:t>AMD </a:t>
+            </a:r>
+            <a:r>
+              <a:rPr lang="ru-RU" baseline="0" dirty="0" smtClean="0"/>
+              <a:t>соответственно для поддержки аппаратной виртуализации процессора. Внедрена сравнительно давно – 2005-2006 год, поэтому найти </a:t>
+            </a:r>
+            <a:r>
+              <a:rPr lang="ru-RU" baseline="0" dirty="0" err="1" smtClean="0"/>
+              <a:t>проц</a:t>
+            </a:r>
+            <a:r>
+              <a:rPr lang="ru-RU" baseline="0" dirty="0" smtClean="0"/>
+              <a:t> который не поддерживает, будет сложно</a:t>
+            </a:r>
+          </a:p>
+          <a:p>
+            <a:r>
+              <a:rPr lang="ru-RU" baseline="0" dirty="0" smtClean="0"/>
+              <a:t>Так что вероятнее всего у вас она есть и это хорошо. Поможет ли? Не факт, надо пробовать</a:t>
             </a:r>
             <a:endParaRPr lang="ru-RU" dirty="0"/>
           </a:p>
@@ -3367,7 +3325,7 @@
     </p:spTree>
     <p:extLst>
       <p:ext uri="{BB962C8B-B14F-4D97-AF65-F5344CB8AC3E}">
-        <p14:creationId xmlns:p14="http://schemas.microsoft.com/office/powerpoint/2010/main" val="3108064298"/>
+        <p14:creationId xmlns:p14="http://schemas.microsoft.com/office/powerpoint/2010/main" val="1868024635"/>
       </p:ext>
     </p:extLst>
   </p:cSld>
@@ -3423,81 +3381,30 @@
           <a:p>
             <a:r>
               <a:rPr lang="ru-RU" dirty="0" smtClean="0"/>
-              <a:t>На аппаратном</a:t>
+              <a:t>Рассмотрим</a:t>
             </a:r>
             <a:r>
               <a:rPr lang="ru-RU" baseline="0" dirty="0" smtClean="0"/>
-              <a:t> уровне на текущий момент есть поддержка всех тех подсистем из-за которых виртуализация сложна.</a:t>
+              <a:t> уровень операционной системы.</a:t>
             </a:r>
           </a:p>
           <a:p>
             <a:r>
               <a:rPr lang="ru-RU" baseline="0" dirty="0" smtClean="0"/>
-              <a:t>И </a:t>
-            </a:r>
-            <a:r>
-              <a:rPr lang="en-US" baseline="0" dirty="0" smtClean="0"/>
-              <a:t>Intel </a:t>
-            </a:r>
+              <a:t>На этом уровне системы работает гипервизор первого типа.</a:t>
+            </a:r>
+          </a:p>
+          <a:p>
             <a:r>
               <a:rPr lang="ru-RU" baseline="0" dirty="0" smtClean="0"/>
-              <a:t>и </a:t>
-            </a:r>
-            <a:r>
-              <a:rPr lang="en-US" baseline="0" dirty="0" smtClean="0"/>
-              <a:t>AMD </a:t>
-            </a:r>
+              <a:t>Он ставится напрямую на железо (как операционная система), взаимодействует с ним напрямую и по сути замещает ОС.</a:t>
+            </a:r>
+          </a:p>
+          <a:p>
             <a:r>
               <a:rPr lang="ru-RU" baseline="0" dirty="0" smtClean="0"/>
-              <a:t>представляет свой набор технологий для аппаратной поддержки. Одной из первых и самых важных технологий была </a:t>
-            </a:r>
-            <a:r>
-              <a:rPr lang="en-US" baseline="0" dirty="0" smtClean="0"/>
-              <a:t>VT-x </a:t>
-            </a:r>
-            <a:r>
-              <a:rPr lang="ru-RU" baseline="0" dirty="0" smtClean="0"/>
-              <a:t>от </a:t>
-            </a:r>
-            <a:r>
-              <a:rPr lang="en-US" baseline="0" dirty="0" smtClean="0"/>
-              <a:t>Intel </a:t>
-            </a:r>
-            <a:r>
-              <a:rPr lang="ru-RU" baseline="0" dirty="0" smtClean="0"/>
-              <a:t>и </a:t>
-            </a:r>
-            <a:r>
-              <a:rPr lang="en-US" baseline="0" dirty="0" smtClean="0"/>
-              <a:t>AMD-V</a:t>
-            </a:r>
-            <a:r>
-              <a:rPr lang="ru-RU" baseline="0" dirty="0" smtClean="0"/>
-              <a:t> от </a:t>
-            </a:r>
-            <a:r>
-              <a:rPr lang="en-US" baseline="0" dirty="0" smtClean="0"/>
-              <a:t>AMD </a:t>
-            </a:r>
-            <a:r>
-              <a:rPr lang="ru-RU" baseline="0" dirty="0" smtClean="0"/>
-              <a:t>соответственно для поддержки аппаратной виртуализации процессора. Внедрена сравнительно давно – 2005-2006 год, поэтому найти </a:t>
-            </a:r>
-            <a:r>
-              <a:rPr lang="ru-RU" baseline="0" dirty="0" err="1" smtClean="0"/>
-              <a:t>проц</a:t>
-            </a:r>
-            <a:r>
-              <a:rPr lang="ru-RU" baseline="0" dirty="0" smtClean="0"/>
-              <a:t> который не поддерживает, будет сложно</a:t>
-            </a:r>
-          </a:p>
-          <a:p>
-            <a:r>
-              <a:rPr lang="ru-RU" baseline="0" dirty="0" smtClean="0"/>
-              <a:t>Так что вероятнее всего у вас она есть и это хорошо. Поможет ли? Не факт, надо пробовать</a:t>
-            </a:r>
-            <a:endParaRPr lang="ru-RU" dirty="0"/>
+              <a:t>За счет отсутствия ОС это быстро и стабильнее (так как гипервизор хоть и походит на ОС, но оптимизирован в первую очередь только для запуска виртуальных систем)</a:t>
+            </a:r>
           </a:p>
         </p:txBody>
       </p:sp>
@@ -3527,7 +3434,7 @@
     </p:spTree>
     <p:extLst>
       <p:ext uri="{BB962C8B-B14F-4D97-AF65-F5344CB8AC3E}">
-        <p14:creationId xmlns:p14="http://schemas.microsoft.com/office/powerpoint/2010/main" val="1868024635"/>
+        <p14:creationId xmlns:p14="http://schemas.microsoft.com/office/powerpoint/2010/main" val="332889430"/>
       </p:ext>
     </p:extLst>
   </p:cSld>
@@ -3828,7 +3735,7 @@
           <a:p>
             <a:fld id="{1C803100-45EA-4C24-9B8C-DFEAC5AC82CA}" type="datetimeFigureOut">
               <a:rPr lang="ru-RU" smtClean="0"/>
-              <a:t>12.09.2016</a:t>
+              <a:t>14.09.2016</a:t>
             </a:fld>
             <a:endParaRPr lang="ru-RU"/>
           </a:p>
@@ -4019,7 +3926,7 @@
           <a:p>
             <a:fld id="{1C803100-45EA-4C24-9B8C-DFEAC5AC82CA}" type="datetimeFigureOut">
               <a:rPr lang="ru-RU" smtClean="0"/>
-              <a:t>12.09.2016</a:t>
+              <a:t>14.09.2016</a:t>
             </a:fld>
             <a:endParaRPr lang="ru-RU"/>
           </a:p>
@@ -4204,7 +4111,7 @@
           <a:p>
             <a:fld id="{1C803100-45EA-4C24-9B8C-DFEAC5AC82CA}" type="datetimeFigureOut">
               <a:rPr lang="ru-RU" smtClean="0"/>
-              <a:t>12.09.2016</a:t>
+              <a:t>14.09.2016</a:t>
             </a:fld>
             <a:endParaRPr lang="ru-RU"/>
           </a:p>
@@ -4467,7 +4374,7 @@
           <a:p>
             <a:fld id="{1C803100-45EA-4C24-9B8C-DFEAC5AC82CA}" type="datetimeFigureOut">
               <a:rPr lang="ru-RU" smtClean="0"/>
-              <a:t>12.09.2016</a:t>
+              <a:t>14.09.2016</a:t>
             </a:fld>
             <a:endParaRPr lang="ru-RU"/>
           </a:p>
@@ -4883,7 +4790,7 @@
           <a:p>
             <a:fld id="{1C803100-45EA-4C24-9B8C-DFEAC5AC82CA}" type="datetimeFigureOut">
               <a:rPr lang="ru-RU" smtClean="0"/>
-              <a:t>12.09.2016</a:t>
+              <a:t>14.09.2016</a:t>
             </a:fld>
             <a:endParaRPr lang="ru-RU"/>
           </a:p>
@@ -5125,7 +5032,7 @@
           <a:p>
             <a:fld id="{1C803100-45EA-4C24-9B8C-DFEAC5AC82CA}" type="datetimeFigureOut">
               <a:rPr lang="ru-RU" smtClean="0"/>
-              <a:t>12.09.2016</a:t>
+              <a:t>14.09.2016</a:t>
             </a:fld>
             <a:endParaRPr lang="ru-RU"/>
           </a:p>
@@ -5361,7 +5268,7 @@
           <a:p>
             <a:fld id="{1C803100-45EA-4C24-9B8C-DFEAC5AC82CA}" type="datetimeFigureOut">
               <a:rPr lang="ru-RU" smtClean="0"/>
-              <a:t>12.09.2016</a:t>
+              <a:t>14.09.2016</a:t>
             </a:fld>
             <a:endParaRPr lang="ru-RU"/>
           </a:p>
@@ -5556,7 +5463,7 @@
           <a:p>
             <a:fld id="{1C803100-45EA-4C24-9B8C-DFEAC5AC82CA}" type="datetimeFigureOut">
               <a:rPr lang="ru-RU" smtClean="0"/>
-              <a:t>12.09.2016</a:t>
+              <a:t>14.09.2016</a:t>
             </a:fld>
             <a:endParaRPr lang="ru-RU"/>
           </a:p>
@@ -5654,7 +5561,7 @@
           <a:p>
             <a:fld id="{1C803100-45EA-4C24-9B8C-DFEAC5AC82CA}" type="datetimeFigureOut">
               <a:rPr lang="ru-RU" smtClean="0"/>
-              <a:t>12.09.2016</a:t>
+              <a:t>14.09.2016</a:t>
             </a:fld>
             <a:endParaRPr lang="ru-RU"/>
           </a:p>
@@ -5790,7 +5697,7 @@
           <a:p>
             <a:fld id="{1C803100-45EA-4C24-9B8C-DFEAC5AC82CA}" type="datetimeFigureOut">
               <a:rPr lang="ru-RU" smtClean="0"/>
-              <a:t>12.09.2016</a:t>
+              <a:t>14.09.2016</a:t>
             </a:fld>
             <a:endParaRPr lang="ru-RU"/>
           </a:p>
@@ -6308,7 +6215,7 @@
           <a:p>
             <a:fld id="{1C803100-45EA-4C24-9B8C-DFEAC5AC82CA}" type="datetimeFigureOut">
               <a:rPr lang="ru-RU" smtClean="0"/>
-              <a:t>12.09.2016</a:t>
+              <a:t>14.09.2016</a:t>
             </a:fld>
             <a:endParaRPr lang="ru-RU"/>
           </a:p>
@@ -6569,7 +6476,7 @@
           <a:p>
             <a:fld id="{1C803100-45EA-4C24-9B8C-DFEAC5AC82CA}" type="datetimeFigureOut">
               <a:rPr lang="ru-RU" smtClean="0"/>
-              <a:t>12.09.2016</a:t>
+              <a:t>14.09.2016</a:t>
             </a:fld>
             <a:endParaRPr lang="ru-RU"/>
           </a:p>
@@ -7231,168 +7138,6 @@
         </p:nvSpPr>
         <p:spPr/>
         <p:txBody>
-          <a:bodyPr/>
-          <a:lstStyle/>
-          <a:p>
-            <a:r>
-              <a:rPr lang="ru-RU" dirty="0" smtClean="0"/>
-              <a:t>Аппаратная поддержка</a:t>
-            </a:r>
-            <a:endParaRPr lang="ru-RU" dirty="0"/>
-          </a:p>
-        </p:txBody>
-      </p:sp>
-      <p:sp>
-        <p:nvSpPr>
-          <p:cNvPr id="3" name="Объект 2"/>
-          <p:cNvSpPr>
-            <a:spLocks noGrp="1"/>
-          </p:cNvSpPr>
-          <p:nvPr>
-            <p:ph sz="quarter" idx="1"/>
-          </p:nvPr>
-        </p:nvSpPr>
-        <p:spPr>
-          <a:xfrm>
-            <a:off x="457200" y="1384176"/>
-            <a:ext cx="8229600" cy="4997152"/>
-          </a:xfrm>
-        </p:spPr>
-        <p:txBody>
-          <a:bodyPr>
-            <a:normAutofit/>
-          </a:bodyPr>
-          <a:lstStyle/>
-          <a:p>
-            <a:r>
-              <a:rPr lang="ru-RU" dirty="0" smtClean="0"/>
-              <a:t>Аппаратный</a:t>
-            </a:r>
-            <a:endParaRPr lang="en-US" dirty="0" smtClean="0"/>
-          </a:p>
-          <a:p>
-            <a:pPr lvl="1"/>
-            <a:r>
-              <a:rPr lang="ru-RU" dirty="0" smtClean="0"/>
-              <a:t>Процессор</a:t>
-            </a:r>
-          </a:p>
-          <a:p>
-            <a:pPr lvl="2"/>
-            <a:r>
-              <a:rPr lang="en-US" dirty="0" smtClean="0"/>
-              <a:t>AMD-V</a:t>
-            </a:r>
-            <a:r>
-              <a:rPr lang="ru-RU" dirty="0" smtClean="0"/>
-              <a:t> </a:t>
-            </a:r>
-            <a:r>
-              <a:rPr lang="en-US" dirty="0" smtClean="0"/>
-              <a:t>/ SMV</a:t>
-            </a:r>
-          </a:p>
-          <a:p>
-            <a:pPr lvl="2"/>
-            <a:r>
-              <a:rPr lang="en-US" dirty="0" smtClean="0"/>
-              <a:t>VT-x</a:t>
-            </a:r>
-            <a:endParaRPr lang="ru-RU" dirty="0" smtClean="0"/>
-          </a:p>
-          <a:p>
-            <a:pPr lvl="1"/>
-            <a:r>
-              <a:rPr lang="ru-RU" dirty="0" smtClean="0"/>
-              <a:t>Память</a:t>
-            </a:r>
-          </a:p>
-          <a:p>
-            <a:pPr lvl="2"/>
-            <a:r>
-              <a:rPr lang="en-US" dirty="0" smtClean="0"/>
-              <a:t>EPT</a:t>
-            </a:r>
-          </a:p>
-          <a:p>
-            <a:pPr lvl="1"/>
-            <a:r>
-              <a:rPr lang="ru-RU" dirty="0" smtClean="0"/>
-              <a:t>Ввод-вывод</a:t>
-            </a:r>
-          </a:p>
-          <a:p>
-            <a:pPr lvl="2"/>
-            <a:r>
-              <a:rPr lang="en-US" dirty="0" smtClean="0"/>
-              <a:t>VT-v</a:t>
-            </a:r>
-          </a:p>
-          <a:p>
-            <a:r>
-              <a:rPr lang="ru-RU" dirty="0" smtClean="0"/>
-              <a:t>Хорошо если есть</a:t>
-            </a:r>
-          </a:p>
-          <a:p>
-            <a:pPr lvl="1"/>
-            <a:r>
-              <a:rPr lang="ru-RU" dirty="0" smtClean="0"/>
-              <a:t>Но не факт что поможет</a:t>
-            </a:r>
-            <a:endParaRPr lang="en-US" dirty="0" smtClean="0"/>
-          </a:p>
-        </p:txBody>
-      </p:sp>
-    </p:spTree>
-    <p:extLst>
-      <p:ext uri="{BB962C8B-B14F-4D97-AF65-F5344CB8AC3E}">
-        <p14:creationId xmlns:p14="http://schemas.microsoft.com/office/powerpoint/2010/main" val="1843009874"/>
-      </p:ext>
-    </p:extLst>
-  </p:cSld>
-  <p:clrMapOvr>
-    <a:masterClrMapping/>
-  </p:clrMapOvr>
-  <p:timing>
-    <p:tnLst>
-      <p:par>
-        <p:cTn id="1" dur="indefinite" restart="never" nodeType="tmRoot"/>
-      </p:par>
-    </p:tnLst>
-  </p:timing>
-</p:sld>
-</file>
-
-<file path=ppt/slides/slide11.xml><?xml version="1.0" encoding="utf-8"?>
-<p:sld xmlns:a="http://schemas.openxmlformats.org/drawingml/2006/main" xmlns:r="http://schemas.openxmlformats.org/officeDocument/2006/relationships" xmlns:p="http://schemas.openxmlformats.org/presentationml/2006/main">
-  <p:cSld>
-    <p:spTree>
-      <p:nvGrpSpPr>
-        <p:cNvPr id="1" name=""/>
-        <p:cNvGrpSpPr/>
-        <p:nvPr/>
-      </p:nvGrpSpPr>
-      <p:grpSpPr>
-        <a:xfrm>
-          <a:off x="0" y="0"/>
-          <a:ext cx="0" cy="0"/>
-          <a:chOff x="0" y="0"/>
-          <a:chExt cx="0" cy="0"/>
-        </a:xfrm>
-      </p:grpSpPr>
-      <p:sp>
-        <p:nvSpPr>
-          <p:cNvPr id="2" name="Заголовок 1"/>
-          <p:cNvSpPr>
-            <a:spLocks noGrp="1"/>
-          </p:cNvSpPr>
-          <p:nvPr>
-            <p:ph type="title"/>
-          </p:nvPr>
-        </p:nvSpPr>
-        <p:spPr/>
-        <p:txBody>
           <a:bodyPr>
             <a:normAutofit fontScale="90000"/>
           </a:bodyPr>
@@ -7665,7 +7410,7 @@
 </p:sld>
 </file>
 
-<file path=ppt/slides/slide12.xml><?xml version="1.0" encoding="utf-8"?>
+<file path=ppt/slides/slide11.xml><?xml version="1.0" encoding="utf-8"?>
 <p:sld xmlns:a="http://schemas.openxmlformats.org/drawingml/2006/main" xmlns:r="http://schemas.openxmlformats.org/officeDocument/2006/relationships" xmlns:p="http://schemas.openxmlformats.org/presentationml/2006/main">
   <p:cSld>
     <p:spTree>
@@ -7990,7 +7735,7 @@
 </p:sld>
 </file>
 
-<file path=ppt/slides/slide13.xml><?xml version="1.0" encoding="utf-8"?>
+<file path=ppt/slides/slide12.xml><?xml version="1.0" encoding="utf-8"?>
 <p:sld xmlns:a="http://schemas.openxmlformats.org/drawingml/2006/main" xmlns:r="http://schemas.openxmlformats.org/officeDocument/2006/relationships" xmlns:p="http://schemas.openxmlformats.org/presentationml/2006/main">
   <p:cSld>
     <p:spTree>
@@ -8273,7 +8018,7 @@
 </p:sld>
 </file>
 
-<file path=ppt/slides/slide14.xml><?xml version="1.0" encoding="utf-8"?>
+<file path=ppt/slides/slide13.xml><?xml version="1.0" encoding="utf-8"?>
 <p:sld xmlns:a="http://schemas.openxmlformats.org/drawingml/2006/main" xmlns:r="http://schemas.openxmlformats.org/officeDocument/2006/relationships" xmlns:p="http://schemas.openxmlformats.org/presentationml/2006/main">
   <p:cSld>
     <p:spTree>
@@ -8614,7 +8359,7 @@
 </p:sld>
 </file>
 
-<file path=ppt/slides/slide15.xml><?xml version="1.0" encoding="utf-8"?>
+<file path=ppt/slides/slide14.xml><?xml version="1.0" encoding="utf-8"?>
 <p:sld xmlns:a="http://schemas.openxmlformats.org/drawingml/2006/main" xmlns:r="http://schemas.openxmlformats.org/officeDocument/2006/relationships" xmlns:p="http://schemas.openxmlformats.org/presentationml/2006/main">
   <p:cSld>
     <p:spTree>
@@ -9137,7 +8882,7 @@
 </p:sld>
 </file>
 
-<file path=ppt/slides/slide16.xml><?xml version="1.0" encoding="utf-8"?>
+<file path=ppt/slides/slide15.xml><?xml version="1.0" encoding="utf-8"?>
 <p:sld xmlns:a="http://schemas.openxmlformats.org/drawingml/2006/main" xmlns:r="http://schemas.openxmlformats.org/officeDocument/2006/relationships" xmlns:p="http://schemas.openxmlformats.org/presentationml/2006/main">
   <p:cSld>
     <p:spTree>
@@ -9545,7 +9290,7 @@
 </p:sld>
 </file>
 
-<file path=ppt/slides/slide17.xml><?xml version="1.0" encoding="utf-8"?>
+<file path=ppt/slides/slide16.xml><?xml version="1.0" encoding="utf-8"?>
 <p:sld xmlns:a="http://schemas.openxmlformats.org/drawingml/2006/main" xmlns:r="http://schemas.openxmlformats.org/officeDocument/2006/relationships" xmlns:p="http://schemas.openxmlformats.org/presentationml/2006/main">
   <p:cSld>
     <p:spTree>
@@ -9666,7 +9411,7 @@
 </p:sld>
 </file>
 
-<file path=ppt/slides/slide18.xml><?xml version="1.0" encoding="utf-8"?>
+<file path=ppt/slides/slide17.xml><?xml version="1.0" encoding="utf-8"?>
 <p:sld xmlns:a="http://schemas.openxmlformats.org/drawingml/2006/main" xmlns:r="http://schemas.openxmlformats.org/officeDocument/2006/relationships" xmlns:p="http://schemas.openxmlformats.org/presentationml/2006/main">
   <p:cSld>
     <p:spTree>
@@ -10211,7 +9956,7 @@
 </p:sld>
 </file>
 
-<file path=ppt/slides/slide19.xml><?xml version="1.0" encoding="utf-8"?>
+<file path=ppt/slides/slide18.xml><?xml version="1.0" encoding="utf-8"?>
 <p:sld xmlns:a="http://schemas.openxmlformats.org/drawingml/2006/main" xmlns:r="http://schemas.openxmlformats.org/officeDocument/2006/relationships" xmlns:p="http://schemas.openxmlformats.org/presentationml/2006/main">
   <p:cSld>
     <p:spTree>
@@ -10536,109 +10281,7 @@
 </p:sld>
 </file>
 
-<file path=ppt/slides/slide2.xml><?xml version="1.0" encoding="utf-8"?>
-<p:sld xmlns:a="http://schemas.openxmlformats.org/drawingml/2006/main" xmlns:r="http://schemas.openxmlformats.org/officeDocument/2006/relationships" xmlns:p="http://schemas.openxmlformats.org/presentationml/2006/main">
-  <p:cSld>
-    <p:spTree>
-      <p:nvGrpSpPr>
-        <p:cNvPr id="1" name=""/>
-        <p:cNvGrpSpPr/>
-        <p:nvPr/>
-      </p:nvGrpSpPr>
-      <p:grpSpPr>
-        <a:xfrm>
-          <a:off x="0" y="0"/>
-          <a:ext cx="0" cy="0"/>
-          <a:chOff x="0" y="0"/>
-          <a:chExt cx="0" cy="0"/>
-        </a:xfrm>
-      </p:grpSpPr>
-      <p:sp>
-        <p:nvSpPr>
-          <p:cNvPr id="2" name="Заголовок 1"/>
-          <p:cNvSpPr>
-            <a:spLocks noGrp="1"/>
-          </p:cNvSpPr>
-          <p:nvPr>
-            <p:ph type="title"/>
-          </p:nvPr>
-        </p:nvSpPr>
-        <p:spPr/>
-        <p:txBody>
-          <a:bodyPr/>
-          <a:lstStyle/>
-          <a:p>
-            <a:r>
-              <a:rPr lang="ru-RU" dirty="0"/>
-              <a:t>Кто я</a:t>
-            </a:r>
-          </a:p>
-        </p:txBody>
-      </p:sp>
-      <p:sp>
-        <p:nvSpPr>
-          <p:cNvPr id="3" name="Объект 2"/>
-          <p:cNvSpPr>
-            <a:spLocks noGrp="1"/>
-          </p:cNvSpPr>
-          <p:nvPr>
-            <p:ph sz="quarter" idx="1"/>
-          </p:nvPr>
-        </p:nvSpPr>
-        <p:spPr/>
-        <p:txBody>
-          <a:bodyPr/>
-          <a:lstStyle/>
-          <a:p>
-            <a:pPr>
-              <a:lnSpc>
-                <a:spcPct val="150000"/>
-              </a:lnSpc>
-            </a:pPr>
-            <a:r>
-              <a:rPr lang="ru-RU" dirty="0" smtClean="0"/>
-              <a:t>Виталий Квятковский</a:t>
-            </a:r>
-          </a:p>
-          <a:p>
-            <a:pPr>
-              <a:lnSpc>
-                <a:spcPct val="150000"/>
-              </a:lnSpc>
-            </a:pPr>
-            <a:r>
-              <a:rPr lang="en-US" dirty="0" smtClean="0"/>
-              <a:t>Lead Software Engineer</a:t>
-            </a:r>
-          </a:p>
-          <a:p>
-            <a:pPr>
-              <a:lnSpc>
-                <a:spcPct val="150000"/>
-              </a:lnSpc>
-            </a:pPr>
-            <a:r>
-              <a:rPr lang="en-US" dirty="0" smtClean="0"/>
-              <a:t>EPAM Systems</a:t>
-            </a:r>
-            <a:endParaRPr lang="ru-RU" dirty="0"/>
-          </a:p>
-        </p:txBody>
-      </p:sp>
-    </p:spTree>
-    <p:extLst>
-      <p:ext uri="{BB962C8B-B14F-4D97-AF65-F5344CB8AC3E}">
-        <p14:creationId xmlns:p14="http://schemas.microsoft.com/office/powerpoint/2010/main" val="3657281643"/>
-      </p:ext>
-    </p:extLst>
-  </p:cSld>
-  <p:clrMapOvr>
-    <a:masterClrMapping/>
-  </p:clrMapOvr>
-</p:sld>
-</file>
-
-<file path=ppt/slides/slide20.xml><?xml version="1.0" encoding="utf-8"?>
+<file path=ppt/slides/slide19.xml><?xml version="1.0" encoding="utf-8"?>
 <p:sld xmlns:a="http://schemas.openxmlformats.org/drawingml/2006/main" xmlns:r="http://schemas.openxmlformats.org/officeDocument/2006/relationships" xmlns:p="http://schemas.openxmlformats.org/presentationml/2006/main">
   <p:cSld>
     <p:spTree>
@@ -10829,6 +10472,244 @@
 </p:sld>
 </file>
 
+<file path=ppt/slides/slide2.xml><?xml version="1.0" encoding="utf-8"?>
+<p:sld xmlns:a="http://schemas.openxmlformats.org/drawingml/2006/main" xmlns:r="http://schemas.openxmlformats.org/officeDocument/2006/relationships" xmlns:p="http://schemas.openxmlformats.org/presentationml/2006/main">
+  <p:cSld>
+    <p:spTree>
+      <p:nvGrpSpPr>
+        <p:cNvPr id="1" name=""/>
+        <p:cNvGrpSpPr/>
+        <p:nvPr/>
+      </p:nvGrpSpPr>
+      <p:grpSpPr>
+        <a:xfrm>
+          <a:off x="0" y="0"/>
+          <a:ext cx="0" cy="0"/>
+          <a:chOff x="0" y="0"/>
+          <a:chExt cx="0" cy="0"/>
+        </a:xfrm>
+      </p:grpSpPr>
+      <p:sp>
+        <p:nvSpPr>
+          <p:cNvPr id="2" name="Заголовок 1"/>
+          <p:cNvSpPr>
+            <a:spLocks noGrp="1"/>
+          </p:cNvSpPr>
+          <p:nvPr>
+            <p:ph type="title"/>
+          </p:nvPr>
+        </p:nvSpPr>
+        <p:spPr/>
+        <p:txBody>
+          <a:bodyPr/>
+          <a:lstStyle/>
+          <a:p>
+            <a:r>
+              <a:rPr lang="ru-RU" dirty="0"/>
+              <a:t>Кто я</a:t>
+            </a:r>
+          </a:p>
+        </p:txBody>
+      </p:sp>
+      <p:sp>
+        <p:nvSpPr>
+          <p:cNvPr id="3" name="Объект 2"/>
+          <p:cNvSpPr>
+            <a:spLocks noGrp="1"/>
+          </p:cNvSpPr>
+          <p:nvPr>
+            <p:ph sz="quarter" idx="1"/>
+          </p:nvPr>
+        </p:nvSpPr>
+        <p:spPr/>
+        <p:txBody>
+          <a:bodyPr/>
+          <a:lstStyle/>
+          <a:p>
+            <a:pPr>
+              <a:lnSpc>
+                <a:spcPct val="150000"/>
+              </a:lnSpc>
+            </a:pPr>
+            <a:r>
+              <a:rPr lang="ru-RU" dirty="0" smtClean="0"/>
+              <a:t>Виталий Квятковский</a:t>
+            </a:r>
+          </a:p>
+          <a:p>
+            <a:pPr>
+              <a:lnSpc>
+                <a:spcPct val="150000"/>
+              </a:lnSpc>
+            </a:pPr>
+            <a:r>
+              <a:rPr lang="en-US" dirty="0" smtClean="0"/>
+              <a:t>Lead Software Engineer</a:t>
+            </a:r>
+          </a:p>
+          <a:p>
+            <a:pPr>
+              <a:lnSpc>
+                <a:spcPct val="150000"/>
+              </a:lnSpc>
+            </a:pPr>
+            <a:r>
+              <a:rPr lang="en-US" dirty="0" smtClean="0"/>
+              <a:t>EPAM Systems</a:t>
+            </a:r>
+            <a:endParaRPr lang="ru-RU" dirty="0"/>
+          </a:p>
+        </p:txBody>
+      </p:sp>
+    </p:spTree>
+    <p:extLst>
+      <p:ext uri="{BB962C8B-B14F-4D97-AF65-F5344CB8AC3E}">
+        <p14:creationId xmlns:p14="http://schemas.microsoft.com/office/powerpoint/2010/main" val="3657281643"/>
+      </p:ext>
+    </p:extLst>
+  </p:cSld>
+  <p:clrMapOvr>
+    <a:masterClrMapping/>
+  </p:clrMapOvr>
+</p:sld>
+</file>
+
+<file path=ppt/slides/slide20.xml><?xml version="1.0" encoding="utf-8"?>
+<p:sld xmlns:a="http://schemas.openxmlformats.org/drawingml/2006/main" xmlns:r="http://schemas.openxmlformats.org/officeDocument/2006/relationships" xmlns:p="http://schemas.openxmlformats.org/presentationml/2006/main">
+  <p:cSld>
+    <p:spTree>
+      <p:nvGrpSpPr>
+        <p:cNvPr id="1" name=""/>
+        <p:cNvGrpSpPr/>
+        <p:nvPr/>
+      </p:nvGrpSpPr>
+      <p:grpSpPr>
+        <a:xfrm>
+          <a:off x="0" y="0"/>
+          <a:ext cx="0" cy="0"/>
+          <a:chOff x="0" y="0"/>
+          <a:chExt cx="0" cy="0"/>
+        </a:xfrm>
+      </p:grpSpPr>
+      <p:sp>
+        <p:nvSpPr>
+          <p:cNvPr id="2" name="Заголовок 1"/>
+          <p:cNvSpPr>
+            <a:spLocks noGrp="1"/>
+          </p:cNvSpPr>
+          <p:nvPr>
+            <p:ph type="title"/>
+          </p:nvPr>
+        </p:nvSpPr>
+        <p:spPr/>
+        <p:txBody>
+          <a:bodyPr/>
+          <a:lstStyle/>
+          <a:p>
+            <a:r>
+              <a:rPr lang="en-US" dirty="0" err="1" smtClean="0"/>
+              <a:t>Docker</a:t>
+            </a:r>
+            <a:r>
+              <a:rPr lang="ru-RU" dirty="0" smtClean="0"/>
+              <a:t>: Применение</a:t>
+            </a:r>
+            <a:endParaRPr lang="ru-RU" dirty="0"/>
+          </a:p>
+        </p:txBody>
+      </p:sp>
+      <p:sp>
+        <p:nvSpPr>
+          <p:cNvPr id="3" name="Объект 2"/>
+          <p:cNvSpPr>
+            <a:spLocks noGrp="1"/>
+          </p:cNvSpPr>
+          <p:nvPr>
+            <p:ph sz="quarter" idx="1"/>
+          </p:nvPr>
+        </p:nvSpPr>
+        <p:spPr/>
+        <p:txBody>
+          <a:bodyPr>
+            <a:noAutofit/>
+          </a:bodyPr>
+          <a:lstStyle/>
+          <a:p>
+            <a:pPr>
+              <a:lnSpc>
+                <a:spcPct val="150000"/>
+              </a:lnSpc>
+            </a:pPr>
+            <a:r>
+              <a:rPr lang="ru-RU" sz="3600" dirty="0" err="1" smtClean="0"/>
+              <a:t>Микросервисы</a:t>
+            </a:r>
+            <a:endParaRPr lang="en-US" sz="3600" dirty="0"/>
+          </a:p>
+          <a:p>
+            <a:pPr lvl="1">
+              <a:lnSpc>
+                <a:spcPct val="150000"/>
+              </a:lnSpc>
+            </a:pPr>
+            <a:r>
+              <a:rPr lang="ru-RU" sz="3200" dirty="0" smtClean="0"/>
+              <a:t>Компоненты и их масштабируемость</a:t>
+            </a:r>
+          </a:p>
+          <a:p>
+            <a:pPr>
+              <a:lnSpc>
+                <a:spcPct val="150000"/>
+              </a:lnSpc>
+            </a:pPr>
+            <a:r>
+              <a:rPr lang="ru-RU" sz="3600" dirty="0" smtClean="0"/>
+              <a:t>Упрощение развертывания</a:t>
+            </a:r>
+          </a:p>
+          <a:p>
+            <a:pPr>
+              <a:lnSpc>
+                <a:spcPct val="150000"/>
+              </a:lnSpc>
+            </a:pPr>
+            <a:r>
+              <a:rPr lang="en-US" sz="3600" dirty="0" smtClean="0"/>
+              <a:t>Continuous delivery</a:t>
+            </a:r>
+          </a:p>
+          <a:p>
+            <a:pPr lvl="1">
+              <a:lnSpc>
+                <a:spcPct val="150000"/>
+              </a:lnSpc>
+            </a:pPr>
+            <a:r>
+              <a:rPr lang="en-US" sz="3200" dirty="0" err="1" smtClean="0"/>
+              <a:t>dev</a:t>
+            </a:r>
+            <a:r>
+              <a:rPr lang="en-US" sz="3200" dirty="0" smtClean="0"/>
+              <a:t> -&gt; test -&gt; prod</a:t>
+            </a:r>
+            <a:endParaRPr lang="ru-RU" sz="3200" dirty="0"/>
+          </a:p>
+        </p:txBody>
+      </p:sp>
+    </p:spTree>
+    <p:extLst>
+      <p:ext uri="{BB962C8B-B14F-4D97-AF65-F5344CB8AC3E}">
+        <p14:creationId xmlns:p14="http://schemas.microsoft.com/office/powerpoint/2010/main" val="3970605891"/>
+      </p:ext>
+    </p:extLst>
+  </p:cSld>
+  <p:clrMapOvr>
+    <a:masterClrMapping/>
+  </p:clrMapOvr>
+</p:sld>
+</file>
+
 <file path=ppt/slides/slide21.xml><?xml version="1.0" encoding="utf-8"?>
 <p:sld xmlns:a="http://schemas.openxmlformats.org/drawingml/2006/main" xmlns:r="http://schemas.openxmlformats.org/officeDocument/2006/relationships" xmlns:p="http://schemas.openxmlformats.org/presentationml/2006/main">
   <p:cSld>
@@ -10858,16 +10739,14 @@
         </p:nvSpPr>
         <p:spPr/>
         <p:txBody>
-          <a:bodyPr/>
-          <a:lstStyle/>
-          <a:p>
-            <a:r>
-              <a:rPr lang="en-US" dirty="0" err="1" smtClean="0"/>
-              <a:t>Docker</a:t>
-            </a:r>
+          <a:bodyPr>
+            <a:normAutofit fontScale="90000"/>
+          </a:bodyPr>
+          <a:lstStyle/>
+          <a:p>
             <a:r>
               <a:rPr lang="ru-RU" dirty="0" smtClean="0"/>
-              <a:t>: Применение</a:t>
+              <a:t>Почему виртуализация популярна?</a:t>
             </a:r>
             <a:endParaRPr lang="ru-RU" dirty="0"/>
           </a:p>
@@ -10883,85 +10762,133 @@
             <p:ph sz="quarter" idx="1"/>
           </p:nvPr>
         </p:nvSpPr>
-        <p:spPr/>
+        <p:spPr>
+          <a:xfrm>
+            <a:off x="612648" y="1600200"/>
+            <a:ext cx="8153400" cy="5069160"/>
+          </a:xfrm>
+        </p:spPr>
         <p:txBody>
           <a:bodyPr>
-            <a:noAutofit/>
+            <a:normAutofit lnSpcReduction="10000"/>
           </a:bodyPr>
           <a:lstStyle/>
           <a:p>
             <a:pPr>
               <a:lnSpc>
-                <a:spcPct val="150000"/>
+                <a:spcPct val="130000"/>
               </a:lnSpc>
             </a:pPr>
             <a:r>
-              <a:rPr lang="ru-RU" sz="3600" dirty="0" err="1" smtClean="0"/>
-              <a:t>Микросервисы</a:t>
-            </a:r>
-            <a:endParaRPr lang="en-US" sz="3600" dirty="0"/>
+              <a:rPr lang="ru-RU" dirty="0" smtClean="0"/>
+              <a:t>Безопасность</a:t>
+            </a:r>
+          </a:p>
+          <a:p>
+            <a:pPr>
+              <a:lnSpc>
+                <a:spcPct val="130000"/>
+              </a:lnSpc>
+            </a:pPr>
+            <a:r>
+              <a:rPr lang="ru-RU" dirty="0" smtClean="0"/>
+              <a:t>Быстро</a:t>
+            </a:r>
           </a:p>
           <a:p>
             <a:pPr lvl="1">
               <a:lnSpc>
-                <a:spcPct val="150000"/>
+                <a:spcPct val="130000"/>
               </a:lnSpc>
             </a:pPr>
             <a:r>
-              <a:rPr lang="ru-RU" sz="3200" dirty="0" smtClean="0"/>
-              <a:t>Компоненты и их масштабируемость</a:t>
+              <a:rPr lang="ru-RU" dirty="0" smtClean="0"/>
+              <a:t>Мигрировать</a:t>
+            </a:r>
+          </a:p>
+          <a:p>
+            <a:pPr lvl="1">
+              <a:lnSpc>
+                <a:spcPct val="130000"/>
+              </a:lnSpc>
+            </a:pPr>
+            <a:r>
+              <a:rPr lang="ru-RU" dirty="0" smtClean="0"/>
+              <a:t>Обновлять</a:t>
+            </a:r>
+          </a:p>
+          <a:p>
+            <a:pPr lvl="1">
+              <a:lnSpc>
+                <a:spcPct val="130000"/>
+              </a:lnSpc>
+            </a:pPr>
+            <a:r>
+              <a:rPr lang="ru-RU" dirty="0" smtClean="0"/>
+              <a:t>Масштабировать</a:t>
             </a:r>
           </a:p>
           <a:p>
             <a:pPr>
               <a:lnSpc>
-                <a:spcPct val="150000"/>
+                <a:spcPct val="130000"/>
               </a:lnSpc>
             </a:pPr>
             <a:r>
-              <a:rPr lang="ru-RU" sz="3600" dirty="0" smtClean="0"/>
-              <a:t>Упрощение развертывания</a:t>
+              <a:rPr lang="ru-RU" dirty="0" smtClean="0"/>
+              <a:t>Запуск другой ОС</a:t>
             </a:r>
           </a:p>
           <a:p>
             <a:pPr>
               <a:lnSpc>
-                <a:spcPct val="150000"/>
+                <a:spcPct val="130000"/>
               </a:lnSpc>
             </a:pPr>
             <a:r>
-              <a:rPr lang="en-US" sz="3600" dirty="0" smtClean="0"/>
-              <a:t>Continuous delivery</a:t>
-            </a:r>
-          </a:p>
-          <a:p>
-            <a:pPr lvl="1">
+              <a:rPr lang="ru-RU" dirty="0" smtClean="0"/>
+              <a:t>Тестирование</a:t>
+            </a:r>
+          </a:p>
+          <a:p>
+            <a:pPr>
               <a:lnSpc>
-                <a:spcPct val="150000"/>
+                <a:spcPct val="130000"/>
               </a:lnSpc>
             </a:pPr>
             <a:r>
-              <a:rPr lang="en-US" sz="3200" dirty="0" err="1" smtClean="0"/>
-              <a:t>dev</a:t>
-            </a:r>
-            <a:r>
-              <a:rPr lang="en-US" sz="3200" dirty="0" smtClean="0"/>
-              <a:t> -&gt; test -&gt; prod</a:t>
-            </a:r>
-            <a:endParaRPr lang="ru-RU" sz="3200" dirty="0"/>
+              <a:rPr lang="ru-RU" dirty="0" smtClean="0"/>
+              <a:t>Оптимальная нагрузка</a:t>
+            </a:r>
+          </a:p>
+          <a:p>
+            <a:pPr marL="0" indent="0">
+              <a:lnSpc>
+                <a:spcPct val="130000"/>
+              </a:lnSpc>
+              <a:buNone/>
+            </a:pPr>
+            <a:endParaRPr lang="ru-RU" dirty="0"/>
           </a:p>
         </p:txBody>
       </p:sp>
     </p:spTree>
     <p:extLst>
       <p:ext uri="{BB962C8B-B14F-4D97-AF65-F5344CB8AC3E}">
-        <p14:creationId xmlns:p14="http://schemas.microsoft.com/office/powerpoint/2010/main" val="3970605891"/>
+        <p14:creationId xmlns:p14="http://schemas.microsoft.com/office/powerpoint/2010/main" val="1493390703"/>
       </p:ext>
     </p:extLst>
   </p:cSld>
   <p:clrMapOvr>
     <a:masterClrMapping/>
   </p:clrMapOvr>
+  <p:timing>
+    <p:tnLst>
+      <p:par>
+        <p:cTn id="1" dur="indefinite" restart="never" nodeType="tmRoot"/>
+      </p:par>
+    </p:tnLst>
+  </p:timing>
 </p:sld>
 </file>
 
@@ -10994,135 +10921,130 @@
         </p:nvSpPr>
         <p:spPr/>
         <p:txBody>
+          <a:bodyPr/>
+          <a:lstStyle/>
+          <a:p>
+            <a:r>
+              <a:rPr lang="ru-RU" dirty="0" smtClean="0"/>
+              <a:t>Для разработчика</a:t>
+            </a:r>
+            <a:endParaRPr lang="ru-RU" dirty="0"/>
+          </a:p>
+        </p:txBody>
+      </p:sp>
+      <p:sp>
+        <p:nvSpPr>
+          <p:cNvPr id="3" name="Объект 2"/>
+          <p:cNvSpPr>
+            <a:spLocks noGrp="1"/>
+          </p:cNvSpPr>
+          <p:nvPr>
+            <p:ph sz="quarter" idx="1"/>
+          </p:nvPr>
+        </p:nvSpPr>
+        <p:spPr/>
+        <p:txBody>
           <a:bodyPr>
-            <a:normAutofit fontScale="90000"/>
-          </a:bodyPr>
-          <a:lstStyle/>
-          <a:p>
-            <a:r>
-              <a:rPr lang="ru-RU" dirty="0" smtClean="0"/>
-              <a:t>Почему виртуализация популярна?</a:t>
-            </a:r>
-            <a:endParaRPr lang="ru-RU" dirty="0"/>
-          </a:p>
-        </p:txBody>
-      </p:sp>
-      <p:sp>
-        <p:nvSpPr>
-          <p:cNvPr id="3" name="Объект 2"/>
-          <p:cNvSpPr>
-            <a:spLocks noGrp="1"/>
-          </p:cNvSpPr>
-          <p:nvPr>
-            <p:ph sz="quarter" idx="1"/>
-          </p:nvPr>
-        </p:nvSpPr>
-        <p:spPr>
-          <a:xfrm>
-            <a:off x="612648" y="1600200"/>
-            <a:ext cx="8153400" cy="5069160"/>
-          </a:xfrm>
-        </p:spPr>
-        <p:txBody>
-          <a:bodyPr>
-            <a:normAutofit lnSpcReduction="10000"/>
+            <a:normAutofit/>
           </a:bodyPr>
           <a:lstStyle/>
           <a:p>
             <a:pPr>
               <a:lnSpc>
-                <a:spcPct val="130000"/>
+                <a:spcPct val="150000"/>
               </a:lnSpc>
             </a:pPr>
             <a:r>
               <a:rPr lang="ru-RU" dirty="0" smtClean="0"/>
-              <a:t>Безопасность</a:t>
-            </a:r>
+              <a:t>Среда разработки</a:t>
+            </a:r>
+            <a:endParaRPr lang="en-US" dirty="0" smtClean="0"/>
           </a:p>
           <a:p>
             <a:pPr>
               <a:lnSpc>
-                <a:spcPct val="130000"/>
+                <a:spcPct val="150000"/>
               </a:lnSpc>
             </a:pPr>
             <a:r>
-              <a:rPr lang="ru-RU" dirty="0" smtClean="0"/>
-              <a:t>Быстро</a:t>
-            </a:r>
+              <a:rPr lang="en-US" dirty="0" err="1" smtClean="0"/>
+              <a:t>Dev</a:t>
+            </a:r>
+            <a:r>
+              <a:rPr lang="en-US" dirty="0" smtClean="0"/>
+              <a:t> </a:t>
+            </a:r>
+            <a:r>
+              <a:rPr lang="en-US" dirty="0" err="1" smtClean="0"/>
+              <a:t>Env</a:t>
+            </a:r>
+            <a:r>
+              <a:rPr lang="en-US" dirty="0" smtClean="0"/>
+              <a:t> != Prod </a:t>
+            </a:r>
+            <a:r>
+              <a:rPr lang="en-US" dirty="0" err="1" smtClean="0"/>
+              <a:t>Env</a:t>
+            </a:r>
+            <a:endParaRPr lang="en-US" dirty="0" smtClean="0"/>
           </a:p>
           <a:p>
             <a:pPr lvl="1">
               <a:lnSpc>
-                <a:spcPct val="130000"/>
+                <a:spcPct val="150000"/>
               </a:lnSpc>
             </a:pPr>
             <a:r>
               <a:rPr lang="ru-RU" dirty="0" smtClean="0"/>
-              <a:t>Мигрировать</a:t>
+              <a:t>«А на моей машине работает» </a:t>
+            </a:r>
+            <a:r>
+              <a:rPr lang="en-US" dirty="0" smtClean="0"/>
+              <a:t>©</a:t>
+            </a:r>
+            <a:endParaRPr lang="ru-RU" dirty="0" smtClean="0"/>
+          </a:p>
+          <a:p>
+            <a:pPr>
+              <a:lnSpc>
+                <a:spcPct val="150000"/>
+              </a:lnSpc>
+            </a:pPr>
+            <a:r>
+              <a:rPr lang="ru-RU" dirty="0" smtClean="0"/>
+              <a:t>Эксперименты</a:t>
             </a:r>
           </a:p>
           <a:p>
             <a:pPr lvl="1">
               <a:lnSpc>
-                <a:spcPct val="130000"/>
+                <a:spcPct val="150000"/>
               </a:lnSpc>
             </a:pPr>
             <a:r>
+              <a:rPr lang="ru-RU" dirty="0"/>
+              <a:t>Откат </a:t>
+            </a:r>
+            <a:r>
               <a:rPr lang="ru-RU" dirty="0" smtClean="0"/>
-              <a:t>Обновлять</a:t>
-            </a:r>
-          </a:p>
-          <a:p>
-            <a:pPr lvl="1">
+              <a:t>изменений</a:t>
+            </a:r>
+            <a:endParaRPr lang="en-US" dirty="0" smtClean="0"/>
+          </a:p>
+          <a:p>
+            <a:pPr>
               <a:lnSpc>
-                <a:spcPct val="130000"/>
+                <a:spcPct val="150000"/>
               </a:lnSpc>
             </a:pPr>
             <a:r>
               <a:rPr lang="ru-RU" dirty="0" smtClean="0"/>
-              <a:t>Масштабировать</a:t>
-            </a:r>
-          </a:p>
-          <a:p>
-            <a:pPr>
-              <a:lnSpc>
-                <a:spcPct val="130000"/>
-              </a:lnSpc>
-            </a:pPr>
-            <a:r>
-              <a:rPr lang="ru-RU" dirty="0" smtClean="0"/>
-              <a:t>Запуск другой ОС</a:t>
-            </a:r>
-          </a:p>
-          <a:p>
-            <a:pPr>
-              <a:lnSpc>
-                <a:spcPct val="130000"/>
-              </a:lnSpc>
-            </a:pPr>
-            <a:r>
-              <a:rPr lang="ru-RU" dirty="0" smtClean="0"/>
-              <a:t>Тестирование</a:t>
-            </a:r>
-          </a:p>
-          <a:p>
-            <a:pPr>
-              <a:lnSpc>
-                <a:spcPct val="130000"/>
-              </a:lnSpc>
-            </a:pPr>
-            <a:r>
-              <a:rPr lang="ru-RU" dirty="0" smtClean="0"/>
-              <a:t>Оптимальная нагрузка</a:t>
-            </a:r>
-          </a:p>
-          <a:p>
-            <a:pPr marL="0" indent="0">
-              <a:lnSpc>
-                <a:spcPct val="130000"/>
-              </a:lnSpc>
-              <a:buNone/>
-            </a:pPr>
+              <a:t>Быстрый </a:t>
+            </a:r>
+            <a:r>
+              <a:rPr lang="ru-RU" dirty="0" err="1" smtClean="0"/>
+              <a:t>деплой</a:t>
+            </a:r>
             <a:endParaRPr lang="ru-RU" dirty="0"/>
           </a:p>
         </p:txBody>
@@ -11130,7 +11052,7 @@
     </p:spTree>
     <p:extLst>
       <p:ext uri="{BB962C8B-B14F-4D97-AF65-F5344CB8AC3E}">
-        <p14:creationId xmlns:p14="http://schemas.microsoft.com/office/powerpoint/2010/main" val="1493390703"/>
+        <p14:creationId xmlns:p14="http://schemas.microsoft.com/office/powerpoint/2010/main" val="3341168671"/>
       </p:ext>
     </p:extLst>
   </p:cSld>
@@ -11181,183 +11103,6 @@
           <a:p>
             <a:r>
               <a:rPr lang="ru-RU" dirty="0" smtClean="0"/>
-              <a:t>Для разработчика</a:t>
-            </a:r>
-            <a:endParaRPr lang="ru-RU" dirty="0"/>
-          </a:p>
-        </p:txBody>
-      </p:sp>
-      <p:sp>
-        <p:nvSpPr>
-          <p:cNvPr id="3" name="Объект 2"/>
-          <p:cNvSpPr>
-            <a:spLocks noGrp="1"/>
-          </p:cNvSpPr>
-          <p:nvPr>
-            <p:ph sz="quarter" idx="1"/>
-          </p:nvPr>
-        </p:nvSpPr>
-        <p:spPr/>
-        <p:txBody>
-          <a:bodyPr>
-            <a:normAutofit/>
-          </a:bodyPr>
-          <a:lstStyle/>
-          <a:p>
-            <a:pPr>
-              <a:lnSpc>
-                <a:spcPct val="150000"/>
-              </a:lnSpc>
-            </a:pPr>
-            <a:r>
-              <a:rPr lang="ru-RU" dirty="0" smtClean="0"/>
-              <a:t>Среда разработки</a:t>
-            </a:r>
-            <a:endParaRPr lang="en-US" dirty="0" smtClean="0"/>
-          </a:p>
-          <a:p>
-            <a:pPr>
-              <a:lnSpc>
-                <a:spcPct val="150000"/>
-              </a:lnSpc>
-            </a:pPr>
-            <a:r>
-              <a:rPr lang="en-US" dirty="0" err="1" smtClean="0"/>
-              <a:t>Dev</a:t>
-            </a:r>
-            <a:r>
-              <a:rPr lang="en-US" dirty="0" smtClean="0"/>
-              <a:t> </a:t>
-            </a:r>
-            <a:r>
-              <a:rPr lang="en-US" dirty="0" err="1" smtClean="0"/>
-              <a:t>Env</a:t>
-            </a:r>
-            <a:r>
-              <a:rPr lang="en-US" dirty="0" smtClean="0"/>
-              <a:t> != Prod </a:t>
-            </a:r>
-            <a:r>
-              <a:rPr lang="en-US" dirty="0" err="1" smtClean="0"/>
-              <a:t>Env</a:t>
-            </a:r>
-            <a:endParaRPr lang="en-US" dirty="0" smtClean="0"/>
-          </a:p>
-          <a:p>
-            <a:pPr lvl="1">
-              <a:lnSpc>
-                <a:spcPct val="150000"/>
-              </a:lnSpc>
-            </a:pPr>
-            <a:r>
-              <a:rPr lang="ru-RU" dirty="0" smtClean="0"/>
-              <a:t>«А на моей машине работает» </a:t>
-            </a:r>
-            <a:r>
-              <a:rPr lang="en-US" dirty="0" smtClean="0"/>
-              <a:t>©</a:t>
-            </a:r>
-            <a:endParaRPr lang="ru-RU" dirty="0" smtClean="0"/>
-          </a:p>
-          <a:p>
-            <a:pPr>
-              <a:lnSpc>
-                <a:spcPct val="150000"/>
-              </a:lnSpc>
-            </a:pPr>
-            <a:r>
-              <a:rPr lang="ru-RU" dirty="0" smtClean="0"/>
-              <a:t>Эксперименты</a:t>
-            </a:r>
-          </a:p>
-          <a:p>
-            <a:pPr lvl="1">
-              <a:lnSpc>
-                <a:spcPct val="150000"/>
-              </a:lnSpc>
-            </a:pPr>
-            <a:r>
-              <a:rPr lang="ru-RU" dirty="0"/>
-              <a:t>Откат </a:t>
-            </a:r>
-            <a:r>
-              <a:rPr lang="ru-RU" dirty="0" smtClean="0"/>
-              <a:t>изменений</a:t>
-            </a:r>
-            <a:endParaRPr lang="en-US" dirty="0" smtClean="0"/>
-          </a:p>
-          <a:p>
-            <a:pPr>
-              <a:lnSpc>
-                <a:spcPct val="150000"/>
-              </a:lnSpc>
-            </a:pPr>
-            <a:r>
-              <a:rPr lang="ru-RU" dirty="0" smtClean="0"/>
-              <a:t>Быстрый </a:t>
-            </a:r>
-            <a:r>
-              <a:rPr lang="ru-RU" dirty="0" err="1" smtClean="0"/>
-              <a:t>деплой</a:t>
-            </a:r>
-            <a:endParaRPr lang="ru-RU" dirty="0"/>
-          </a:p>
-        </p:txBody>
-      </p:sp>
-    </p:spTree>
-    <p:extLst>
-      <p:ext uri="{BB962C8B-B14F-4D97-AF65-F5344CB8AC3E}">
-        <p14:creationId xmlns:p14="http://schemas.microsoft.com/office/powerpoint/2010/main" val="3341168671"/>
-      </p:ext>
-    </p:extLst>
-  </p:cSld>
-  <p:clrMapOvr>
-    <a:masterClrMapping/>
-  </p:clrMapOvr>
-  <p:timing>
-    <p:tnLst>
-      <p:par>
-        <p:cTn id="1" dur="indefinite" restart="never" nodeType="tmRoot"/>
-      </p:par>
-    </p:tnLst>
-  </p:timing>
-</p:sld>
-</file>
-
-<file path=ppt/slides/slide24.xml><?xml version="1.0" encoding="utf-8"?>
-<p:sld xmlns:a="http://schemas.openxmlformats.org/drawingml/2006/main" xmlns:r="http://schemas.openxmlformats.org/officeDocument/2006/relationships" xmlns:p="http://schemas.openxmlformats.org/presentationml/2006/main">
-  <p:cSld>
-    <p:spTree>
-      <p:nvGrpSpPr>
-        <p:cNvPr id="1" name=""/>
-        <p:cNvGrpSpPr/>
-        <p:nvPr/>
-      </p:nvGrpSpPr>
-      <p:grpSpPr>
-        <a:xfrm>
-          <a:off x="0" y="0"/>
-          <a:ext cx="0" cy="0"/>
-          <a:chOff x="0" y="0"/>
-          <a:chExt cx="0" cy="0"/>
-        </a:xfrm>
-      </p:grpSpPr>
-      <p:sp>
-        <p:nvSpPr>
-          <p:cNvPr id="2" name="Заголовок 1"/>
-          <p:cNvSpPr>
-            <a:spLocks noGrp="1"/>
-          </p:cNvSpPr>
-          <p:nvPr>
-            <p:ph type="title"/>
-          </p:nvPr>
-        </p:nvSpPr>
-        <p:spPr/>
-        <p:txBody>
-          <a:bodyPr/>
-          <a:lstStyle/>
-          <a:p>
-            <a:r>
-              <a:rPr lang="ru-RU" dirty="0" smtClean="0"/>
               <a:t>Вопросы и ответы</a:t>
             </a:r>
             <a:endParaRPr lang="ru-RU" dirty="0"/>
@@ -11454,7 +11199,7 @@
 </p:sld>
 </file>
 
-<file path=ppt/slides/slide25.xml><?xml version="1.0" encoding="utf-8"?>
+<file path=ppt/slides/slide24.xml><?xml version="1.0" encoding="utf-8"?>
 <p:sld xmlns:a="http://schemas.openxmlformats.org/drawingml/2006/main" xmlns:r="http://schemas.openxmlformats.org/officeDocument/2006/relationships" xmlns:p="http://schemas.openxmlformats.org/presentationml/2006/main">
   <p:cSld>
     <p:spTree>
@@ -11699,84 +11444,6 @@
 </file>
 
 <file path=ppt/slides/slide4.xml><?xml version="1.0" encoding="utf-8"?>
-<p:sld xmlns:a="http://schemas.openxmlformats.org/drawingml/2006/main" xmlns:r="http://schemas.openxmlformats.org/officeDocument/2006/relationships" xmlns:p="http://schemas.openxmlformats.org/presentationml/2006/main">
-  <p:cSld>
-    <p:spTree>
-      <p:nvGrpSpPr>
-        <p:cNvPr id="1" name=""/>
-        <p:cNvGrpSpPr/>
-        <p:nvPr/>
-      </p:nvGrpSpPr>
-      <p:grpSpPr>
-        <a:xfrm>
-          <a:off x="0" y="0"/>
-          <a:ext cx="0" cy="0"/>
-          <a:chOff x="0" y="0"/>
-          <a:chExt cx="0" cy="0"/>
-        </a:xfrm>
-      </p:grpSpPr>
-      <p:sp>
-        <p:nvSpPr>
-          <p:cNvPr id="2" name="Заголовок 1"/>
-          <p:cNvSpPr>
-            <a:spLocks noGrp="1"/>
-          </p:cNvSpPr>
-          <p:nvPr>
-            <p:ph type="title"/>
-          </p:nvPr>
-        </p:nvSpPr>
-        <p:spPr/>
-        <p:txBody>
-          <a:bodyPr/>
-          <a:lstStyle/>
-          <a:p>
-            <a:endParaRPr lang="ru-RU"/>
-          </a:p>
-        </p:txBody>
-      </p:sp>
-      <p:pic>
-        <p:nvPicPr>
-          <p:cNvPr id="4" name="Объект 3"/>
-          <p:cNvPicPr>
-            <a:picLocks noGrp="1" noChangeAspect="1"/>
-          </p:cNvPicPr>
-          <p:nvPr>
-            <p:ph sz="quarter" idx="1"/>
-          </p:nvPr>
-        </p:nvPicPr>
-        <p:blipFill>
-          <a:blip r:embed="rId3">
-            <a:extLst>
-              <a:ext uri="{28A0092B-C50C-407E-A947-70E740481C1C}">
-                <a14:useLocalDpi xmlns:a14="http://schemas.microsoft.com/office/drawing/2010/main" val="0"/>
-              </a:ext>
-            </a:extLst>
-          </a:blip>
-          <a:stretch>
-            <a:fillRect/>
-          </a:stretch>
-        </p:blipFill>
-        <p:spPr>
-          <a:xfrm>
-            <a:off x="0" y="0"/>
-            <a:ext cx="9144000" cy="6858000"/>
-          </a:xfrm>
-        </p:spPr>
-      </p:pic>
-    </p:spTree>
-    <p:extLst>
-      <p:ext uri="{BB962C8B-B14F-4D97-AF65-F5344CB8AC3E}">
-        <p14:creationId xmlns:p14="http://schemas.microsoft.com/office/powerpoint/2010/main" val="2978096180"/>
-      </p:ext>
-    </p:extLst>
-  </p:cSld>
-  <p:clrMapOvr>
-    <a:masterClrMapping/>
-  </p:clrMapOvr>
-</p:sld>
-</file>
-
-<file path=ppt/slides/slide5.xml><?xml version="1.0" encoding="utf-8"?>
 <p:sld xmlns:a="http://schemas.openxmlformats.org/drawingml/2006/main" xmlns:r="http://schemas.openxmlformats.org/officeDocument/2006/relationships" xmlns:p="http://schemas.openxmlformats.org/presentationml/2006/main">
   <p:cSld>
     <p:spTree>
@@ -11900,7 +11567,7 @@
 </p:sld>
 </file>
 
-<file path=ppt/slides/slide6.xml><?xml version="1.0" encoding="utf-8"?>
+<file path=ppt/slides/slide5.xml><?xml version="1.0" encoding="utf-8"?>
 <p:sld xmlns:a="http://schemas.openxmlformats.org/drawingml/2006/main" xmlns:r="http://schemas.openxmlformats.org/officeDocument/2006/relationships" xmlns:p="http://schemas.openxmlformats.org/presentationml/2006/main">
   <p:cSld>
     <p:spTree>
@@ -12268,6 +11935,390 @@
     <p:extLst>
       <p:ext uri="{BB962C8B-B14F-4D97-AF65-F5344CB8AC3E}">
         <p14:creationId xmlns:p14="http://schemas.microsoft.com/office/powerpoint/2010/main" val="2619693295"/>
+      </p:ext>
+    </p:extLst>
+  </p:cSld>
+  <p:clrMapOvr>
+    <a:masterClrMapping/>
+  </p:clrMapOvr>
+  <p:timing>
+    <p:tnLst>
+      <p:par>
+        <p:cTn id="1" dur="indefinite" restart="never" nodeType="tmRoot"/>
+      </p:par>
+    </p:tnLst>
+  </p:timing>
+</p:sld>
+</file>
+
+<file path=ppt/slides/slide6.xml><?xml version="1.0" encoding="utf-8"?>
+<p:sld xmlns:a="http://schemas.openxmlformats.org/drawingml/2006/main" xmlns:r="http://schemas.openxmlformats.org/officeDocument/2006/relationships" xmlns:p="http://schemas.openxmlformats.org/presentationml/2006/main">
+  <p:cSld>
+    <p:spTree>
+      <p:nvGrpSpPr>
+        <p:cNvPr id="1" name=""/>
+        <p:cNvGrpSpPr/>
+        <p:nvPr/>
+      </p:nvGrpSpPr>
+      <p:grpSpPr>
+        <a:xfrm>
+          <a:off x="0" y="0"/>
+          <a:ext cx="0" cy="0"/>
+          <a:chOff x="0" y="0"/>
+          <a:chExt cx="0" cy="0"/>
+        </a:xfrm>
+      </p:grpSpPr>
+      <p:sp>
+        <p:nvSpPr>
+          <p:cNvPr id="2" name="Заголовок 1"/>
+          <p:cNvSpPr>
+            <a:spLocks noGrp="1"/>
+          </p:cNvSpPr>
+          <p:nvPr>
+            <p:ph type="title"/>
+          </p:nvPr>
+        </p:nvSpPr>
+        <p:spPr/>
+        <p:txBody>
+          <a:bodyPr/>
+          <a:lstStyle/>
+          <a:p>
+            <a:r>
+              <a:rPr lang="ru-RU" dirty="0" smtClean="0"/>
+              <a:t>Гипервизор</a:t>
+            </a:r>
+            <a:endParaRPr lang="ru-RU" dirty="0"/>
+          </a:p>
+        </p:txBody>
+      </p:sp>
+      <p:sp>
+        <p:nvSpPr>
+          <p:cNvPr id="4" name="Прямоугольник 3"/>
+          <p:cNvSpPr/>
+          <p:nvPr/>
+        </p:nvSpPr>
+        <p:spPr>
+          <a:xfrm>
+            <a:off x="755576" y="1772816"/>
+            <a:ext cx="7632848" cy="4392488"/>
+          </a:xfrm>
+          <a:prstGeom prst="rect">
+            <a:avLst/>
+          </a:prstGeom>
+        </p:spPr>
+        <p:style>
+          <a:lnRef idx="2">
+            <a:schemeClr val="accent1">
+              <a:shade val="50000"/>
+            </a:schemeClr>
+          </a:lnRef>
+          <a:fillRef idx="1">
+            <a:schemeClr val="accent1"/>
+          </a:fillRef>
+          <a:effectRef idx="0">
+            <a:schemeClr val="accent1"/>
+          </a:effectRef>
+          <a:fontRef idx="minor">
+            <a:schemeClr val="lt1"/>
+          </a:fontRef>
+        </p:style>
+        <p:txBody>
+          <a:bodyPr rtlCol="0" anchor="t"/>
+          <a:lstStyle/>
+          <a:p>
+            <a:pPr algn="ctr"/>
+            <a:r>
+              <a:rPr lang="en-US" sz="4400" dirty="0" smtClean="0"/>
+              <a:t>Windows</a:t>
+            </a:r>
+            <a:endParaRPr lang="ru-RU" sz="4400" dirty="0"/>
+          </a:p>
+        </p:txBody>
+      </p:sp>
+      <p:sp>
+        <p:nvSpPr>
+          <p:cNvPr id="5" name="Прямоугольник 4"/>
+          <p:cNvSpPr/>
+          <p:nvPr/>
+        </p:nvSpPr>
+        <p:spPr>
+          <a:xfrm>
+            <a:off x="981293" y="2852936"/>
+            <a:ext cx="7119099" cy="3096344"/>
+          </a:xfrm>
+          <a:prstGeom prst="rect">
+            <a:avLst/>
+          </a:prstGeom>
+          <a:solidFill>
+            <a:srgbClr val="00B0F0"/>
+          </a:solidFill>
+        </p:spPr>
+        <p:style>
+          <a:lnRef idx="2">
+            <a:schemeClr val="accent1">
+              <a:shade val="50000"/>
+            </a:schemeClr>
+          </a:lnRef>
+          <a:fillRef idx="1">
+            <a:schemeClr val="accent1"/>
+          </a:fillRef>
+          <a:effectRef idx="0">
+            <a:schemeClr val="accent1"/>
+          </a:effectRef>
+          <a:fontRef idx="minor">
+            <a:schemeClr val="lt1"/>
+          </a:fontRef>
+        </p:style>
+        <p:txBody>
+          <a:bodyPr rtlCol="0" anchor="t"/>
+          <a:lstStyle/>
+          <a:p>
+            <a:pPr algn="ctr"/>
+            <a:r>
+              <a:rPr lang="en-US" sz="4400" dirty="0" smtClean="0"/>
+              <a:t>Virtual Box</a:t>
+            </a:r>
+            <a:endParaRPr lang="ru-RU" sz="3600" dirty="0"/>
+          </a:p>
+        </p:txBody>
+      </p:sp>
+      <p:sp>
+        <p:nvSpPr>
+          <p:cNvPr id="6" name="Прямоугольник 5"/>
+          <p:cNvSpPr/>
+          <p:nvPr/>
+        </p:nvSpPr>
+        <p:spPr>
+          <a:xfrm>
+            <a:off x="1115617" y="3789040"/>
+            <a:ext cx="2088232" cy="2016224"/>
+          </a:xfrm>
+          <a:prstGeom prst="rect">
+            <a:avLst/>
+          </a:prstGeom>
+          <a:solidFill>
+            <a:srgbClr val="00B050"/>
+          </a:solidFill>
+        </p:spPr>
+        <p:style>
+          <a:lnRef idx="2">
+            <a:schemeClr val="accent1">
+              <a:shade val="50000"/>
+            </a:schemeClr>
+          </a:lnRef>
+          <a:fillRef idx="1">
+            <a:schemeClr val="accent1"/>
+          </a:fillRef>
+          <a:effectRef idx="0">
+            <a:schemeClr val="accent1"/>
+          </a:effectRef>
+          <a:fontRef idx="minor">
+            <a:schemeClr val="lt1"/>
+          </a:fontRef>
+        </p:style>
+        <p:txBody>
+          <a:bodyPr rtlCol="0" anchor="ctr"/>
+          <a:lstStyle/>
+          <a:p>
+            <a:pPr algn="ctr"/>
+            <a:r>
+              <a:rPr lang="en-US" sz="4800" dirty="0" smtClean="0"/>
+              <a:t>Linux</a:t>
+            </a:r>
+            <a:endParaRPr lang="ru-RU" sz="4800" dirty="0"/>
+          </a:p>
+        </p:txBody>
+      </p:sp>
+      <p:sp>
+        <p:nvSpPr>
+          <p:cNvPr id="7" name="Прямоугольник 6"/>
+          <p:cNvSpPr/>
+          <p:nvPr/>
+        </p:nvSpPr>
+        <p:spPr>
+          <a:xfrm>
+            <a:off x="3347864" y="3789040"/>
+            <a:ext cx="2160240" cy="2016224"/>
+          </a:xfrm>
+          <a:prstGeom prst="rect">
+            <a:avLst/>
+          </a:prstGeom>
+          <a:solidFill>
+            <a:srgbClr val="00B050"/>
+          </a:solidFill>
+        </p:spPr>
+        <p:style>
+          <a:lnRef idx="2">
+            <a:schemeClr val="accent1">
+              <a:shade val="50000"/>
+            </a:schemeClr>
+          </a:lnRef>
+          <a:fillRef idx="1">
+            <a:schemeClr val="accent1"/>
+          </a:fillRef>
+          <a:effectRef idx="0">
+            <a:schemeClr val="accent1"/>
+          </a:effectRef>
+          <a:fontRef idx="minor">
+            <a:schemeClr val="lt1"/>
+          </a:fontRef>
+        </p:style>
+        <p:txBody>
+          <a:bodyPr rtlCol="0" anchor="ctr"/>
+          <a:lstStyle/>
+          <a:p>
+            <a:pPr algn="ctr"/>
+            <a:r>
+              <a:rPr lang="en-US" sz="4800" dirty="0" smtClean="0"/>
+              <a:t>Linux</a:t>
+            </a:r>
+            <a:endParaRPr lang="ru-RU" sz="4800" dirty="0"/>
+          </a:p>
+        </p:txBody>
+      </p:sp>
+      <p:sp>
+        <p:nvSpPr>
+          <p:cNvPr id="8" name="Прямоугольник 7"/>
+          <p:cNvSpPr/>
+          <p:nvPr/>
+        </p:nvSpPr>
+        <p:spPr>
+          <a:xfrm>
+            <a:off x="5652120" y="3789040"/>
+            <a:ext cx="2223864" cy="2016224"/>
+          </a:xfrm>
+          <a:prstGeom prst="rect">
+            <a:avLst/>
+          </a:prstGeom>
+          <a:solidFill>
+            <a:srgbClr val="00B050"/>
+          </a:solidFill>
+        </p:spPr>
+        <p:style>
+          <a:lnRef idx="2">
+            <a:schemeClr val="accent1">
+              <a:shade val="50000"/>
+            </a:schemeClr>
+          </a:lnRef>
+          <a:fillRef idx="1">
+            <a:schemeClr val="accent1"/>
+          </a:fillRef>
+          <a:effectRef idx="0">
+            <a:schemeClr val="accent1"/>
+          </a:effectRef>
+          <a:fontRef idx="minor">
+            <a:schemeClr val="lt1"/>
+          </a:fontRef>
+        </p:style>
+        <p:txBody>
+          <a:bodyPr rtlCol="0" anchor="ctr"/>
+          <a:lstStyle/>
+          <a:p>
+            <a:pPr algn="ctr"/>
+            <a:r>
+              <a:rPr lang="en-US" sz="4800" dirty="0" smtClean="0"/>
+              <a:t>Linux</a:t>
+            </a:r>
+            <a:endParaRPr lang="ru-RU" sz="4800" dirty="0"/>
+          </a:p>
+        </p:txBody>
+      </p:sp>
+      <p:sp>
+        <p:nvSpPr>
+          <p:cNvPr id="9" name="Стрелка вправо 8"/>
+          <p:cNvSpPr/>
+          <p:nvPr/>
+        </p:nvSpPr>
+        <p:spPr>
+          <a:xfrm rot="16200000">
+            <a:off x="1562494" y="2939773"/>
+            <a:ext cx="1194476" cy="792088"/>
+          </a:xfrm>
+          <a:prstGeom prst="rightArrow">
+            <a:avLst/>
+          </a:prstGeom>
+          <a:solidFill>
+            <a:schemeClr val="accent4">
+              <a:lumMod val="20000"/>
+              <a:lumOff val="80000"/>
+            </a:schemeClr>
+          </a:solidFill>
+        </p:spPr>
+        <p:style>
+          <a:lnRef idx="2">
+            <a:schemeClr val="accent1">
+              <a:shade val="50000"/>
+            </a:schemeClr>
+          </a:lnRef>
+          <a:fillRef idx="1">
+            <a:schemeClr val="accent1"/>
+          </a:fillRef>
+          <a:effectRef idx="0">
+            <a:schemeClr val="accent1"/>
+          </a:effectRef>
+          <a:fontRef idx="minor">
+            <a:schemeClr val="lt1"/>
+          </a:fontRef>
+        </p:style>
+        <p:txBody>
+          <a:bodyPr rtlCol="0" anchor="ctr"/>
+          <a:lstStyle/>
+          <a:p>
+            <a:pPr algn="ctr"/>
+            <a:endParaRPr lang="ru-RU"/>
+          </a:p>
+        </p:txBody>
+      </p:sp>
+      <p:sp>
+        <p:nvSpPr>
+          <p:cNvPr id="10" name="Стрелка вправо 9"/>
+          <p:cNvSpPr/>
+          <p:nvPr/>
+        </p:nvSpPr>
+        <p:spPr>
+          <a:xfrm rot="16200000">
+            <a:off x="6171006" y="2922790"/>
+            <a:ext cx="1194476" cy="792088"/>
+          </a:xfrm>
+          <a:prstGeom prst="rightArrow">
+            <a:avLst/>
+          </a:prstGeom>
+          <a:solidFill>
+            <a:schemeClr val="accent4">
+              <a:lumMod val="20000"/>
+              <a:lumOff val="80000"/>
+            </a:schemeClr>
+          </a:solidFill>
+        </p:spPr>
+        <p:style>
+          <a:lnRef idx="2">
+            <a:schemeClr val="accent1">
+              <a:shade val="50000"/>
+            </a:schemeClr>
+          </a:lnRef>
+          <a:fillRef idx="1">
+            <a:schemeClr val="accent1"/>
+          </a:fillRef>
+          <a:effectRef idx="0">
+            <a:schemeClr val="accent1"/>
+          </a:effectRef>
+          <a:fontRef idx="minor">
+            <a:schemeClr val="lt1"/>
+          </a:fontRef>
+        </p:style>
+        <p:txBody>
+          <a:bodyPr rtlCol="0" anchor="ctr"/>
+          <a:lstStyle/>
+          <a:p>
+            <a:pPr algn="ctr"/>
+            <a:endParaRPr lang="ru-RU"/>
+          </a:p>
+        </p:txBody>
+      </p:sp>
+    </p:spTree>
+    <p:extLst>
+      <p:ext uri="{BB962C8B-B14F-4D97-AF65-F5344CB8AC3E}">
+        <p14:creationId xmlns:p14="http://schemas.microsoft.com/office/powerpoint/2010/main" val="3108066272"/>
       </p:ext>
     </p:extLst>
   </p:cSld>
@@ -12318,390 +12369,6 @@
           <a:p>
             <a:r>
               <a:rPr lang="ru-RU" dirty="0" smtClean="0"/>
-              <a:t>Гипервизор</a:t>
-            </a:r>
-            <a:endParaRPr lang="ru-RU" dirty="0"/>
-          </a:p>
-        </p:txBody>
-      </p:sp>
-      <p:sp>
-        <p:nvSpPr>
-          <p:cNvPr id="4" name="Прямоугольник 3"/>
-          <p:cNvSpPr/>
-          <p:nvPr/>
-        </p:nvSpPr>
-        <p:spPr>
-          <a:xfrm>
-            <a:off x="755576" y="1772816"/>
-            <a:ext cx="7632848" cy="4392488"/>
-          </a:xfrm>
-          <a:prstGeom prst="rect">
-            <a:avLst/>
-          </a:prstGeom>
-        </p:spPr>
-        <p:style>
-          <a:lnRef idx="2">
-            <a:schemeClr val="accent1">
-              <a:shade val="50000"/>
-            </a:schemeClr>
-          </a:lnRef>
-          <a:fillRef idx="1">
-            <a:schemeClr val="accent1"/>
-          </a:fillRef>
-          <a:effectRef idx="0">
-            <a:schemeClr val="accent1"/>
-          </a:effectRef>
-          <a:fontRef idx="minor">
-            <a:schemeClr val="lt1"/>
-          </a:fontRef>
-        </p:style>
-        <p:txBody>
-          <a:bodyPr rtlCol="0" anchor="t"/>
-          <a:lstStyle/>
-          <a:p>
-            <a:pPr algn="ctr"/>
-            <a:r>
-              <a:rPr lang="en-US" sz="4400" dirty="0" smtClean="0"/>
-              <a:t>Windows</a:t>
-            </a:r>
-            <a:endParaRPr lang="ru-RU" sz="4400" dirty="0"/>
-          </a:p>
-        </p:txBody>
-      </p:sp>
-      <p:sp>
-        <p:nvSpPr>
-          <p:cNvPr id="5" name="Прямоугольник 4"/>
-          <p:cNvSpPr/>
-          <p:nvPr/>
-        </p:nvSpPr>
-        <p:spPr>
-          <a:xfrm>
-            <a:off x="981293" y="2852936"/>
-            <a:ext cx="7119099" cy="3096344"/>
-          </a:xfrm>
-          <a:prstGeom prst="rect">
-            <a:avLst/>
-          </a:prstGeom>
-          <a:solidFill>
-            <a:srgbClr val="00B0F0"/>
-          </a:solidFill>
-        </p:spPr>
-        <p:style>
-          <a:lnRef idx="2">
-            <a:schemeClr val="accent1">
-              <a:shade val="50000"/>
-            </a:schemeClr>
-          </a:lnRef>
-          <a:fillRef idx="1">
-            <a:schemeClr val="accent1"/>
-          </a:fillRef>
-          <a:effectRef idx="0">
-            <a:schemeClr val="accent1"/>
-          </a:effectRef>
-          <a:fontRef idx="minor">
-            <a:schemeClr val="lt1"/>
-          </a:fontRef>
-        </p:style>
-        <p:txBody>
-          <a:bodyPr rtlCol="0" anchor="t"/>
-          <a:lstStyle/>
-          <a:p>
-            <a:pPr algn="ctr"/>
-            <a:r>
-              <a:rPr lang="en-US" sz="4400" dirty="0" smtClean="0"/>
-              <a:t>Virtual Box</a:t>
-            </a:r>
-            <a:endParaRPr lang="ru-RU" sz="3600" dirty="0"/>
-          </a:p>
-        </p:txBody>
-      </p:sp>
-      <p:sp>
-        <p:nvSpPr>
-          <p:cNvPr id="6" name="Прямоугольник 5"/>
-          <p:cNvSpPr/>
-          <p:nvPr/>
-        </p:nvSpPr>
-        <p:spPr>
-          <a:xfrm>
-            <a:off x="1115617" y="3789040"/>
-            <a:ext cx="2088232" cy="2016224"/>
-          </a:xfrm>
-          <a:prstGeom prst="rect">
-            <a:avLst/>
-          </a:prstGeom>
-          <a:solidFill>
-            <a:srgbClr val="00B050"/>
-          </a:solidFill>
-        </p:spPr>
-        <p:style>
-          <a:lnRef idx="2">
-            <a:schemeClr val="accent1">
-              <a:shade val="50000"/>
-            </a:schemeClr>
-          </a:lnRef>
-          <a:fillRef idx="1">
-            <a:schemeClr val="accent1"/>
-          </a:fillRef>
-          <a:effectRef idx="0">
-            <a:schemeClr val="accent1"/>
-          </a:effectRef>
-          <a:fontRef idx="minor">
-            <a:schemeClr val="lt1"/>
-          </a:fontRef>
-        </p:style>
-        <p:txBody>
-          <a:bodyPr rtlCol="0" anchor="ctr"/>
-          <a:lstStyle/>
-          <a:p>
-            <a:pPr algn="ctr"/>
-            <a:r>
-              <a:rPr lang="en-US" sz="4800" dirty="0" smtClean="0"/>
-              <a:t>Linux</a:t>
-            </a:r>
-            <a:endParaRPr lang="ru-RU" sz="4800" dirty="0"/>
-          </a:p>
-        </p:txBody>
-      </p:sp>
-      <p:sp>
-        <p:nvSpPr>
-          <p:cNvPr id="7" name="Прямоугольник 6"/>
-          <p:cNvSpPr/>
-          <p:nvPr/>
-        </p:nvSpPr>
-        <p:spPr>
-          <a:xfrm>
-            <a:off x="3347864" y="3789040"/>
-            <a:ext cx="2160240" cy="2016224"/>
-          </a:xfrm>
-          <a:prstGeom prst="rect">
-            <a:avLst/>
-          </a:prstGeom>
-          <a:solidFill>
-            <a:srgbClr val="00B050"/>
-          </a:solidFill>
-        </p:spPr>
-        <p:style>
-          <a:lnRef idx="2">
-            <a:schemeClr val="accent1">
-              <a:shade val="50000"/>
-            </a:schemeClr>
-          </a:lnRef>
-          <a:fillRef idx="1">
-            <a:schemeClr val="accent1"/>
-          </a:fillRef>
-          <a:effectRef idx="0">
-            <a:schemeClr val="accent1"/>
-          </a:effectRef>
-          <a:fontRef idx="minor">
-            <a:schemeClr val="lt1"/>
-          </a:fontRef>
-        </p:style>
-        <p:txBody>
-          <a:bodyPr rtlCol="0" anchor="ctr"/>
-          <a:lstStyle/>
-          <a:p>
-            <a:pPr algn="ctr"/>
-            <a:r>
-              <a:rPr lang="en-US" sz="4800" dirty="0" smtClean="0"/>
-              <a:t>Linux</a:t>
-            </a:r>
-            <a:endParaRPr lang="ru-RU" sz="4800" dirty="0"/>
-          </a:p>
-        </p:txBody>
-      </p:sp>
-      <p:sp>
-        <p:nvSpPr>
-          <p:cNvPr id="8" name="Прямоугольник 7"/>
-          <p:cNvSpPr/>
-          <p:nvPr/>
-        </p:nvSpPr>
-        <p:spPr>
-          <a:xfrm>
-            <a:off x="5652120" y="3789040"/>
-            <a:ext cx="2223864" cy="2016224"/>
-          </a:xfrm>
-          <a:prstGeom prst="rect">
-            <a:avLst/>
-          </a:prstGeom>
-          <a:solidFill>
-            <a:srgbClr val="00B050"/>
-          </a:solidFill>
-        </p:spPr>
-        <p:style>
-          <a:lnRef idx="2">
-            <a:schemeClr val="accent1">
-              <a:shade val="50000"/>
-            </a:schemeClr>
-          </a:lnRef>
-          <a:fillRef idx="1">
-            <a:schemeClr val="accent1"/>
-          </a:fillRef>
-          <a:effectRef idx="0">
-            <a:schemeClr val="accent1"/>
-          </a:effectRef>
-          <a:fontRef idx="minor">
-            <a:schemeClr val="lt1"/>
-          </a:fontRef>
-        </p:style>
-        <p:txBody>
-          <a:bodyPr rtlCol="0" anchor="ctr"/>
-          <a:lstStyle/>
-          <a:p>
-            <a:pPr algn="ctr"/>
-            <a:r>
-              <a:rPr lang="en-US" sz="4800" dirty="0" smtClean="0"/>
-              <a:t>Linux</a:t>
-            </a:r>
-            <a:endParaRPr lang="ru-RU" sz="4800" dirty="0"/>
-          </a:p>
-        </p:txBody>
-      </p:sp>
-      <p:sp>
-        <p:nvSpPr>
-          <p:cNvPr id="9" name="Стрелка вправо 8"/>
-          <p:cNvSpPr/>
-          <p:nvPr/>
-        </p:nvSpPr>
-        <p:spPr>
-          <a:xfrm rot="16200000">
-            <a:off x="1562494" y="2939773"/>
-            <a:ext cx="1194476" cy="792088"/>
-          </a:xfrm>
-          <a:prstGeom prst="rightArrow">
-            <a:avLst/>
-          </a:prstGeom>
-          <a:solidFill>
-            <a:schemeClr val="accent4">
-              <a:lumMod val="20000"/>
-              <a:lumOff val="80000"/>
-            </a:schemeClr>
-          </a:solidFill>
-        </p:spPr>
-        <p:style>
-          <a:lnRef idx="2">
-            <a:schemeClr val="accent1">
-              <a:shade val="50000"/>
-            </a:schemeClr>
-          </a:lnRef>
-          <a:fillRef idx="1">
-            <a:schemeClr val="accent1"/>
-          </a:fillRef>
-          <a:effectRef idx="0">
-            <a:schemeClr val="accent1"/>
-          </a:effectRef>
-          <a:fontRef idx="minor">
-            <a:schemeClr val="lt1"/>
-          </a:fontRef>
-        </p:style>
-        <p:txBody>
-          <a:bodyPr rtlCol="0" anchor="ctr"/>
-          <a:lstStyle/>
-          <a:p>
-            <a:pPr algn="ctr"/>
-            <a:endParaRPr lang="ru-RU"/>
-          </a:p>
-        </p:txBody>
-      </p:sp>
-      <p:sp>
-        <p:nvSpPr>
-          <p:cNvPr id="10" name="Стрелка вправо 9"/>
-          <p:cNvSpPr/>
-          <p:nvPr/>
-        </p:nvSpPr>
-        <p:spPr>
-          <a:xfrm rot="16200000">
-            <a:off x="6171006" y="2922790"/>
-            <a:ext cx="1194476" cy="792088"/>
-          </a:xfrm>
-          <a:prstGeom prst="rightArrow">
-            <a:avLst/>
-          </a:prstGeom>
-          <a:solidFill>
-            <a:schemeClr val="accent4">
-              <a:lumMod val="20000"/>
-              <a:lumOff val="80000"/>
-            </a:schemeClr>
-          </a:solidFill>
-        </p:spPr>
-        <p:style>
-          <a:lnRef idx="2">
-            <a:schemeClr val="accent1">
-              <a:shade val="50000"/>
-            </a:schemeClr>
-          </a:lnRef>
-          <a:fillRef idx="1">
-            <a:schemeClr val="accent1"/>
-          </a:fillRef>
-          <a:effectRef idx="0">
-            <a:schemeClr val="accent1"/>
-          </a:effectRef>
-          <a:fontRef idx="minor">
-            <a:schemeClr val="lt1"/>
-          </a:fontRef>
-        </p:style>
-        <p:txBody>
-          <a:bodyPr rtlCol="0" anchor="ctr"/>
-          <a:lstStyle/>
-          <a:p>
-            <a:pPr algn="ctr"/>
-            <a:endParaRPr lang="ru-RU"/>
-          </a:p>
-        </p:txBody>
-      </p:sp>
-    </p:spTree>
-    <p:extLst>
-      <p:ext uri="{BB962C8B-B14F-4D97-AF65-F5344CB8AC3E}">
-        <p14:creationId xmlns:p14="http://schemas.microsoft.com/office/powerpoint/2010/main" val="3108066272"/>
-      </p:ext>
-    </p:extLst>
-  </p:cSld>
-  <p:clrMapOvr>
-    <a:masterClrMapping/>
-  </p:clrMapOvr>
-  <p:timing>
-    <p:tnLst>
-      <p:par>
-        <p:cTn id="1" dur="indefinite" restart="never" nodeType="tmRoot"/>
-      </p:par>
-    </p:tnLst>
-  </p:timing>
-</p:sld>
-</file>
-
-<file path=ppt/slides/slide8.xml><?xml version="1.0" encoding="utf-8"?>
-<p:sld xmlns:a="http://schemas.openxmlformats.org/drawingml/2006/main" xmlns:r="http://schemas.openxmlformats.org/officeDocument/2006/relationships" xmlns:p="http://schemas.openxmlformats.org/presentationml/2006/main">
-  <p:cSld>
-    <p:spTree>
-      <p:nvGrpSpPr>
-        <p:cNvPr id="1" name=""/>
-        <p:cNvGrpSpPr/>
-        <p:nvPr/>
-      </p:nvGrpSpPr>
-      <p:grpSpPr>
-        <a:xfrm>
-          <a:off x="0" y="0"/>
-          <a:ext cx="0" cy="0"/>
-          <a:chOff x="0" y="0"/>
-          <a:chExt cx="0" cy="0"/>
-        </a:xfrm>
-      </p:grpSpPr>
-      <p:sp>
-        <p:nvSpPr>
-          <p:cNvPr id="2" name="Заголовок 1"/>
-          <p:cNvSpPr>
-            <a:spLocks noGrp="1"/>
-          </p:cNvSpPr>
-          <p:nvPr>
-            <p:ph type="title"/>
-          </p:nvPr>
-        </p:nvSpPr>
-        <p:spPr/>
-        <p:txBody>
-          <a:bodyPr/>
-          <a:lstStyle/>
-          <a:p>
-            <a:r>
-              <a:rPr lang="ru-RU" dirty="0" smtClean="0"/>
               <a:t>Почему это сложно?</a:t>
             </a:r>
             <a:endParaRPr lang="ru-RU" dirty="0"/>
@@ -12784,7 +12451,7 @@
 </p:sld>
 </file>
 
-<file path=ppt/slides/slide9.xml><?xml version="1.0" encoding="utf-8"?>
+<file path=ppt/slides/slide8.xml><?xml version="1.0" encoding="utf-8"?>
 <p:sld xmlns:a="http://schemas.openxmlformats.org/drawingml/2006/main" xmlns:r="http://schemas.openxmlformats.org/officeDocument/2006/relationships" xmlns:p="http://schemas.openxmlformats.org/presentationml/2006/main">
   <p:cSld>
     <p:spTree>
@@ -13095,6 +12762,168 @@
     <p:bldLst>
       <p:bldP spid="7" grpId="0" animBg="1"/>
     </p:bldLst>
+  </p:timing>
+</p:sld>
+</file>
+
+<file path=ppt/slides/slide9.xml><?xml version="1.0" encoding="utf-8"?>
+<p:sld xmlns:a="http://schemas.openxmlformats.org/drawingml/2006/main" xmlns:r="http://schemas.openxmlformats.org/officeDocument/2006/relationships" xmlns:p="http://schemas.openxmlformats.org/presentationml/2006/main">
+  <p:cSld>
+    <p:spTree>
+      <p:nvGrpSpPr>
+        <p:cNvPr id="1" name=""/>
+        <p:cNvGrpSpPr/>
+        <p:nvPr/>
+      </p:nvGrpSpPr>
+      <p:grpSpPr>
+        <a:xfrm>
+          <a:off x="0" y="0"/>
+          <a:ext cx="0" cy="0"/>
+          <a:chOff x="0" y="0"/>
+          <a:chExt cx="0" cy="0"/>
+        </a:xfrm>
+      </p:grpSpPr>
+      <p:sp>
+        <p:nvSpPr>
+          <p:cNvPr id="2" name="Заголовок 1"/>
+          <p:cNvSpPr>
+            <a:spLocks noGrp="1"/>
+          </p:cNvSpPr>
+          <p:nvPr>
+            <p:ph type="title"/>
+          </p:nvPr>
+        </p:nvSpPr>
+        <p:spPr/>
+        <p:txBody>
+          <a:bodyPr/>
+          <a:lstStyle/>
+          <a:p>
+            <a:r>
+              <a:rPr lang="ru-RU" dirty="0" smtClean="0"/>
+              <a:t>Аппаратная поддержка</a:t>
+            </a:r>
+            <a:endParaRPr lang="ru-RU" dirty="0"/>
+          </a:p>
+        </p:txBody>
+      </p:sp>
+      <p:sp>
+        <p:nvSpPr>
+          <p:cNvPr id="3" name="Объект 2"/>
+          <p:cNvSpPr>
+            <a:spLocks noGrp="1"/>
+          </p:cNvSpPr>
+          <p:nvPr>
+            <p:ph sz="quarter" idx="1"/>
+          </p:nvPr>
+        </p:nvSpPr>
+        <p:spPr>
+          <a:xfrm>
+            <a:off x="457200" y="1384176"/>
+            <a:ext cx="8229600" cy="4997152"/>
+          </a:xfrm>
+        </p:spPr>
+        <p:txBody>
+          <a:bodyPr>
+            <a:normAutofit/>
+          </a:bodyPr>
+          <a:lstStyle/>
+          <a:p>
+            <a:r>
+              <a:rPr lang="ru-RU" dirty="0" smtClean="0"/>
+              <a:t>Аппаратный</a:t>
+            </a:r>
+            <a:endParaRPr lang="en-US" dirty="0" smtClean="0"/>
+          </a:p>
+          <a:p>
+            <a:pPr lvl="1"/>
+            <a:r>
+              <a:rPr lang="ru-RU" dirty="0" smtClean="0"/>
+              <a:t>Процессор</a:t>
+            </a:r>
+          </a:p>
+          <a:p>
+            <a:pPr lvl="2"/>
+            <a:r>
+              <a:rPr lang="en-US" dirty="0" smtClean="0"/>
+              <a:t>AMD-V</a:t>
+            </a:r>
+            <a:r>
+              <a:rPr lang="ru-RU" dirty="0" smtClean="0"/>
+              <a:t> </a:t>
+            </a:r>
+            <a:r>
+              <a:rPr lang="en-US" dirty="0" smtClean="0"/>
+              <a:t>/ SMV</a:t>
+            </a:r>
+          </a:p>
+          <a:p>
+            <a:pPr lvl="2"/>
+            <a:r>
+              <a:rPr lang="en-US" dirty="0" smtClean="0"/>
+              <a:t>VT-x</a:t>
+            </a:r>
+            <a:endParaRPr lang="ru-RU" dirty="0" smtClean="0"/>
+          </a:p>
+          <a:p>
+            <a:pPr lvl="1"/>
+            <a:r>
+              <a:rPr lang="ru-RU" dirty="0" smtClean="0"/>
+              <a:t>Память</a:t>
+            </a:r>
+          </a:p>
+          <a:p>
+            <a:pPr lvl="2"/>
+            <a:r>
+              <a:rPr lang="en-US" dirty="0" smtClean="0"/>
+              <a:t>EPT</a:t>
+            </a:r>
+          </a:p>
+          <a:p>
+            <a:pPr lvl="1"/>
+            <a:r>
+              <a:rPr lang="ru-RU" dirty="0" smtClean="0"/>
+              <a:t>Ввод-вывод</a:t>
+            </a:r>
+          </a:p>
+          <a:p>
+            <a:pPr lvl="2"/>
+            <a:r>
+              <a:rPr lang="en-US" dirty="0" smtClean="0"/>
+              <a:t>VT-v</a:t>
+            </a:r>
+          </a:p>
+          <a:p>
+            <a:r>
+              <a:rPr lang="ru-RU" dirty="0" smtClean="0"/>
+              <a:t>Хорошо если есть</a:t>
+            </a:r>
+          </a:p>
+          <a:p>
+            <a:pPr lvl="1"/>
+            <a:r>
+              <a:rPr lang="ru-RU" dirty="0" smtClean="0"/>
+              <a:t>Но не факт что поможет</a:t>
+            </a:r>
+            <a:endParaRPr lang="en-US" dirty="0" smtClean="0"/>
+          </a:p>
+        </p:txBody>
+      </p:sp>
+    </p:spTree>
+    <p:extLst>
+      <p:ext uri="{BB962C8B-B14F-4D97-AF65-F5344CB8AC3E}">
+        <p14:creationId xmlns:p14="http://schemas.microsoft.com/office/powerpoint/2010/main" val="1843009874"/>
+      </p:ext>
+    </p:extLst>
+  </p:cSld>
+  <p:clrMapOvr>
+    <a:masterClrMapping/>
+  </p:clrMapOvr>
+  <p:timing>
+    <p:tnLst>
+      <p:par>
+        <p:cTn id="1" dur="indefinite" restart="never" nodeType="tmRoot"/>
+      </p:par>
+    </p:tnLst>
   </p:timing>
 </p:sld>
 </file>
